--- a/AI Chatbot Workshop.pptx
+++ b/AI Chatbot Workshop.pptx
@@ -21,21 +21,25 @@
     <p:sldId id="266" r:id="rId16"/>
     <p:sldId id="267" r:id="rId17"/>
     <p:sldId id="268" r:id="rId18"/>
+    <p:sldId id="269" r:id="rId19"/>
+    <p:sldId id="270" r:id="rId20"/>
+    <p:sldId id="271" r:id="rId21"/>
+    <p:sldId id="272" r:id="rId22"/>
   </p:sldIdLst>
   <p:sldSz cy="5143500" cx="9144000"/>
   <p:notesSz cx="6858000" cy="9144000"/>
   <p:embeddedFontLst>
     <p:embeddedFont>
       <p:font typeface="Nunito"/>
-      <p:regular r:id="rId19"/>
-      <p:bold r:id="rId20"/>
-      <p:italic r:id="rId21"/>
-      <p:boldItalic r:id="rId22"/>
+      <p:regular r:id="rId23"/>
+      <p:bold r:id="rId24"/>
+      <p:italic r:id="rId25"/>
+      <p:boldItalic r:id="rId26"/>
     </p:embeddedFont>
     <p:embeddedFont>
       <p:font typeface="Maven Pro"/>
-      <p:regular r:id="rId23"/>
-      <p:bold r:id="rId24"/>
+      <p:regular r:id="rId27"/>
+      <p:bold r:id="rId28"/>
     </p:embeddedFont>
   </p:embeddedFontLst>
   <p:defaultTextStyle>
@@ -816,7 +820,7 @@
   <p:cSld>
     <p:spTree>
       <p:nvGrpSpPr>
-        <p:cNvPr id="326" name="Shape 326"/>
+        <p:cNvPr id="332" name="Shape 332"/>
         <p:cNvGrpSpPr/>
         <p:nvPr/>
       </p:nvGrpSpPr>
@@ -830,7 +834,7 @@
       </p:grpSpPr>
       <p:sp>
         <p:nvSpPr>
-          <p:cNvPr id="327" name="Google Shape;327;g32d2216018a_0_332:notes"/>
+          <p:cNvPr id="333" name="Google Shape;333;g32d6892567c_0_23:notes"/>
           <p:cNvSpPr/>
           <p:nvPr>
             <p:ph idx="2" type="sldImg"/>
@@ -865,7 +869,7 @@
       </p:sp>
       <p:sp>
         <p:nvSpPr>
-          <p:cNvPr id="328" name="Google Shape;328;g32d2216018a_0_332:notes"/>
+          <p:cNvPr id="334" name="Google Shape;334;g32d6892567c_0_23:notes"/>
           <p:cNvSpPr txBox="1"/>
           <p:nvPr>
             <p:ph idx="1" type="body"/>
@@ -915,7 +919,7 @@
   <p:cSld>
     <p:spTree>
       <p:nvGrpSpPr>
-        <p:cNvPr id="332" name="Shape 332"/>
+        <p:cNvPr id="338" name="Shape 338"/>
         <p:cNvGrpSpPr/>
         <p:nvPr/>
       </p:nvGrpSpPr>
@@ -929,7 +933,7 @@
       </p:grpSpPr>
       <p:sp>
         <p:nvSpPr>
-          <p:cNvPr id="333" name="Google Shape;333;g32d2216018a_0_342:notes"/>
+          <p:cNvPr id="339" name="Google Shape;339;g32d6892567c_0_28:notes"/>
           <p:cNvSpPr/>
           <p:nvPr>
             <p:ph idx="2" type="sldImg"/>
@@ -964,7 +968,7 @@
       </p:sp>
       <p:sp>
         <p:nvSpPr>
-          <p:cNvPr id="334" name="Google Shape;334;g32d2216018a_0_342:notes"/>
+          <p:cNvPr id="340" name="Google Shape;340;g32d6892567c_0_28:notes"/>
           <p:cNvSpPr txBox="1"/>
           <p:nvPr>
             <p:ph idx="1" type="body"/>
@@ -1014,7 +1018,7 @@
   <p:cSld>
     <p:spTree>
       <p:nvGrpSpPr>
-        <p:cNvPr id="338" name="Shape 338"/>
+        <p:cNvPr id="344" name="Shape 344"/>
         <p:cNvGrpSpPr/>
         <p:nvPr/>
       </p:nvGrpSpPr>
@@ -1028,7 +1032,7 @@
       </p:grpSpPr>
       <p:sp>
         <p:nvSpPr>
-          <p:cNvPr id="339" name="Google Shape;339;g32d2216018a_0_347:notes"/>
+          <p:cNvPr id="345" name="Google Shape;345;g32d2216018a_0_327:notes"/>
           <p:cNvSpPr/>
           <p:nvPr>
             <p:ph idx="2" type="sldImg"/>
@@ -1063,7 +1067,7 @@
       </p:sp>
       <p:sp>
         <p:nvSpPr>
-          <p:cNvPr id="340" name="Google Shape;340;g32d2216018a_0_347:notes"/>
+          <p:cNvPr id="346" name="Google Shape;346;g32d2216018a_0_327:notes"/>
           <p:cNvSpPr txBox="1"/>
           <p:nvPr>
             <p:ph idx="1" type="body"/>
@@ -1113,7 +1117,7 @@
   <p:cSld>
     <p:spTree>
       <p:nvGrpSpPr>
-        <p:cNvPr id="344" name="Shape 344"/>
+        <p:cNvPr id="350" name="Shape 350"/>
         <p:cNvGrpSpPr/>
         <p:nvPr/>
       </p:nvGrpSpPr>
@@ -1127,7 +1131,7 @@
       </p:grpSpPr>
       <p:sp>
         <p:nvSpPr>
-          <p:cNvPr id="345" name="Google Shape;345;g32d2216018a_0_352:notes"/>
+          <p:cNvPr id="351" name="Google Shape;351;g32d6892567c_0_36:notes"/>
           <p:cNvSpPr/>
           <p:nvPr>
             <p:ph idx="2" type="sldImg"/>
@@ -1162,7 +1166,403 @@
       </p:sp>
       <p:sp>
         <p:nvSpPr>
-          <p:cNvPr id="346" name="Google Shape;346;g32d2216018a_0_352:notes"/>
+          <p:cNvPr id="352" name="Google Shape;352;g32d6892567c_0_36:notes"/>
+          <p:cNvSpPr txBox="1"/>
+          <p:nvPr>
+            <p:ph idx="1" type="body"/>
+          </p:nvPr>
+        </p:nvSpPr>
+        <p:spPr>
+          <a:xfrm>
+            <a:off x="685800" y="4343400"/>
+            <a:ext cx="5486400" cy="4114800"/>
+          </a:xfrm>
+          <a:prstGeom prst="rect">
+            <a:avLst/>
+          </a:prstGeom>
+        </p:spPr>
+        <p:txBody>
+          <a:bodyPr anchorCtr="0" anchor="t" bIns="91425" lIns="91425" spcFirstLastPara="1" rIns="91425" wrap="square" tIns="91425">
+            <a:noAutofit/>
+          </a:bodyPr>
+          <a:lstStyle/>
+          <a:p>
+            <a:pPr indent="0" lvl="0" marL="0" rtl="0" algn="l">
+              <a:spcBef>
+                <a:spcPts val="0"/>
+              </a:spcBef>
+              <a:spcAft>
+                <a:spcPts val="0"/>
+              </a:spcAft>
+              <a:buNone/>
+            </a:pPr>
+            <a:r>
+              <a:t/>
+            </a:r>
+            <a:endParaRPr/>
+          </a:p>
+        </p:txBody>
+      </p:sp>
+    </p:spTree>
+  </p:cSld>
+  <p:clrMapOvr>
+    <a:masterClrMapping/>
+  </p:clrMapOvr>
+</p:notes>
+</file>
+
+<file path=ppt/notesSlides/notesSlide14.xml><?xml version="1.0" encoding="utf-8"?>
+<p:notes xmlns:a="http://schemas.openxmlformats.org/drawingml/2006/main" xmlns:r="http://schemas.openxmlformats.org/officeDocument/2006/relationships" xmlns:mc="http://schemas.openxmlformats.org/markup-compatibility/2006" xmlns:mv="urn:schemas-microsoft-com:mac:vml" xmlns:p="http://schemas.openxmlformats.org/presentationml/2006/main" xmlns:c="http://schemas.openxmlformats.org/drawingml/2006/chart" xmlns:dgm="http://schemas.openxmlformats.org/drawingml/2006/diagram" xmlns:o="urn:schemas-microsoft-com:office:office" xmlns:v="urn:schemas-microsoft-com:vml" xmlns:pvml="urn:schemas-microsoft-com:office:powerpoint" xmlns:com="http://schemas.openxmlformats.org/drawingml/2006/compatibility" xmlns:p14="http://schemas.microsoft.com/office/powerpoint/2010/main" xmlns:p15="http://schemas.microsoft.com/office/powerpoint/2012/main" xmlns:ahyp="http://schemas.microsoft.com/office/drawing/2018/hyperlinkcolor" showMasterPhAnim="0" showMasterSp="0">
+  <p:cSld>
+    <p:spTree>
+      <p:nvGrpSpPr>
+        <p:cNvPr id="356" name="Shape 356"/>
+        <p:cNvGrpSpPr/>
+        <p:nvPr/>
+      </p:nvGrpSpPr>
+      <p:grpSpPr>
+        <a:xfrm>
+          <a:off x="0" y="0"/>
+          <a:ext cx="0" cy="0"/>
+          <a:chOff x="0" y="0"/>
+          <a:chExt cx="0" cy="0"/>
+        </a:xfrm>
+      </p:grpSpPr>
+      <p:sp>
+        <p:nvSpPr>
+          <p:cNvPr id="357" name="Google Shape;357;g32d2216018a_0_332:notes"/>
+          <p:cNvSpPr/>
+          <p:nvPr>
+            <p:ph idx="2" type="sldImg"/>
+          </p:nvPr>
+        </p:nvSpPr>
+        <p:spPr>
+          <a:xfrm>
+            <a:off x="381300" y="685800"/>
+            <a:ext cx="6096000" cy="3429000"/>
+          </a:xfrm>
+          <a:custGeom>
+            <a:rect b="b" l="l" r="r" t="t"/>
+            <a:pathLst>
+              <a:path extrusionOk="0" h="120000" w="120000">
+                <a:moveTo>
+                  <a:pt x="0" y="0"/>
+                </a:moveTo>
+                <a:lnTo>
+                  <a:pt x="120000" y="0"/>
+                </a:lnTo>
+                <a:lnTo>
+                  <a:pt x="120000" y="120000"/>
+                </a:lnTo>
+                <a:lnTo>
+                  <a:pt x="0" y="120000"/>
+                </a:lnTo>
+                <a:close/>
+              </a:path>
+            </a:pathLst>
+          </a:custGeom>
+        </p:spPr>
+      </p:sp>
+      <p:sp>
+        <p:nvSpPr>
+          <p:cNvPr id="358" name="Google Shape;358;g32d2216018a_0_332:notes"/>
+          <p:cNvSpPr txBox="1"/>
+          <p:nvPr>
+            <p:ph idx="1" type="body"/>
+          </p:nvPr>
+        </p:nvSpPr>
+        <p:spPr>
+          <a:xfrm>
+            <a:off x="685800" y="4343400"/>
+            <a:ext cx="5486400" cy="4114800"/>
+          </a:xfrm>
+          <a:prstGeom prst="rect">
+            <a:avLst/>
+          </a:prstGeom>
+        </p:spPr>
+        <p:txBody>
+          <a:bodyPr anchorCtr="0" anchor="t" bIns="91425" lIns="91425" spcFirstLastPara="1" rIns="91425" wrap="square" tIns="91425">
+            <a:noAutofit/>
+          </a:bodyPr>
+          <a:lstStyle/>
+          <a:p>
+            <a:pPr indent="0" lvl="0" marL="0" rtl="0" algn="l">
+              <a:spcBef>
+                <a:spcPts val="0"/>
+              </a:spcBef>
+              <a:spcAft>
+                <a:spcPts val="0"/>
+              </a:spcAft>
+              <a:buNone/>
+            </a:pPr>
+            <a:r>
+              <a:t/>
+            </a:r>
+            <a:endParaRPr/>
+          </a:p>
+        </p:txBody>
+      </p:sp>
+    </p:spTree>
+  </p:cSld>
+  <p:clrMapOvr>
+    <a:masterClrMapping/>
+  </p:clrMapOvr>
+</p:notes>
+</file>
+
+<file path=ppt/notesSlides/notesSlide15.xml><?xml version="1.0" encoding="utf-8"?>
+<p:notes xmlns:a="http://schemas.openxmlformats.org/drawingml/2006/main" xmlns:r="http://schemas.openxmlformats.org/officeDocument/2006/relationships" xmlns:mc="http://schemas.openxmlformats.org/markup-compatibility/2006" xmlns:mv="urn:schemas-microsoft-com:mac:vml" xmlns:p="http://schemas.openxmlformats.org/presentationml/2006/main" xmlns:c="http://schemas.openxmlformats.org/drawingml/2006/chart" xmlns:dgm="http://schemas.openxmlformats.org/drawingml/2006/diagram" xmlns:o="urn:schemas-microsoft-com:office:office" xmlns:v="urn:schemas-microsoft-com:vml" xmlns:pvml="urn:schemas-microsoft-com:office:powerpoint" xmlns:com="http://schemas.openxmlformats.org/drawingml/2006/compatibility" xmlns:p14="http://schemas.microsoft.com/office/powerpoint/2010/main" xmlns:p15="http://schemas.microsoft.com/office/powerpoint/2012/main" xmlns:ahyp="http://schemas.microsoft.com/office/drawing/2018/hyperlinkcolor" showMasterPhAnim="0" showMasterSp="0">
+  <p:cSld>
+    <p:spTree>
+      <p:nvGrpSpPr>
+        <p:cNvPr id="362" name="Shape 362"/>
+        <p:cNvGrpSpPr/>
+        <p:nvPr/>
+      </p:nvGrpSpPr>
+      <p:grpSpPr>
+        <a:xfrm>
+          <a:off x="0" y="0"/>
+          <a:ext cx="0" cy="0"/>
+          <a:chOff x="0" y="0"/>
+          <a:chExt cx="0" cy="0"/>
+        </a:xfrm>
+      </p:grpSpPr>
+      <p:sp>
+        <p:nvSpPr>
+          <p:cNvPr id="363" name="Google Shape;363;g32d2216018a_0_342:notes"/>
+          <p:cNvSpPr/>
+          <p:nvPr>
+            <p:ph idx="2" type="sldImg"/>
+          </p:nvPr>
+        </p:nvSpPr>
+        <p:spPr>
+          <a:xfrm>
+            <a:off x="381300" y="685800"/>
+            <a:ext cx="6096000" cy="3429000"/>
+          </a:xfrm>
+          <a:custGeom>
+            <a:rect b="b" l="l" r="r" t="t"/>
+            <a:pathLst>
+              <a:path extrusionOk="0" h="120000" w="120000">
+                <a:moveTo>
+                  <a:pt x="0" y="0"/>
+                </a:moveTo>
+                <a:lnTo>
+                  <a:pt x="120000" y="0"/>
+                </a:lnTo>
+                <a:lnTo>
+                  <a:pt x="120000" y="120000"/>
+                </a:lnTo>
+                <a:lnTo>
+                  <a:pt x="0" y="120000"/>
+                </a:lnTo>
+                <a:close/>
+              </a:path>
+            </a:pathLst>
+          </a:custGeom>
+        </p:spPr>
+      </p:sp>
+      <p:sp>
+        <p:nvSpPr>
+          <p:cNvPr id="364" name="Google Shape;364;g32d2216018a_0_342:notes"/>
+          <p:cNvSpPr txBox="1"/>
+          <p:nvPr>
+            <p:ph idx="1" type="body"/>
+          </p:nvPr>
+        </p:nvSpPr>
+        <p:spPr>
+          <a:xfrm>
+            <a:off x="685800" y="4343400"/>
+            <a:ext cx="5486400" cy="4114800"/>
+          </a:xfrm>
+          <a:prstGeom prst="rect">
+            <a:avLst/>
+          </a:prstGeom>
+        </p:spPr>
+        <p:txBody>
+          <a:bodyPr anchorCtr="0" anchor="t" bIns="91425" lIns="91425" spcFirstLastPara="1" rIns="91425" wrap="square" tIns="91425">
+            <a:noAutofit/>
+          </a:bodyPr>
+          <a:lstStyle/>
+          <a:p>
+            <a:pPr indent="0" lvl="0" marL="0" rtl="0" algn="l">
+              <a:spcBef>
+                <a:spcPts val="0"/>
+              </a:spcBef>
+              <a:spcAft>
+                <a:spcPts val="0"/>
+              </a:spcAft>
+              <a:buNone/>
+            </a:pPr>
+            <a:r>
+              <a:t/>
+            </a:r>
+            <a:endParaRPr/>
+          </a:p>
+        </p:txBody>
+      </p:sp>
+    </p:spTree>
+  </p:cSld>
+  <p:clrMapOvr>
+    <a:masterClrMapping/>
+  </p:clrMapOvr>
+</p:notes>
+</file>
+
+<file path=ppt/notesSlides/notesSlide16.xml><?xml version="1.0" encoding="utf-8"?>
+<p:notes xmlns:a="http://schemas.openxmlformats.org/drawingml/2006/main" xmlns:r="http://schemas.openxmlformats.org/officeDocument/2006/relationships" xmlns:mc="http://schemas.openxmlformats.org/markup-compatibility/2006" xmlns:mv="urn:schemas-microsoft-com:mac:vml" xmlns:p="http://schemas.openxmlformats.org/presentationml/2006/main" xmlns:c="http://schemas.openxmlformats.org/drawingml/2006/chart" xmlns:dgm="http://schemas.openxmlformats.org/drawingml/2006/diagram" xmlns:o="urn:schemas-microsoft-com:office:office" xmlns:v="urn:schemas-microsoft-com:vml" xmlns:pvml="urn:schemas-microsoft-com:office:powerpoint" xmlns:com="http://schemas.openxmlformats.org/drawingml/2006/compatibility" xmlns:p14="http://schemas.microsoft.com/office/powerpoint/2010/main" xmlns:p15="http://schemas.microsoft.com/office/powerpoint/2012/main" xmlns:ahyp="http://schemas.microsoft.com/office/drawing/2018/hyperlinkcolor" showMasterPhAnim="0" showMasterSp="0">
+  <p:cSld>
+    <p:spTree>
+      <p:nvGrpSpPr>
+        <p:cNvPr id="368" name="Shape 368"/>
+        <p:cNvGrpSpPr/>
+        <p:nvPr/>
+      </p:nvGrpSpPr>
+      <p:grpSpPr>
+        <a:xfrm>
+          <a:off x="0" y="0"/>
+          <a:ext cx="0" cy="0"/>
+          <a:chOff x="0" y="0"/>
+          <a:chExt cx="0" cy="0"/>
+        </a:xfrm>
+      </p:grpSpPr>
+      <p:sp>
+        <p:nvSpPr>
+          <p:cNvPr id="369" name="Google Shape;369;g32d2216018a_0_347:notes"/>
+          <p:cNvSpPr/>
+          <p:nvPr>
+            <p:ph idx="2" type="sldImg"/>
+          </p:nvPr>
+        </p:nvSpPr>
+        <p:spPr>
+          <a:xfrm>
+            <a:off x="381300" y="685800"/>
+            <a:ext cx="6096000" cy="3429000"/>
+          </a:xfrm>
+          <a:custGeom>
+            <a:rect b="b" l="l" r="r" t="t"/>
+            <a:pathLst>
+              <a:path extrusionOk="0" h="120000" w="120000">
+                <a:moveTo>
+                  <a:pt x="0" y="0"/>
+                </a:moveTo>
+                <a:lnTo>
+                  <a:pt x="120000" y="0"/>
+                </a:lnTo>
+                <a:lnTo>
+                  <a:pt x="120000" y="120000"/>
+                </a:lnTo>
+                <a:lnTo>
+                  <a:pt x="0" y="120000"/>
+                </a:lnTo>
+                <a:close/>
+              </a:path>
+            </a:pathLst>
+          </a:custGeom>
+        </p:spPr>
+      </p:sp>
+      <p:sp>
+        <p:nvSpPr>
+          <p:cNvPr id="370" name="Google Shape;370;g32d2216018a_0_347:notes"/>
+          <p:cNvSpPr txBox="1"/>
+          <p:nvPr>
+            <p:ph idx="1" type="body"/>
+          </p:nvPr>
+        </p:nvSpPr>
+        <p:spPr>
+          <a:xfrm>
+            <a:off x="685800" y="4343400"/>
+            <a:ext cx="5486400" cy="4114800"/>
+          </a:xfrm>
+          <a:prstGeom prst="rect">
+            <a:avLst/>
+          </a:prstGeom>
+        </p:spPr>
+        <p:txBody>
+          <a:bodyPr anchorCtr="0" anchor="t" bIns="91425" lIns="91425" spcFirstLastPara="1" rIns="91425" wrap="square" tIns="91425">
+            <a:noAutofit/>
+          </a:bodyPr>
+          <a:lstStyle/>
+          <a:p>
+            <a:pPr indent="0" lvl="0" marL="0" rtl="0" algn="l">
+              <a:spcBef>
+                <a:spcPts val="0"/>
+              </a:spcBef>
+              <a:spcAft>
+                <a:spcPts val="0"/>
+              </a:spcAft>
+              <a:buNone/>
+            </a:pPr>
+            <a:r>
+              <a:t/>
+            </a:r>
+            <a:endParaRPr/>
+          </a:p>
+        </p:txBody>
+      </p:sp>
+    </p:spTree>
+  </p:cSld>
+  <p:clrMapOvr>
+    <a:masterClrMapping/>
+  </p:clrMapOvr>
+</p:notes>
+</file>
+
+<file path=ppt/notesSlides/notesSlide17.xml><?xml version="1.0" encoding="utf-8"?>
+<p:notes xmlns:a="http://schemas.openxmlformats.org/drawingml/2006/main" xmlns:r="http://schemas.openxmlformats.org/officeDocument/2006/relationships" xmlns:mc="http://schemas.openxmlformats.org/markup-compatibility/2006" xmlns:mv="urn:schemas-microsoft-com:mac:vml" xmlns:p="http://schemas.openxmlformats.org/presentationml/2006/main" xmlns:c="http://schemas.openxmlformats.org/drawingml/2006/chart" xmlns:dgm="http://schemas.openxmlformats.org/drawingml/2006/diagram" xmlns:o="urn:schemas-microsoft-com:office:office" xmlns:v="urn:schemas-microsoft-com:vml" xmlns:pvml="urn:schemas-microsoft-com:office:powerpoint" xmlns:com="http://schemas.openxmlformats.org/drawingml/2006/compatibility" xmlns:p14="http://schemas.microsoft.com/office/powerpoint/2010/main" xmlns:p15="http://schemas.microsoft.com/office/powerpoint/2012/main" xmlns:ahyp="http://schemas.microsoft.com/office/drawing/2018/hyperlinkcolor" showMasterPhAnim="0" showMasterSp="0">
+  <p:cSld>
+    <p:spTree>
+      <p:nvGrpSpPr>
+        <p:cNvPr id="374" name="Shape 374"/>
+        <p:cNvGrpSpPr/>
+        <p:nvPr/>
+      </p:nvGrpSpPr>
+      <p:grpSpPr>
+        <a:xfrm>
+          <a:off x="0" y="0"/>
+          <a:ext cx="0" cy="0"/>
+          <a:chOff x="0" y="0"/>
+          <a:chExt cx="0" cy="0"/>
+        </a:xfrm>
+      </p:grpSpPr>
+      <p:sp>
+        <p:nvSpPr>
+          <p:cNvPr id="375" name="Google Shape;375;g32d2216018a_0_352:notes"/>
+          <p:cNvSpPr/>
+          <p:nvPr>
+            <p:ph idx="2" type="sldImg"/>
+          </p:nvPr>
+        </p:nvSpPr>
+        <p:spPr>
+          <a:xfrm>
+            <a:off x="381300" y="685800"/>
+            <a:ext cx="6096000" cy="3429000"/>
+          </a:xfrm>
+          <a:custGeom>
+            <a:rect b="b" l="l" r="r" t="t"/>
+            <a:pathLst>
+              <a:path extrusionOk="0" h="120000" w="120000">
+                <a:moveTo>
+                  <a:pt x="0" y="0"/>
+                </a:moveTo>
+                <a:lnTo>
+                  <a:pt x="120000" y="0"/>
+                </a:lnTo>
+                <a:lnTo>
+                  <a:pt x="120000" y="120000"/>
+                </a:lnTo>
+                <a:lnTo>
+                  <a:pt x="0" y="120000"/>
+                </a:lnTo>
+                <a:close/>
+              </a:path>
+            </a:pathLst>
+          </a:custGeom>
+        </p:spPr>
+      </p:sp>
+      <p:sp>
+        <p:nvSpPr>
+          <p:cNvPr id="376" name="Google Shape;376;g32d2216018a_0_352:notes"/>
           <p:cNvSpPr txBox="1"/>
           <p:nvPr>
             <p:ph idx="1" type="body"/>
@@ -1311,7 +1711,7 @@
   <p:cSld>
     <p:spTree>
       <p:nvGrpSpPr>
-        <p:cNvPr id="286" name="Shape 286"/>
+        <p:cNvPr id="289" name="Shape 289"/>
         <p:cNvGrpSpPr/>
         <p:nvPr/>
       </p:nvGrpSpPr>
@@ -1325,7 +1725,7 @@
       </p:grpSpPr>
       <p:sp>
         <p:nvSpPr>
-          <p:cNvPr id="287" name="Google Shape;287;g32d2216018a_0_291:notes"/>
+          <p:cNvPr id="290" name="Google Shape;290;g32d2216018a_0_291:notes"/>
           <p:cNvSpPr/>
           <p:nvPr>
             <p:ph idx="2" type="sldImg"/>
@@ -1360,7 +1760,7 @@
       </p:sp>
       <p:sp>
         <p:nvSpPr>
-          <p:cNvPr id="288" name="Google Shape;288;g32d2216018a_0_291:notes"/>
+          <p:cNvPr id="291" name="Google Shape;291;g32d2216018a_0_291:notes"/>
           <p:cNvSpPr txBox="1"/>
           <p:nvPr>
             <p:ph idx="1" type="body"/>
@@ -1410,7 +1810,7 @@
   <p:cSld>
     <p:spTree>
       <p:nvGrpSpPr>
-        <p:cNvPr id="291" name="Shape 291"/>
+        <p:cNvPr id="294" name="Shape 294"/>
         <p:cNvGrpSpPr/>
         <p:nvPr/>
       </p:nvGrpSpPr>
@@ -1424,7 +1824,7 @@
       </p:grpSpPr>
       <p:sp>
         <p:nvSpPr>
-          <p:cNvPr id="292" name="Google Shape;292;g32d2216018a_0_296:notes"/>
+          <p:cNvPr id="295" name="Google Shape;295;g32d2216018a_0_296:notes"/>
           <p:cNvSpPr/>
           <p:nvPr>
             <p:ph idx="2" type="sldImg"/>
@@ -1459,7 +1859,7 @@
       </p:sp>
       <p:sp>
         <p:nvSpPr>
-          <p:cNvPr id="293" name="Google Shape;293;g32d2216018a_0_296:notes"/>
+          <p:cNvPr id="296" name="Google Shape;296;g32d2216018a_0_296:notes"/>
           <p:cNvSpPr txBox="1"/>
           <p:nvPr>
             <p:ph idx="1" type="body"/>
@@ -1509,7 +1909,7 @@
   <p:cSld>
     <p:spTree>
       <p:nvGrpSpPr>
-        <p:cNvPr id="296" name="Shape 296"/>
+        <p:cNvPr id="299" name="Shape 299"/>
         <p:cNvGrpSpPr/>
         <p:nvPr/>
       </p:nvGrpSpPr>
@@ -1523,7 +1923,7 @@
       </p:grpSpPr>
       <p:sp>
         <p:nvSpPr>
-          <p:cNvPr id="297" name="Google Shape;297;g32d2216018a_0_337:notes"/>
+          <p:cNvPr id="300" name="Google Shape;300;g32d2216018a_0_337:notes"/>
           <p:cNvSpPr/>
           <p:nvPr>
             <p:ph idx="2" type="sldImg"/>
@@ -1558,7 +1958,7 @@
       </p:sp>
       <p:sp>
         <p:nvSpPr>
-          <p:cNvPr id="298" name="Google Shape;298;g32d2216018a_0_337:notes"/>
+          <p:cNvPr id="301" name="Google Shape;301;g32d2216018a_0_337:notes"/>
           <p:cNvSpPr txBox="1"/>
           <p:nvPr>
             <p:ph idx="1" type="body"/>
@@ -1608,7 +2008,7 @@
   <p:cSld>
     <p:spTree>
       <p:nvGrpSpPr>
-        <p:cNvPr id="302" name="Shape 302"/>
+        <p:cNvPr id="305" name="Shape 305"/>
         <p:cNvGrpSpPr/>
         <p:nvPr/>
       </p:nvGrpSpPr>
@@ -1622,7 +2022,7 @@
       </p:grpSpPr>
       <p:sp>
         <p:nvSpPr>
-          <p:cNvPr id="303" name="Google Shape;303;g32d2216018a_0_301:notes"/>
+          <p:cNvPr id="306" name="Google Shape;306;g32d2216018a_0_301:notes"/>
           <p:cNvSpPr/>
           <p:nvPr>
             <p:ph idx="2" type="sldImg"/>
@@ -1657,7 +2057,7 @@
       </p:sp>
       <p:sp>
         <p:nvSpPr>
-          <p:cNvPr id="304" name="Google Shape;304;g32d2216018a_0_301:notes"/>
+          <p:cNvPr id="307" name="Google Shape;307;g32d2216018a_0_301:notes"/>
           <p:cNvSpPr txBox="1"/>
           <p:nvPr>
             <p:ph idx="1" type="body"/>
@@ -1707,7 +2107,7 @@
   <p:cSld>
     <p:spTree>
       <p:nvGrpSpPr>
-        <p:cNvPr id="308" name="Shape 308"/>
+        <p:cNvPr id="312" name="Shape 312"/>
         <p:cNvGrpSpPr/>
         <p:nvPr/>
       </p:nvGrpSpPr>
@@ -1721,7 +2121,7 @@
       </p:grpSpPr>
       <p:sp>
         <p:nvSpPr>
-          <p:cNvPr id="309" name="Google Shape;309;g32d6892567c_0_0:notes"/>
+          <p:cNvPr id="313" name="Google Shape;313;g32d6892567c_0_0:notes"/>
           <p:cNvSpPr/>
           <p:nvPr>
             <p:ph idx="2" type="sldImg"/>
@@ -1756,7 +2156,7 @@
       </p:sp>
       <p:sp>
         <p:nvSpPr>
-          <p:cNvPr id="310" name="Google Shape;310;g32d6892567c_0_0:notes"/>
+          <p:cNvPr id="314" name="Google Shape;314;g32d6892567c_0_0:notes"/>
           <p:cNvSpPr txBox="1"/>
           <p:nvPr>
             <p:ph idx="1" type="body"/>
@@ -1806,7 +2206,7 @@
   <p:cSld>
     <p:spTree>
       <p:nvGrpSpPr>
-        <p:cNvPr id="314" name="Shape 314"/>
+        <p:cNvPr id="319" name="Shape 319"/>
         <p:cNvGrpSpPr/>
         <p:nvPr/>
       </p:nvGrpSpPr>
@@ -1820,7 +2220,7 @@
       </p:grpSpPr>
       <p:sp>
         <p:nvSpPr>
-          <p:cNvPr id="315" name="Google Shape;315;g32d2216018a_0_322:notes"/>
+          <p:cNvPr id="320" name="Google Shape;320;g32d6892567c_0_5:notes"/>
           <p:cNvSpPr/>
           <p:nvPr>
             <p:ph idx="2" type="sldImg"/>
@@ -1855,7 +2255,7 @@
       </p:sp>
       <p:sp>
         <p:nvSpPr>
-          <p:cNvPr id="316" name="Google Shape;316;g32d2216018a_0_322:notes"/>
+          <p:cNvPr id="321" name="Google Shape;321;g32d6892567c_0_5:notes"/>
           <p:cNvSpPr txBox="1"/>
           <p:nvPr>
             <p:ph idx="1" type="body"/>
@@ -1905,7 +2305,7 @@
   <p:cSld>
     <p:spTree>
       <p:nvGrpSpPr>
-        <p:cNvPr id="320" name="Shape 320"/>
+        <p:cNvPr id="325" name="Shape 325"/>
         <p:cNvGrpSpPr/>
         <p:nvPr/>
       </p:nvGrpSpPr>
@@ -1919,7 +2319,7 @@
       </p:grpSpPr>
       <p:sp>
         <p:nvSpPr>
-          <p:cNvPr id="321" name="Google Shape;321;g32d2216018a_0_327:notes"/>
+          <p:cNvPr id="326" name="Google Shape;326;g32d2216018a_0_322:notes"/>
           <p:cNvSpPr/>
           <p:nvPr>
             <p:ph idx="2" type="sldImg"/>
@@ -1954,7 +2354,7 @@
       </p:sp>
       <p:sp>
         <p:nvSpPr>
-          <p:cNvPr id="322" name="Google Shape;322;g32d2216018a_0_327:notes"/>
+          <p:cNvPr id="327" name="Google Shape;327;g32d2216018a_0_322:notes"/>
           <p:cNvSpPr txBox="1"/>
           <p:nvPr>
             <p:ph idx="1" type="body"/>
@@ -16380,7 +16780,7 @@
   <p:cSld>
     <p:spTree>
       <p:nvGrpSpPr>
-        <p:cNvPr id="329" name="Shape 329"/>
+        <p:cNvPr id="335" name="Shape 335"/>
         <p:cNvGrpSpPr/>
         <p:nvPr/>
       </p:nvGrpSpPr>
@@ -16394,7 +16794,7 @@
       </p:grpSpPr>
       <p:sp>
         <p:nvSpPr>
-          <p:cNvPr id="330" name="Google Shape;330;p22"/>
+          <p:cNvPr id="336" name="Google Shape;336;p22"/>
           <p:cNvSpPr txBox="1"/>
           <p:nvPr>
             <p:ph type="title"/>
@@ -16426,7 +16826,7 @@
             </a:pPr>
             <a:r>
               <a:rPr lang="en"/>
-              <a:t>How to Access the ChatGPT API</a:t>
+              <a:t>Common Use Cases</a:t>
             </a:r>
             <a:endParaRPr/>
           </a:p>
@@ -16434,7 +16834,7 @@
       </p:sp>
       <p:sp>
         <p:nvSpPr>
-          <p:cNvPr id="331" name="Google Shape;331;p22"/>
+          <p:cNvPr id="337" name="Google Shape;337;p22"/>
           <p:cNvSpPr txBox="1"/>
           <p:nvPr>
             <p:ph idx="1" type="body"/>
@@ -16484,7 +16884,7 @@
   <p:cSld>
     <p:spTree>
       <p:nvGrpSpPr>
-        <p:cNvPr id="335" name="Shape 335"/>
+        <p:cNvPr id="341" name="Shape 341"/>
         <p:cNvGrpSpPr/>
         <p:nvPr/>
       </p:nvGrpSpPr>
@@ -16498,7 +16898,498 @@
       </p:grpSpPr>
       <p:sp>
         <p:nvSpPr>
-          <p:cNvPr id="336" name="Google Shape;336;p23"/>
+          <p:cNvPr id="342" name="Google Shape;342;p23"/>
+          <p:cNvSpPr txBox="1"/>
+          <p:nvPr>
+            <p:ph type="title"/>
+          </p:nvPr>
+        </p:nvSpPr>
+        <p:spPr>
+          <a:xfrm>
+            <a:off x="1303800" y="598575"/>
+            <a:ext cx="7030500" cy="999300"/>
+          </a:xfrm>
+          <a:prstGeom prst="rect">
+            <a:avLst/>
+          </a:prstGeom>
+        </p:spPr>
+        <p:txBody>
+          <a:bodyPr anchorCtr="0" anchor="t" bIns="91425" lIns="91425" spcFirstLastPara="1" rIns="91425" wrap="square" tIns="91425">
+            <a:normAutofit/>
+          </a:bodyPr>
+          <a:lstStyle/>
+          <a:p>
+            <a:pPr indent="0" lvl="0" marL="0" rtl="0" algn="l">
+              <a:spcBef>
+                <a:spcPts val="0"/>
+              </a:spcBef>
+              <a:spcAft>
+                <a:spcPts val="0"/>
+              </a:spcAft>
+              <a:buNone/>
+            </a:pPr>
+            <a:r>
+              <a:rPr lang="en"/>
+              <a:t>Common Use Cases</a:t>
+            </a:r>
+            <a:endParaRPr/>
+          </a:p>
+        </p:txBody>
+      </p:sp>
+      <p:sp>
+        <p:nvSpPr>
+          <p:cNvPr id="343" name="Google Shape;343;p23"/>
+          <p:cNvSpPr txBox="1"/>
+          <p:nvPr>
+            <p:ph idx="1" type="body"/>
+          </p:nvPr>
+        </p:nvSpPr>
+        <p:spPr>
+          <a:xfrm>
+            <a:off x="1303800" y="1990050"/>
+            <a:ext cx="7030500" cy="2541600"/>
+          </a:xfrm>
+          <a:prstGeom prst="rect">
+            <a:avLst/>
+          </a:prstGeom>
+        </p:spPr>
+        <p:txBody>
+          <a:bodyPr anchorCtr="0" anchor="t" bIns="91425" lIns="91425" spcFirstLastPara="1" rIns="91425" wrap="square" tIns="91425">
+            <a:normAutofit/>
+          </a:bodyPr>
+          <a:lstStyle/>
+          <a:p>
+            <a:pPr indent="-311150" lvl="0" marL="457200" rtl="0" algn="l">
+              <a:spcBef>
+                <a:spcPts val="0"/>
+              </a:spcBef>
+              <a:spcAft>
+                <a:spcPts val="0"/>
+              </a:spcAft>
+              <a:buSzPts val="1300"/>
+              <a:buChar char="●"/>
+            </a:pPr>
+            <a:r>
+              <a:rPr lang="en"/>
+              <a:t>Customer Support</a:t>
+            </a:r>
+            <a:endParaRPr/>
+          </a:p>
+          <a:p>
+            <a:pPr indent="-311150" lvl="0" marL="457200" rtl="0" algn="l">
+              <a:spcBef>
+                <a:spcPts val="0"/>
+              </a:spcBef>
+              <a:spcAft>
+                <a:spcPts val="0"/>
+              </a:spcAft>
+              <a:buSzPts val="1300"/>
+              <a:buChar char="●"/>
+            </a:pPr>
+            <a:r>
+              <a:rPr lang="en"/>
+              <a:t>E-commerce</a:t>
+            </a:r>
+            <a:endParaRPr/>
+          </a:p>
+          <a:p>
+            <a:pPr indent="-311150" lvl="0" marL="457200" rtl="0" algn="l">
+              <a:spcBef>
+                <a:spcPts val="0"/>
+              </a:spcBef>
+              <a:spcAft>
+                <a:spcPts val="0"/>
+              </a:spcAft>
+              <a:buSzPts val="1300"/>
+              <a:buChar char="●"/>
+            </a:pPr>
+            <a:r>
+              <a:rPr lang="en"/>
+              <a:t>Healthcare</a:t>
+            </a:r>
+            <a:endParaRPr/>
+          </a:p>
+          <a:p>
+            <a:pPr indent="-311150" lvl="0" marL="457200" rtl="0" algn="l">
+              <a:spcBef>
+                <a:spcPts val="0"/>
+              </a:spcBef>
+              <a:spcAft>
+                <a:spcPts val="0"/>
+              </a:spcAft>
+              <a:buSzPts val="1300"/>
+              <a:buChar char="●"/>
+            </a:pPr>
+            <a:r>
+              <a:rPr lang="en"/>
+              <a:t>Education</a:t>
+            </a:r>
+            <a:endParaRPr/>
+          </a:p>
+          <a:p>
+            <a:pPr indent="-311150" lvl="0" marL="457200" rtl="0" algn="l">
+              <a:spcBef>
+                <a:spcPts val="0"/>
+              </a:spcBef>
+              <a:spcAft>
+                <a:spcPts val="0"/>
+              </a:spcAft>
+              <a:buSzPts val="1300"/>
+              <a:buChar char="●"/>
+            </a:pPr>
+            <a:r>
+              <a:rPr lang="en"/>
+              <a:t>Entertainment</a:t>
+            </a:r>
+            <a:endParaRPr/>
+          </a:p>
+        </p:txBody>
+      </p:sp>
+    </p:spTree>
+  </p:cSld>
+  <p:clrMapOvr>
+    <a:masterClrMapping/>
+  </p:clrMapOvr>
+</p:sld>
+</file>
+
+<file path=ppt/slides/slide12.xml><?xml version="1.0" encoding="utf-8"?>
+<p:sld xmlns:a="http://schemas.openxmlformats.org/drawingml/2006/main" xmlns:r="http://schemas.openxmlformats.org/officeDocument/2006/relationships" xmlns:mc="http://schemas.openxmlformats.org/markup-compatibility/2006" xmlns:mv="urn:schemas-microsoft-com:mac:vml" xmlns:p="http://schemas.openxmlformats.org/presentationml/2006/main" xmlns:c="http://schemas.openxmlformats.org/drawingml/2006/chart" xmlns:dgm="http://schemas.openxmlformats.org/drawingml/2006/diagram" xmlns:o="urn:schemas-microsoft-com:office:office" xmlns:v="urn:schemas-microsoft-com:vml" xmlns:pvml="urn:schemas-microsoft-com:office:powerpoint" xmlns:com="http://schemas.openxmlformats.org/drawingml/2006/compatibility" xmlns:p14="http://schemas.microsoft.com/office/powerpoint/2010/main" xmlns:p15="http://schemas.microsoft.com/office/powerpoint/2012/main" xmlns:ahyp="http://schemas.microsoft.com/office/drawing/2018/hyperlinkcolor">
+  <p:cSld>
+    <p:spTree>
+      <p:nvGrpSpPr>
+        <p:cNvPr id="347" name="Shape 347"/>
+        <p:cNvGrpSpPr/>
+        <p:nvPr/>
+      </p:nvGrpSpPr>
+      <p:grpSpPr>
+        <a:xfrm>
+          <a:off x="0" y="0"/>
+          <a:ext cx="0" cy="0"/>
+          <a:chOff x="0" y="0"/>
+          <a:chExt cx="0" cy="0"/>
+        </a:xfrm>
+      </p:grpSpPr>
+      <p:sp>
+        <p:nvSpPr>
+          <p:cNvPr id="348" name="Google Shape;348;p24"/>
+          <p:cNvSpPr txBox="1"/>
+          <p:nvPr>
+            <p:ph type="title"/>
+          </p:nvPr>
+        </p:nvSpPr>
+        <p:spPr>
+          <a:xfrm>
+            <a:off x="1303800" y="598575"/>
+            <a:ext cx="7030500" cy="999300"/>
+          </a:xfrm>
+          <a:prstGeom prst="rect">
+            <a:avLst/>
+          </a:prstGeom>
+        </p:spPr>
+        <p:txBody>
+          <a:bodyPr anchorCtr="0" anchor="t" bIns="91425" lIns="91425" spcFirstLastPara="1" rIns="91425" wrap="square" tIns="91425">
+            <a:normAutofit/>
+          </a:bodyPr>
+          <a:lstStyle/>
+          <a:p>
+            <a:pPr indent="0" lvl="0" marL="0" rtl="0" algn="l">
+              <a:spcBef>
+                <a:spcPts val="0"/>
+              </a:spcBef>
+              <a:spcAft>
+                <a:spcPts val="0"/>
+              </a:spcAft>
+              <a:buNone/>
+            </a:pPr>
+            <a:r>
+              <a:rPr lang="en"/>
+              <a:t>What is an API?</a:t>
+            </a:r>
+            <a:endParaRPr/>
+          </a:p>
+        </p:txBody>
+      </p:sp>
+      <p:sp>
+        <p:nvSpPr>
+          <p:cNvPr id="349" name="Google Shape;349;p24"/>
+          <p:cNvSpPr txBox="1"/>
+          <p:nvPr>
+            <p:ph idx="1" type="body"/>
+          </p:nvPr>
+        </p:nvSpPr>
+        <p:spPr>
+          <a:xfrm>
+            <a:off x="1303800" y="1990050"/>
+            <a:ext cx="7030500" cy="2541600"/>
+          </a:xfrm>
+          <a:prstGeom prst="rect">
+            <a:avLst/>
+          </a:prstGeom>
+        </p:spPr>
+        <p:txBody>
+          <a:bodyPr anchorCtr="0" anchor="t" bIns="91425" lIns="91425" spcFirstLastPara="1" rIns="91425" wrap="square" tIns="91425">
+            <a:normAutofit/>
+          </a:bodyPr>
+          <a:lstStyle/>
+          <a:p>
+            <a:pPr indent="0" lvl="0" marL="0" rtl="0" algn="l">
+              <a:spcBef>
+                <a:spcPts val="0"/>
+              </a:spcBef>
+              <a:spcAft>
+                <a:spcPts val="1200"/>
+              </a:spcAft>
+              <a:buNone/>
+            </a:pPr>
+            <a:r>
+              <a:rPr lang="en"/>
+              <a:t>Definition: Application Programming Interface is a set of rules that allows two applications to communicate with each other. Acts as a bridge between systems or software.</a:t>
+            </a:r>
+            <a:endParaRPr/>
+          </a:p>
+        </p:txBody>
+      </p:sp>
+    </p:spTree>
+  </p:cSld>
+  <p:clrMapOvr>
+    <a:masterClrMapping/>
+  </p:clrMapOvr>
+</p:sld>
+</file>
+
+<file path=ppt/slides/slide13.xml><?xml version="1.0" encoding="utf-8"?>
+<p:sld xmlns:a="http://schemas.openxmlformats.org/drawingml/2006/main" xmlns:r="http://schemas.openxmlformats.org/officeDocument/2006/relationships" xmlns:mc="http://schemas.openxmlformats.org/markup-compatibility/2006" xmlns:mv="urn:schemas-microsoft-com:mac:vml" xmlns:p="http://schemas.openxmlformats.org/presentationml/2006/main" xmlns:c="http://schemas.openxmlformats.org/drawingml/2006/chart" xmlns:dgm="http://schemas.openxmlformats.org/drawingml/2006/diagram" xmlns:o="urn:schemas-microsoft-com:office:office" xmlns:v="urn:schemas-microsoft-com:vml" xmlns:pvml="urn:schemas-microsoft-com:office:powerpoint" xmlns:com="http://schemas.openxmlformats.org/drawingml/2006/compatibility" xmlns:p14="http://schemas.microsoft.com/office/powerpoint/2010/main" xmlns:p15="http://schemas.microsoft.com/office/powerpoint/2012/main" xmlns:ahyp="http://schemas.microsoft.com/office/drawing/2018/hyperlinkcolor">
+  <p:cSld>
+    <p:spTree>
+      <p:nvGrpSpPr>
+        <p:cNvPr id="353" name="Shape 353"/>
+        <p:cNvGrpSpPr/>
+        <p:nvPr/>
+      </p:nvGrpSpPr>
+      <p:grpSpPr>
+        <a:xfrm>
+          <a:off x="0" y="0"/>
+          <a:ext cx="0" cy="0"/>
+          <a:chOff x="0" y="0"/>
+          <a:chExt cx="0" cy="0"/>
+        </a:xfrm>
+      </p:grpSpPr>
+      <p:sp>
+        <p:nvSpPr>
+          <p:cNvPr id="354" name="Google Shape;354;p25"/>
+          <p:cNvSpPr txBox="1"/>
+          <p:nvPr>
+            <p:ph type="title"/>
+          </p:nvPr>
+        </p:nvSpPr>
+        <p:spPr>
+          <a:xfrm>
+            <a:off x="1388625" y="772725"/>
+            <a:ext cx="6366900" cy="1863300"/>
+          </a:xfrm>
+          <a:prstGeom prst="rect">
+            <a:avLst/>
+          </a:prstGeom>
+        </p:spPr>
+        <p:txBody>
+          <a:bodyPr anchorCtr="0" anchor="ctr" bIns="91425" lIns="91425" spcFirstLastPara="1" rIns="91425" wrap="square" tIns="91425">
+            <a:normAutofit fontScale="90000"/>
+          </a:bodyPr>
+          <a:lstStyle/>
+          <a:p>
+            <a:pPr indent="0" lvl="0" marL="0" rtl="0" algn="ctr">
+              <a:spcBef>
+                <a:spcPts val="0"/>
+              </a:spcBef>
+              <a:spcAft>
+                <a:spcPts val="0"/>
+              </a:spcAft>
+              <a:buNone/>
+            </a:pPr>
+            <a:r>
+              <a:rPr lang="en"/>
+              <a:t>t</a:t>
+            </a:r>
+            <a:r>
+              <a:rPr lang="en"/>
+              <a:t>hink of it this way…</a:t>
+            </a:r>
+            <a:endParaRPr/>
+          </a:p>
+        </p:txBody>
+      </p:sp>
+      <p:sp>
+        <p:nvSpPr>
+          <p:cNvPr id="355" name="Google Shape;355;p25"/>
+          <p:cNvSpPr txBox="1"/>
+          <p:nvPr>
+            <p:ph idx="1" type="body"/>
+          </p:nvPr>
+        </p:nvSpPr>
+        <p:spPr>
+          <a:xfrm>
+            <a:off x="1388625" y="2712300"/>
+            <a:ext cx="6366900" cy="1111200"/>
+          </a:xfrm>
+          <a:prstGeom prst="rect">
+            <a:avLst/>
+          </a:prstGeom>
+        </p:spPr>
+        <p:txBody>
+          <a:bodyPr anchorCtr="0" anchor="t" bIns="91425" lIns="91425" spcFirstLastPara="1" rIns="91425" wrap="square" tIns="91425">
+            <a:normAutofit/>
+          </a:bodyPr>
+          <a:lstStyle/>
+          <a:p>
+            <a:pPr indent="0" lvl="0" marL="0" rtl="0" algn="ctr">
+              <a:spcBef>
+                <a:spcPts val="0"/>
+              </a:spcBef>
+              <a:spcAft>
+                <a:spcPts val="1200"/>
+              </a:spcAft>
+              <a:buNone/>
+            </a:pPr>
+            <a:r>
+              <a:t/>
+            </a:r>
+            <a:endParaRPr/>
+          </a:p>
+        </p:txBody>
+      </p:sp>
+    </p:spTree>
+  </p:cSld>
+  <p:clrMapOvr>
+    <a:masterClrMapping/>
+  </p:clrMapOvr>
+</p:sld>
+</file>
+
+<file path=ppt/slides/slide14.xml><?xml version="1.0" encoding="utf-8"?>
+<p:sld xmlns:a="http://schemas.openxmlformats.org/drawingml/2006/main" xmlns:r="http://schemas.openxmlformats.org/officeDocument/2006/relationships" xmlns:mc="http://schemas.openxmlformats.org/markup-compatibility/2006" xmlns:mv="urn:schemas-microsoft-com:mac:vml" xmlns:p="http://schemas.openxmlformats.org/presentationml/2006/main" xmlns:c="http://schemas.openxmlformats.org/drawingml/2006/chart" xmlns:dgm="http://schemas.openxmlformats.org/drawingml/2006/diagram" xmlns:o="urn:schemas-microsoft-com:office:office" xmlns:v="urn:schemas-microsoft-com:vml" xmlns:pvml="urn:schemas-microsoft-com:office:powerpoint" xmlns:com="http://schemas.openxmlformats.org/drawingml/2006/compatibility" xmlns:p14="http://schemas.microsoft.com/office/powerpoint/2010/main" xmlns:p15="http://schemas.microsoft.com/office/powerpoint/2012/main" xmlns:ahyp="http://schemas.microsoft.com/office/drawing/2018/hyperlinkcolor">
+  <p:cSld>
+    <p:spTree>
+      <p:nvGrpSpPr>
+        <p:cNvPr id="359" name="Shape 359"/>
+        <p:cNvGrpSpPr/>
+        <p:nvPr/>
+      </p:nvGrpSpPr>
+      <p:grpSpPr>
+        <a:xfrm>
+          <a:off x="0" y="0"/>
+          <a:ext cx="0" cy="0"/>
+          <a:chOff x="0" y="0"/>
+          <a:chExt cx="0" cy="0"/>
+        </a:xfrm>
+      </p:grpSpPr>
+      <p:sp>
+        <p:nvSpPr>
+          <p:cNvPr id="360" name="Google Shape;360;p26"/>
+          <p:cNvSpPr txBox="1"/>
+          <p:nvPr>
+            <p:ph type="title"/>
+          </p:nvPr>
+        </p:nvSpPr>
+        <p:spPr>
+          <a:xfrm>
+            <a:off x="1303800" y="2454775"/>
+            <a:ext cx="7030500" cy="999300"/>
+          </a:xfrm>
+          <a:prstGeom prst="rect">
+            <a:avLst/>
+          </a:prstGeom>
+        </p:spPr>
+        <p:txBody>
+          <a:bodyPr anchorCtr="0" anchor="t" bIns="91425" lIns="91425" spcFirstLastPara="1" rIns="91425" wrap="square" tIns="91425">
+            <a:normAutofit/>
+          </a:bodyPr>
+          <a:lstStyle/>
+          <a:p>
+            <a:pPr indent="0" lvl="0" marL="0" rtl="0" algn="l">
+              <a:spcBef>
+                <a:spcPts val="0"/>
+              </a:spcBef>
+              <a:spcAft>
+                <a:spcPts val="0"/>
+              </a:spcAft>
+              <a:buNone/>
+            </a:pPr>
+            <a:r>
+              <a:rPr lang="en"/>
+              <a:t>How to Access the ChatGPT API</a:t>
+            </a:r>
+            <a:endParaRPr/>
+          </a:p>
+        </p:txBody>
+      </p:sp>
+      <p:sp>
+        <p:nvSpPr>
+          <p:cNvPr id="361" name="Google Shape;361;p26"/>
+          <p:cNvSpPr txBox="1"/>
+          <p:nvPr>
+            <p:ph idx="1" type="body"/>
+          </p:nvPr>
+        </p:nvSpPr>
+        <p:spPr>
+          <a:xfrm>
+            <a:off x="1303800" y="1990050"/>
+            <a:ext cx="7030500" cy="2541600"/>
+          </a:xfrm>
+          <a:prstGeom prst="rect">
+            <a:avLst/>
+          </a:prstGeom>
+        </p:spPr>
+        <p:txBody>
+          <a:bodyPr anchorCtr="0" anchor="t" bIns="91425" lIns="91425" spcFirstLastPara="1" rIns="91425" wrap="square" tIns="91425">
+            <a:normAutofit/>
+          </a:bodyPr>
+          <a:lstStyle/>
+          <a:p>
+            <a:pPr indent="0" lvl="0" marL="0" rtl="0" algn="l">
+              <a:spcBef>
+                <a:spcPts val="0"/>
+              </a:spcBef>
+              <a:spcAft>
+                <a:spcPts val="1200"/>
+              </a:spcAft>
+              <a:buNone/>
+            </a:pPr>
+            <a:r>
+              <a:t/>
+            </a:r>
+            <a:endParaRPr/>
+          </a:p>
+        </p:txBody>
+      </p:sp>
+    </p:spTree>
+  </p:cSld>
+  <p:clrMapOvr>
+    <a:masterClrMapping/>
+  </p:clrMapOvr>
+</p:sld>
+</file>
+
+<file path=ppt/slides/slide15.xml><?xml version="1.0" encoding="utf-8"?>
+<p:sld xmlns:a="http://schemas.openxmlformats.org/drawingml/2006/main" xmlns:r="http://schemas.openxmlformats.org/officeDocument/2006/relationships" xmlns:mc="http://schemas.openxmlformats.org/markup-compatibility/2006" xmlns:mv="urn:schemas-microsoft-com:mac:vml" xmlns:p="http://schemas.openxmlformats.org/presentationml/2006/main" xmlns:c="http://schemas.openxmlformats.org/drawingml/2006/chart" xmlns:dgm="http://schemas.openxmlformats.org/drawingml/2006/diagram" xmlns:o="urn:schemas-microsoft-com:office:office" xmlns:v="urn:schemas-microsoft-com:vml" xmlns:pvml="urn:schemas-microsoft-com:office:powerpoint" xmlns:com="http://schemas.openxmlformats.org/drawingml/2006/compatibility" xmlns:p14="http://schemas.microsoft.com/office/powerpoint/2010/main" xmlns:p15="http://schemas.microsoft.com/office/powerpoint/2012/main" xmlns:ahyp="http://schemas.microsoft.com/office/drawing/2018/hyperlinkcolor">
+  <p:cSld>
+    <p:spTree>
+      <p:nvGrpSpPr>
+        <p:cNvPr id="365" name="Shape 365"/>
+        <p:cNvGrpSpPr/>
+        <p:nvPr/>
+      </p:nvGrpSpPr>
+      <p:grpSpPr>
+        <a:xfrm>
+          <a:off x="0" y="0"/>
+          <a:ext cx="0" cy="0"/>
+          <a:chOff x="0" y="0"/>
+          <a:chExt cx="0" cy="0"/>
+        </a:xfrm>
+      </p:grpSpPr>
+      <p:sp>
+        <p:nvSpPr>
+          <p:cNvPr id="366" name="Google Shape;366;p27"/>
           <p:cNvSpPr txBox="1"/>
           <p:nvPr>
             <p:ph type="title"/>
@@ -16538,7 +17429,7 @@
       </p:sp>
       <p:sp>
         <p:nvSpPr>
-          <p:cNvPr id="337" name="Google Shape;337;p23"/>
+          <p:cNvPr id="367" name="Google Shape;367;p27"/>
           <p:cNvSpPr txBox="1"/>
           <p:nvPr>
             <p:ph idx="1" type="body"/>
@@ -16588,12 +17479,12 @@
 </p:sld>
 </file>
 
-<file path=ppt/slides/slide12.xml><?xml version="1.0" encoding="utf-8"?>
+<file path=ppt/slides/slide16.xml><?xml version="1.0" encoding="utf-8"?>
 <p:sld xmlns:a="http://schemas.openxmlformats.org/drawingml/2006/main" xmlns:r="http://schemas.openxmlformats.org/officeDocument/2006/relationships" xmlns:mc="http://schemas.openxmlformats.org/markup-compatibility/2006" xmlns:mv="urn:schemas-microsoft-com:mac:vml" xmlns:p="http://schemas.openxmlformats.org/presentationml/2006/main" xmlns:c="http://schemas.openxmlformats.org/drawingml/2006/chart" xmlns:dgm="http://schemas.openxmlformats.org/drawingml/2006/diagram" xmlns:o="urn:schemas-microsoft-com:office:office" xmlns:v="urn:schemas-microsoft-com:vml" xmlns:pvml="urn:schemas-microsoft-com:office:powerpoint" xmlns:com="http://schemas.openxmlformats.org/drawingml/2006/compatibility" xmlns:p14="http://schemas.microsoft.com/office/powerpoint/2010/main" xmlns:p15="http://schemas.microsoft.com/office/powerpoint/2012/main" xmlns:ahyp="http://schemas.microsoft.com/office/drawing/2018/hyperlinkcolor">
   <p:cSld>
     <p:spTree>
       <p:nvGrpSpPr>
-        <p:cNvPr id="341" name="Shape 341"/>
+        <p:cNvPr id="371" name="Shape 371"/>
         <p:cNvGrpSpPr/>
         <p:nvPr/>
       </p:nvGrpSpPr>
@@ -16607,7 +17498,7 @@
       </p:grpSpPr>
       <p:sp>
         <p:nvSpPr>
-          <p:cNvPr id="342" name="Google Shape;342;p24"/>
+          <p:cNvPr id="372" name="Google Shape;372;p28"/>
           <p:cNvSpPr txBox="1"/>
           <p:nvPr>
             <p:ph type="title"/>
@@ -16647,7 +17538,7 @@
       </p:sp>
       <p:sp>
         <p:nvSpPr>
-          <p:cNvPr id="343" name="Google Shape;343;p24"/>
+          <p:cNvPr id="373" name="Google Shape;373;p28"/>
           <p:cNvSpPr txBox="1"/>
           <p:nvPr>
             <p:ph idx="1" type="body"/>
@@ -16673,13 +17564,30 @@
                 <a:spcPts val="0"/>
               </a:spcBef>
               <a:spcAft>
-                <a:spcPts val="1200"/>
+                <a:spcPts val="0"/>
               </a:spcAft>
               <a:buNone/>
             </a:pPr>
             <a:r>
               <a:rPr lang="en"/>
-              <a:t>Java Swing… but Python.</a:t>
+              <a:t>Python’s standard GUI (Graphical User Interface) library</a:t>
+            </a:r>
+            <a:endParaRPr/>
+          </a:p>
+          <a:p>
+            <a:pPr indent="-311150" lvl="0" marL="457200" rtl="0" algn="l">
+              <a:spcBef>
+                <a:spcPts val="1200"/>
+              </a:spcBef>
+              <a:spcAft>
+                <a:spcPts val="0"/>
+              </a:spcAft>
+              <a:buSzPts val="1300"/>
+              <a:buChar char="●"/>
+            </a:pPr>
+            <a:r>
+              <a:rPr lang="en"/>
+              <a:t>It provides tools to create desktop applications with windows, buttons, labels, and more.</a:t>
             </a:r>
             <a:endParaRPr/>
           </a:p>
@@ -16693,12 +17601,12 @@
 </p:sld>
 </file>
 
-<file path=ppt/slides/slide13.xml><?xml version="1.0" encoding="utf-8"?>
+<file path=ppt/slides/slide17.xml><?xml version="1.0" encoding="utf-8"?>
 <p:sld xmlns:a="http://schemas.openxmlformats.org/drawingml/2006/main" xmlns:r="http://schemas.openxmlformats.org/officeDocument/2006/relationships" xmlns:mc="http://schemas.openxmlformats.org/markup-compatibility/2006" xmlns:mv="urn:schemas-microsoft-com:mac:vml" xmlns:p="http://schemas.openxmlformats.org/presentationml/2006/main" xmlns:c="http://schemas.openxmlformats.org/drawingml/2006/chart" xmlns:dgm="http://schemas.openxmlformats.org/drawingml/2006/diagram" xmlns:o="urn:schemas-microsoft-com:office:office" xmlns:v="urn:schemas-microsoft-com:vml" xmlns:pvml="urn:schemas-microsoft-com:office:powerpoint" xmlns:com="http://schemas.openxmlformats.org/drawingml/2006/compatibility" xmlns:p14="http://schemas.microsoft.com/office/powerpoint/2010/main" xmlns:p15="http://schemas.microsoft.com/office/powerpoint/2012/main" xmlns:ahyp="http://schemas.microsoft.com/office/drawing/2018/hyperlinkcolor">
   <p:cSld>
     <p:spTree>
       <p:nvGrpSpPr>
-        <p:cNvPr id="347" name="Shape 347"/>
+        <p:cNvPr id="377" name="Shape 377"/>
         <p:cNvGrpSpPr/>
         <p:nvPr/>
       </p:nvGrpSpPr>
@@ -16712,7 +17620,7 @@
       </p:grpSpPr>
       <p:sp>
         <p:nvSpPr>
-          <p:cNvPr id="348" name="Google Shape;348;p25"/>
+          <p:cNvPr id="378" name="Google Shape;378;p29"/>
           <p:cNvSpPr txBox="1"/>
           <p:nvPr>
             <p:ph type="title"/>
@@ -16981,6 +17889,90 @@
           </a:p>
         </p:txBody>
       </p:sp>
+      <p:pic>
+        <p:nvPicPr>
+          <p:cNvPr id="286" name="Google Shape;286;p14"/>
+          <p:cNvPicPr preferRelativeResize="0"/>
+          <p:nvPr/>
+        </p:nvPicPr>
+        <p:blipFill>
+          <a:blip r:embed="rId3">
+            <a:alphaModFix/>
+          </a:blip>
+          <a:stretch>
+            <a:fillRect/>
+          </a:stretch>
+        </p:blipFill>
+        <p:spPr>
+          <a:xfrm>
+            <a:off x="3724137" y="1283650"/>
+            <a:ext cx="1695724" cy="1695750"/>
+          </a:xfrm>
+          <a:prstGeom prst="rect">
+            <a:avLst/>
+          </a:prstGeom>
+          <a:noFill/>
+          <a:ln>
+            <a:noFill/>
+          </a:ln>
+        </p:spPr>
+      </p:pic>
+      <p:pic>
+        <p:nvPicPr>
+          <p:cNvPr id="287" name="Google Shape;287;p14"/>
+          <p:cNvPicPr preferRelativeResize="0"/>
+          <p:nvPr/>
+        </p:nvPicPr>
+        <p:blipFill>
+          <a:blip r:embed="rId4">
+            <a:alphaModFix/>
+          </a:blip>
+          <a:stretch>
+            <a:fillRect/>
+          </a:stretch>
+        </p:blipFill>
+        <p:spPr>
+          <a:xfrm>
+            <a:off x="-140150" y="1245200"/>
+            <a:ext cx="3864274" cy="1932125"/>
+          </a:xfrm>
+          <a:prstGeom prst="rect">
+            <a:avLst/>
+          </a:prstGeom>
+          <a:noFill/>
+          <a:ln>
+            <a:noFill/>
+          </a:ln>
+        </p:spPr>
+      </p:pic>
+      <p:pic>
+        <p:nvPicPr>
+          <p:cNvPr id="288" name="Google Shape;288;p14"/>
+          <p:cNvPicPr preferRelativeResize="0"/>
+          <p:nvPr/>
+        </p:nvPicPr>
+        <p:blipFill>
+          <a:blip r:embed="rId5">
+            <a:alphaModFix/>
+          </a:blip>
+          <a:stretch>
+            <a:fillRect/>
+          </a:stretch>
+        </p:blipFill>
+        <p:spPr>
+          <a:xfrm>
+            <a:off x="6194537" y="873975"/>
+            <a:ext cx="2658203" cy="2674587"/>
+          </a:xfrm>
+          <a:prstGeom prst="rect">
+            <a:avLst/>
+          </a:prstGeom>
+          <a:noFill/>
+          <a:ln>
+            <a:noFill/>
+          </a:ln>
+        </p:spPr>
+      </p:pic>
     </p:spTree>
   </p:cSld>
   <p:clrMapOvr>
@@ -16994,7 +17986,7 @@
   <p:cSld>
     <p:spTree>
       <p:nvGrpSpPr>
-        <p:cNvPr id="289" name="Shape 289"/>
+        <p:cNvPr id="292" name="Shape 292"/>
         <p:cNvGrpSpPr/>
         <p:nvPr/>
       </p:nvGrpSpPr>
@@ -17008,7 +18000,7 @@
       </p:grpSpPr>
       <p:sp>
         <p:nvSpPr>
-          <p:cNvPr id="290" name="Google Shape;290;p15"/>
+          <p:cNvPr id="293" name="Google Shape;293;p15"/>
           <p:cNvSpPr txBox="1"/>
           <p:nvPr>
             <p:ph type="title"/>
@@ -17059,7 +18051,7 @@
   <p:cSld>
     <p:spTree>
       <p:nvGrpSpPr>
-        <p:cNvPr id="294" name="Shape 294"/>
+        <p:cNvPr id="297" name="Shape 297"/>
         <p:cNvGrpSpPr/>
         <p:nvPr/>
       </p:nvGrpSpPr>
@@ -17073,7 +18065,7 @@
       </p:grpSpPr>
       <p:sp>
         <p:nvSpPr>
-          <p:cNvPr id="295" name="Google Shape;295;p16"/>
+          <p:cNvPr id="298" name="Google Shape;298;p16"/>
           <p:cNvSpPr txBox="1"/>
           <p:nvPr>
             <p:ph idx="4294967295" type="body"/>
@@ -17261,7 +18253,7 @@
   <p:cSld>
     <p:spTree>
       <p:nvGrpSpPr>
-        <p:cNvPr id="299" name="Shape 299"/>
+        <p:cNvPr id="302" name="Shape 302"/>
         <p:cNvGrpSpPr/>
         <p:nvPr/>
       </p:nvGrpSpPr>
@@ -17275,7 +18267,7 @@
       </p:grpSpPr>
       <p:sp>
         <p:nvSpPr>
-          <p:cNvPr id="300" name="Google Shape;300;p17"/>
+          <p:cNvPr id="303" name="Google Shape;303;p17"/>
           <p:cNvSpPr txBox="1"/>
           <p:nvPr>
             <p:ph type="title"/>
@@ -17315,7 +18307,7 @@
       </p:sp>
       <p:sp>
         <p:nvSpPr>
-          <p:cNvPr id="301" name="Google Shape;301;p17"/>
+          <p:cNvPr id="304" name="Google Shape;304;p17"/>
           <p:cNvSpPr txBox="1"/>
           <p:nvPr>
             <p:ph idx="1" type="body"/>
@@ -17370,7 +18362,7 @@
   <p:cSld>
     <p:spTree>
       <p:nvGrpSpPr>
-        <p:cNvPr id="305" name="Shape 305"/>
+        <p:cNvPr id="308" name="Shape 308"/>
         <p:cNvGrpSpPr/>
         <p:nvPr/>
       </p:nvGrpSpPr>
@@ -17384,7 +18376,7 @@
       </p:grpSpPr>
       <p:sp>
         <p:nvSpPr>
-          <p:cNvPr id="306" name="Google Shape;306;p18"/>
+          <p:cNvPr id="309" name="Google Shape;309;p18"/>
           <p:cNvSpPr txBox="1"/>
           <p:nvPr>
             <p:ph idx="1" type="body"/>
@@ -17493,7 +18485,7 @@
       </p:sp>
       <p:sp>
         <p:nvSpPr>
-          <p:cNvPr id="307" name="Google Shape;307;p18"/>
+          <p:cNvPr id="310" name="Google Shape;310;p18"/>
           <p:cNvSpPr txBox="1"/>
           <p:nvPr>
             <p:ph type="title"/>
@@ -17531,6 +18523,34 @@
           </a:p>
         </p:txBody>
       </p:sp>
+      <p:pic>
+        <p:nvPicPr>
+          <p:cNvPr id="311" name="Google Shape;311;p18"/>
+          <p:cNvPicPr preferRelativeResize="0"/>
+          <p:nvPr/>
+        </p:nvPicPr>
+        <p:blipFill>
+          <a:blip r:embed="rId3">
+            <a:alphaModFix/>
+          </a:blip>
+          <a:stretch>
+            <a:fillRect/>
+          </a:stretch>
+        </p:blipFill>
+        <p:spPr>
+          <a:xfrm>
+            <a:off x="5996075" y="296575"/>
+            <a:ext cx="2000250" cy="1428750"/>
+          </a:xfrm>
+          <a:prstGeom prst="rect">
+            <a:avLst/>
+          </a:prstGeom>
+          <a:noFill/>
+          <a:ln>
+            <a:noFill/>
+          </a:ln>
+        </p:spPr>
+      </p:pic>
     </p:spTree>
   </p:cSld>
   <p:clrMapOvr>
@@ -17544,7 +18564,7 @@
   <p:cSld>
     <p:spTree>
       <p:nvGrpSpPr>
-        <p:cNvPr id="311" name="Shape 311"/>
+        <p:cNvPr id="315" name="Shape 315"/>
         <p:cNvGrpSpPr/>
         <p:nvPr/>
       </p:nvGrpSpPr>
@@ -17558,7 +18578,7 @@
       </p:grpSpPr>
       <p:sp>
         <p:nvSpPr>
-          <p:cNvPr id="312" name="Google Shape;312;p19"/>
+          <p:cNvPr id="316" name="Google Shape;316;p19"/>
           <p:cNvSpPr txBox="1"/>
           <p:nvPr>
             <p:ph type="title"/>
@@ -17598,7 +18618,7 @@
       </p:sp>
       <p:sp>
         <p:nvSpPr>
-          <p:cNvPr id="313" name="Google Shape;313;p19"/>
+          <p:cNvPr id="317" name="Google Shape;317;p19"/>
           <p:cNvSpPr txBox="1"/>
           <p:nvPr>
             <p:ph idx="1" type="body"/>
@@ -17654,6 +18674,34 @@
           </a:p>
         </p:txBody>
       </p:sp>
+      <p:pic>
+        <p:nvPicPr>
+          <p:cNvPr id="318" name="Google Shape;318;p19"/>
+          <p:cNvPicPr preferRelativeResize="0"/>
+          <p:nvPr/>
+        </p:nvPicPr>
+        <p:blipFill>
+          <a:blip r:embed="rId3">
+            <a:alphaModFix/>
+          </a:blip>
+          <a:stretch>
+            <a:fillRect/>
+          </a:stretch>
+        </p:blipFill>
+        <p:spPr>
+          <a:xfrm>
+            <a:off x="4752325" y="2673200"/>
+            <a:ext cx="4391675" cy="2470300"/>
+          </a:xfrm>
+          <a:prstGeom prst="rect">
+            <a:avLst/>
+          </a:prstGeom>
+          <a:noFill/>
+          <a:ln>
+            <a:noFill/>
+          </a:ln>
+        </p:spPr>
+      </p:pic>
     </p:spTree>
   </p:cSld>
   <p:clrMapOvr>
@@ -17667,7 +18715,7 @@
   <p:cSld>
     <p:spTree>
       <p:nvGrpSpPr>
-        <p:cNvPr id="317" name="Shape 317"/>
+        <p:cNvPr id="322" name="Shape 322"/>
         <p:cNvGrpSpPr/>
         <p:nvPr/>
       </p:nvGrpSpPr>
@@ -17681,7 +18729,7 @@
       </p:grpSpPr>
       <p:sp>
         <p:nvSpPr>
-          <p:cNvPr id="318" name="Google Shape;318;p20"/>
+          <p:cNvPr id="323" name="Google Shape;323;p20"/>
           <p:cNvSpPr txBox="1"/>
           <p:nvPr>
             <p:ph type="title"/>
@@ -17713,7 +18761,7 @@
             </a:pPr>
             <a:r>
               <a:rPr lang="en"/>
-              <a:t>What is a Chatbot?</a:t>
+              <a:t>Why is ChatGPT Useful for Chatbots?</a:t>
             </a:r>
             <a:endParaRPr/>
           </a:p>
@@ -17721,7 +18769,7 @@
       </p:sp>
       <p:sp>
         <p:nvSpPr>
-          <p:cNvPr id="319" name="Google Shape;319;p20"/>
+          <p:cNvPr id="324" name="Google Shape;324;p20"/>
           <p:cNvSpPr txBox="1"/>
           <p:nvPr>
             <p:ph idx="1" type="body"/>
@@ -17742,50 +18790,53 @@
           </a:bodyPr>
           <a:lstStyle/>
           <a:p>
-            <a:pPr indent="0" lvl="0" marL="0" rtl="0" algn="l">
-              <a:spcBef>
-                <a:spcPts val="0"/>
-              </a:spcBef>
-              <a:spcAft>
-                <a:spcPts val="0"/>
-              </a:spcAft>
-              <a:buNone/>
+            <a:pPr indent="-311150" lvl="0" marL="457200" rtl="0" algn="l">
+              <a:spcBef>
+                <a:spcPts val="0"/>
+              </a:spcBef>
+              <a:spcAft>
+                <a:spcPts val="0"/>
+              </a:spcAft>
+              <a:buSzPts val="1300"/>
+              <a:buChar char="●"/>
             </a:pPr>
             <a:r>
               <a:rPr lang="en"/>
-              <a:t>Types of Chatbots (rule basd, ai powered)</a:t>
+              <a:t>Natural Conversation Simulation</a:t>
             </a:r>
             <a:endParaRPr/>
           </a:p>
           <a:p>
-            <a:pPr indent="0" lvl="0" marL="0" rtl="0" algn="l">
-              <a:spcBef>
-                <a:spcPts val="1200"/>
-              </a:spcBef>
-              <a:spcAft>
-                <a:spcPts val="0"/>
-              </a:spcAft>
-              <a:buNone/>
+            <a:pPr indent="-311150" lvl="0" marL="457200" rtl="0" algn="l">
+              <a:spcBef>
+                <a:spcPts val="0"/>
+              </a:spcBef>
+              <a:spcAft>
+                <a:spcPts val="0"/>
+              </a:spcAft>
+              <a:buSzPts val="1300"/>
+              <a:buChar char="●"/>
             </a:pPr>
             <a:r>
               <a:rPr lang="en"/>
-              <a:t>How Chatbots Work</a:t>
+              <a:t>Context-Aware Responses</a:t>
             </a:r>
             <a:endParaRPr/>
           </a:p>
           <a:p>
-            <a:pPr indent="0" lvl="0" marL="0" rtl="0" algn="l">
-              <a:spcBef>
-                <a:spcPts val="1200"/>
-              </a:spcBef>
-              <a:spcAft>
-                <a:spcPts val="1200"/>
-              </a:spcAft>
-              <a:buNone/>
+            <a:pPr indent="-311150" lvl="0" marL="457200" rtl="0" algn="l">
+              <a:spcBef>
+                <a:spcPts val="0"/>
+              </a:spcBef>
+              <a:spcAft>
+                <a:spcPts val="0"/>
+              </a:spcAft>
+              <a:buSzPts val="1300"/>
+              <a:buChar char="●"/>
             </a:pPr>
             <a:r>
               <a:rPr lang="en"/>
-              <a:t>Common Use Cases</a:t>
+              <a:t>Scalable and Easily Deployable</a:t>
             </a:r>
             <a:endParaRPr/>
           </a:p>
@@ -17804,7 +18855,7 @@
   <p:cSld>
     <p:spTree>
       <p:nvGrpSpPr>
-        <p:cNvPr id="323" name="Shape 323"/>
+        <p:cNvPr id="328" name="Shape 328"/>
         <p:cNvGrpSpPr/>
         <p:nvPr/>
       </p:nvGrpSpPr>
@@ -17818,7 +18869,7 @@
       </p:grpSpPr>
       <p:sp>
         <p:nvSpPr>
-          <p:cNvPr id="324" name="Google Shape;324;p21"/>
+          <p:cNvPr id="329" name="Google Shape;329;p21"/>
           <p:cNvSpPr txBox="1"/>
           <p:nvPr>
             <p:ph type="title"/>
@@ -17850,7 +18901,7 @@
             </a:pPr>
             <a:r>
               <a:rPr lang="en"/>
-              <a:t>What is an API?</a:t>
+              <a:t>What is a Chatbot?</a:t>
             </a:r>
             <a:endParaRPr/>
           </a:p>
@@ -17858,7 +18909,7 @@
       </p:sp>
       <p:sp>
         <p:nvSpPr>
-          <p:cNvPr id="325" name="Google Shape;325;p21"/>
+          <p:cNvPr id="330" name="Google Shape;330;p21"/>
           <p:cNvSpPr txBox="1"/>
           <p:nvPr>
             <p:ph idx="1" type="body"/>
@@ -17879,18 +18930,74 @@
           </a:bodyPr>
           <a:lstStyle/>
           <a:p>
-            <a:pPr indent="0" lvl="0" marL="0" rtl="0" algn="l">
-              <a:spcBef>
-                <a:spcPts val="0"/>
-              </a:spcBef>
-              <a:spcAft>
-                <a:spcPts val="0"/>
-              </a:spcAft>
-              <a:buNone/>
+            <a:pPr indent="-311150" lvl="0" marL="457200" rtl="0" algn="l">
+              <a:spcBef>
+                <a:spcPts val="0"/>
+              </a:spcBef>
+              <a:spcAft>
+                <a:spcPts val="0"/>
+              </a:spcAft>
+              <a:buSzPts val="1300"/>
+              <a:buChar char="●"/>
             </a:pPr>
             <a:r>
               <a:rPr lang="en"/>
-              <a:t>Definition</a:t>
+              <a:t>D</a:t>
+            </a:r>
+            <a:r>
+              <a:rPr lang="en"/>
+              <a:t>esigned to simulate conversations with humans.</a:t>
+            </a:r>
+            <a:endParaRPr/>
+          </a:p>
+          <a:p>
+            <a:pPr indent="-311150" lvl="0" marL="457200" rtl="0" algn="l">
+              <a:spcBef>
+                <a:spcPts val="0"/>
+              </a:spcBef>
+              <a:spcAft>
+                <a:spcPts val="0"/>
+              </a:spcAft>
+              <a:buSzPts val="1300"/>
+              <a:buChar char="●"/>
+            </a:pPr>
+            <a:r>
+              <a:rPr lang="en"/>
+              <a:t>Types of Chatbots</a:t>
+            </a:r>
+            <a:endParaRPr/>
+          </a:p>
+          <a:p>
+            <a:pPr indent="-298450" lvl="1" marL="914400" rtl="0" algn="l">
+              <a:spcBef>
+                <a:spcPts val="0"/>
+              </a:spcBef>
+              <a:spcAft>
+                <a:spcPts val="0"/>
+              </a:spcAft>
+              <a:buSzPts val="1100"/>
+              <a:buChar char="○"/>
+            </a:pPr>
+            <a:r>
+              <a:rPr lang="en"/>
+              <a:t>Rule-based Chatbots</a:t>
+            </a:r>
+            <a:endParaRPr/>
+          </a:p>
+          <a:p>
+            <a:pPr indent="-298450" lvl="1" marL="914400" rtl="0" algn="l">
+              <a:spcBef>
+                <a:spcPts val="0"/>
+              </a:spcBef>
+              <a:spcAft>
+                <a:spcPts val="0"/>
+              </a:spcAft>
+              <a:buSzPts val="1100"/>
+              <a:buChar char="○"/>
+            </a:pPr>
+            <a:r>
+              <a:rPr lang="en"/>
+              <a:t>AI-Powered Chatbots</a:t>
             </a:r>
             <a:endParaRPr/>
           </a:p>
@@ -17905,29 +19012,108 @@
               <a:buNone/>
             </a:pPr>
             <a:r>
-              <a:rPr lang="en"/>
-              <a:t>Simple Explanation (analogy)</a:t>
+              <a:t/>
             </a:r>
             <a:endParaRPr/>
           </a:p>
           <a:p>
-            <a:pPr indent="0" lvl="0" marL="0" rtl="0" algn="l">
+            <a:pPr indent="-311150" lvl="0" marL="457200" rtl="0" algn="l">
               <a:spcBef>
                 <a:spcPts val="1200"/>
               </a:spcBef>
               <a:spcAft>
-                <a:spcPts val="1200"/>
-              </a:spcAft>
-              <a:buNone/>
+                <a:spcPts val="0"/>
+              </a:spcAft>
+              <a:buSzPts val="1300"/>
+              <a:buAutoNum type="arabicPeriod"/>
             </a:pPr>
             <a:r>
               <a:rPr lang="en"/>
-              <a:t>Why APIs Are Important</a:t>
+              <a:t>User Input</a:t>
+            </a:r>
+            <a:endParaRPr/>
+          </a:p>
+          <a:p>
+            <a:pPr indent="-311150" lvl="0" marL="457200" rtl="0" algn="l">
+              <a:spcBef>
+                <a:spcPts val="0"/>
+              </a:spcBef>
+              <a:spcAft>
+                <a:spcPts val="0"/>
+              </a:spcAft>
+              <a:buSzPts val="1300"/>
+              <a:buAutoNum type="arabicPeriod"/>
+            </a:pPr>
+            <a:r>
+              <a:rPr lang="en"/>
+              <a:t>Processing</a:t>
+            </a:r>
+            <a:endParaRPr/>
+          </a:p>
+          <a:p>
+            <a:pPr indent="-311150" lvl="0" marL="457200" rtl="0" algn="l">
+              <a:spcBef>
+                <a:spcPts val="0"/>
+              </a:spcBef>
+              <a:spcAft>
+                <a:spcPts val="0"/>
+              </a:spcAft>
+              <a:buSzPts val="1300"/>
+              <a:buAutoNum type="arabicPeriod"/>
+            </a:pPr>
+            <a:r>
+              <a:rPr lang="en"/>
+              <a:t>Response Generation</a:t>
+            </a:r>
+            <a:endParaRPr/>
+          </a:p>
+          <a:p>
+            <a:pPr indent="-311150" lvl="0" marL="457200" rtl="0" algn="l">
+              <a:spcBef>
+                <a:spcPts val="0"/>
+              </a:spcBef>
+              <a:spcAft>
+                <a:spcPts val="0"/>
+              </a:spcAft>
+              <a:buSzPts val="1300"/>
+              <a:buAutoNum type="arabicPeriod"/>
+            </a:pPr>
+            <a:r>
+              <a:rPr lang="en"/>
+              <a:t>Output</a:t>
             </a:r>
             <a:endParaRPr/>
           </a:p>
         </p:txBody>
       </p:sp>
+      <p:pic>
+        <p:nvPicPr>
+          <p:cNvPr id="331" name="Google Shape;331;p21"/>
+          <p:cNvPicPr preferRelativeResize="0"/>
+          <p:nvPr/>
+        </p:nvPicPr>
+        <p:blipFill>
+          <a:blip r:embed="rId3">
+            <a:alphaModFix/>
+          </a:blip>
+          <a:stretch>
+            <a:fillRect/>
+          </a:stretch>
+        </p:blipFill>
+        <p:spPr>
+          <a:xfrm>
+            <a:off x="4380175" y="0"/>
+            <a:ext cx="5143500" cy="5143500"/>
+          </a:xfrm>
+          <a:prstGeom prst="rect">
+            <a:avLst/>
+          </a:prstGeom>
+          <a:noFill/>
+          <a:ln>
+            <a:noFill/>
+          </a:ln>
+        </p:spPr>
+      </p:pic>
     </p:spTree>
   </p:cSld>
   <p:clrMapOvr>

--- a/AI Chatbot Workshop.pptx
+++ b/AI Chatbot Workshop.pptx
@@ -25,21 +25,26 @@
     <p:sldId id="270" r:id="rId20"/>
     <p:sldId id="271" r:id="rId21"/>
     <p:sldId id="272" r:id="rId22"/>
+    <p:sldId id="273" r:id="rId23"/>
+    <p:sldId id="274" r:id="rId24"/>
+    <p:sldId id="275" r:id="rId25"/>
+    <p:sldId id="276" r:id="rId26"/>
+    <p:sldId id="277" r:id="rId27"/>
   </p:sldIdLst>
   <p:sldSz cy="5143500" cx="9144000"/>
   <p:notesSz cx="6858000" cy="9144000"/>
   <p:embeddedFontLst>
     <p:embeddedFont>
       <p:font typeface="Nunito"/>
-      <p:regular r:id="rId23"/>
-      <p:bold r:id="rId24"/>
-      <p:italic r:id="rId25"/>
-      <p:boldItalic r:id="rId26"/>
+      <p:regular r:id="rId28"/>
+      <p:bold r:id="rId29"/>
+      <p:italic r:id="rId30"/>
+      <p:boldItalic r:id="rId31"/>
     </p:embeddedFont>
     <p:embeddedFont>
       <p:font typeface="Maven Pro"/>
-      <p:regular r:id="rId27"/>
-      <p:bold r:id="rId28"/>
+      <p:regular r:id="rId32"/>
+      <p:bold r:id="rId33"/>
     </p:embeddedFont>
   </p:embeddedFontLst>
   <p:defaultTextStyle>
@@ -820,7 +825,7 @@
   <p:cSld>
     <p:spTree>
       <p:nvGrpSpPr>
-        <p:cNvPr id="332" name="Shape 332"/>
+        <p:cNvPr id="325" name="Shape 325"/>
         <p:cNvGrpSpPr/>
         <p:nvPr/>
       </p:nvGrpSpPr>
@@ -834,7 +839,7 @@
       </p:grpSpPr>
       <p:sp>
         <p:nvSpPr>
-          <p:cNvPr id="333" name="Google Shape;333;g32d6892567c_0_23:notes"/>
+          <p:cNvPr id="326" name="Google Shape;326;g32d2216018a_0_337:notes"/>
           <p:cNvSpPr/>
           <p:nvPr>
             <p:ph idx="2" type="sldImg"/>
@@ -869,7 +874,7 @@
       </p:sp>
       <p:sp>
         <p:nvSpPr>
-          <p:cNvPr id="334" name="Google Shape;334;g32d6892567c_0_23:notes"/>
+          <p:cNvPr id="327" name="Google Shape;327;g32d2216018a_0_337:notes"/>
           <p:cNvSpPr txBox="1"/>
           <p:nvPr>
             <p:ph idx="1" type="body"/>
@@ -919,7 +924,7 @@
   <p:cSld>
     <p:spTree>
       <p:nvGrpSpPr>
-        <p:cNvPr id="338" name="Shape 338"/>
+        <p:cNvPr id="331" name="Shape 331"/>
         <p:cNvGrpSpPr/>
         <p:nvPr/>
       </p:nvGrpSpPr>
@@ -933,7 +938,7 @@
       </p:grpSpPr>
       <p:sp>
         <p:nvSpPr>
-          <p:cNvPr id="339" name="Google Shape;339;g32d6892567c_0_28:notes"/>
+          <p:cNvPr id="332" name="Google Shape;332;g32d2216018a_0_301:notes"/>
           <p:cNvSpPr/>
           <p:nvPr>
             <p:ph idx="2" type="sldImg"/>
@@ -968,7 +973,7 @@
       </p:sp>
       <p:sp>
         <p:nvSpPr>
-          <p:cNvPr id="340" name="Google Shape;340;g32d6892567c_0_28:notes"/>
+          <p:cNvPr id="333" name="Google Shape;333;g32d2216018a_0_301:notes"/>
           <p:cNvSpPr txBox="1"/>
           <p:nvPr>
             <p:ph idx="1" type="body"/>
@@ -1018,7 +1023,7 @@
   <p:cSld>
     <p:spTree>
       <p:nvGrpSpPr>
-        <p:cNvPr id="344" name="Shape 344"/>
+        <p:cNvPr id="338" name="Shape 338"/>
         <p:cNvGrpSpPr/>
         <p:nvPr/>
       </p:nvGrpSpPr>
@@ -1032,7 +1037,7 @@
       </p:grpSpPr>
       <p:sp>
         <p:nvSpPr>
-          <p:cNvPr id="345" name="Google Shape;345;g32d2216018a_0_327:notes"/>
+          <p:cNvPr id="339" name="Google Shape;339;g32d6892567c_0_0:notes"/>
           <p:cNvSpPr/>
           <p:nvPr>
             <p:ph idx="2" type="sldImg"/>
@@ -1067,7 +1072,7 @@
       </p:sp>
       <p:sp>
         <p:nvSpPr>
-          <p:cNvPr id="346" name="Google Shape;346;g32d2216018a_0_327:notes"/>
+          <p:cNvPr id="340" name="Google Shape;340;g32d6892567c_0_0:notes"/>
           <p:cNvSpPr txBox="1"/>
           <p:nvPr>
             <p:ph idx="1" type="body"/>
@@ -1117,7 +1122,7 @@
   <p:cSld>
     <p:spTree>
       <p:nvGrpSpPr>
-        <p:cNvPr id="350" name="Shape 350"/>
+        <p:cNvPr id="345" name="Shape 345"/>
         <p:cNvGrpSpPr/>
         <p:nvPr/>
       </p:nvGrpSpPr>
@@ -1131,7 +1136,7 @@
       </p:grpSpPr>
       <p:sp>
         <p:nvSpPr>
-          <p:cNvPr id="351" name="Google Shape;351;g32d6892567c_0_36:notes"/>
+          <p:cNvPr id="346" name="Google Shape;346;g32d6892567c_0_5:notes"/>
           <p:cNvSpPr/>
           <p:nvPr>
             <p:ph idx="2" type="sldImg"/>
@@ -1166,7 +1171,7 @@
       </p:sp>
       <p:sp>
         <p:nvSpPr>
-          <p:cNvPr id="352" name="Google Shape;352;g32d6892567c_0_36:notes"/>
+          <p:cNvPr id="347" name="Google Shape;347;g32d6892567c_0_5:notes"/>
           <p:cNvSpPr txBox="1"/>
           <p:nvPr>
             <p:ph idx="1" type="body"/>
@@ -1216,7 +1221,7 @@
   <p:cSld>
     <p:spTree>
       <p:nvGrpSpPr>
-        <p:cNvPr id="356" name="Shape 356"/>
+        <p:cNvPr id="351" name="Shape 351"/>
         <p:cNvGrpSpPr/>
         <p:nvPr/>
       </p:nvGrpSpPr>
@@ -1230,7 +1235,7 @@
       </p:grpSpPr>
       <p:sp>
         <p:nvSpPr>
-          <p:cNvPr id="357" name="Google Shape;357;g32d2216018a_0_332:notes"/>
+          <p:cNvPr id="352" name="Google Shape;352;g32d2216018a_0_322:notes"/>
           <p:cNvSpPr/>
           <p:nvPr>
             <p:ph idx="2" type="sldImg"/>
@@ -1265,7 +1270,7 @@
       </p:sp>
       <p:sp>
         <p:nvSpPr>
-          <p:cNvPr id="358" name="Google Shape;358;g32d2216018a_0_332:notes"/>
+          <p:cNvPr id="353" name="Google Shape;353;g32d2216018a_0_322:notes"/>
           <p:cNvSpPr txBox="1"/>
           <p:nvPr>
             <p:ph idx="1" type="body"/>
@@ -1315,7 +1320,7 @@
   <p:cSld>
     <p:spTree>
       <p:nvGrpSpPr>
-        <p:cNvPr id="362" name="Shape 362"/>
+        <p:cNvPr id="358" name="Shape 358"/>
         <p:cNvGrpSpPr/>
         <p:nvPr/>
       </p:nvGrpSpPr>
@@ -1329,7 +1334,7 @@
       </p:grpSpPr>
       <p:sp>
         <p:nvSpPr>
-          <p:cNvPr id="363" name="Google Shape;363;g32d2216018a_0_342:notes"/>
+          <p:cNvPr id="359" name="Google Shape;359;g32d2216018a_0_327:notes"/>
           <p:cNvSpPr/>
           <p:nvPr>
             <p:ph idx="2" type="sldImg"/>
@@ -1364,7 +1369,7 @@
       </p:sp>
       <p:sp>
         <p:nvSpPr>
-          <p:cNvPr id="364" name="Google Shape;364;g32d2216018a_0_342:notes"/>
+          <p:cNvPr id="360" name="Google Shape;360;g32d2216018a_0_327:notes"/>
           <p:cNvSpPr txBox="1"/>
           <p:nvPr>
             <p:ph idx="1" type="body"/>
@@ -1414,7 +1419,7 @@
   <p:cSld>
     <p:spTree>
       <p:nvGrpSpPr>
-        <p:cNvPr id="368" name="Shape 368"/>
+        <p:cNvPr id="364" name="Shape 364"/>
         <p:cNvGrpSpPr/>
         <p:nvPr/>
       </p:nvGrpSpPr>
@@ -1428,7 +1433,7 @@
       </p:grpSpPr>
       <p:sp>
         <p:nvSpPr>
-          <p:cNvPr id="369" name="Google Shape;369;g32d2216018a_0_347:notes"/>
+          <p:cNvPr id="365" name="Google Shape;365;g32d6892567c_0_36:notes"/>
           <p:cNvSpPr/>
           <p:nvPr>
             <p:ph idx="2" type="sldImg"/>
@@ -1463,7 +1468,7 @@
       </p:sp>
       <p:sp>
         <p:nvSpPr>
-          <p:cNvPr id="370" name="Google Shape;370;g32d2216018a_0_347:notes"/>
+          <p:cNvPr id="366" name="Google Shape;366;g32d6892567c_0_36:notes"/>
           <p:cNvSpPr txBox="1"/>
           <p:nvPr>
             <p:ph idx="1" type="body"/>
@@ -1513,7 +1518,7 @@
   <p:cSld>
     <p:spTree>
       <p:nvGrpSpPr>
-        <p:cNvPr id="374" name="Shape 374"/>
+        <p:cNvPr id="370" name="Shape 370"/>
         <p:cNvGrpSpPr/>
         <p:nvPr/>
       </p:nvGrpSpPr>
@@ -1527,7 +1532,7 @@
       </p:grpSpPr>
       <p:sp>
         <p:nvSpPr>
-          <p:cNvPr id="375" name="Google Shape;375;g32d2216018a_0_352:notes"/>
+          <p:cNvPr id="371" name="Google Shape;371;g32d2216018a_0_332:notes"/>
           <p:cNvSpPr/>
           <p:nvPr>
             <p:ph idx="2" type="sldImg"/>
@@ -1562,7 +1567,205 @@
       </p:sp>
       <p:sp>
         <p:nvSpPr>
-          <p:cNvPr id="376" name="Google Shape;376;g32d2216018a_0_352:notes"/>
+          <p:cNvPr id="372" name="Google Shape;372;g32d2216018a_0_332:notes"/>
+          <p:cNvSpPr txBox="1"/>
+          <p:nvPr>
+            <p:ph idx="1" type="body"/>
+          </p:nvPr>
+        </p:nvSpPr>
+        <p:spPr>
+          <a:xfrm>
+            <a:off x="685800" y="4343400"/>
+            <a:ext cx="5486400" cy="4114800"/>
+          </a:xfrm>
+          <a:prstGeom prst="rect">
+            <a:avLst/>
+          </a:prstGeom>
+        </p:spPr>
+        <p:txBody>
+          <a:bodyPr anchorCtr="0" anchor="t" bIns="91425" lIns="91425" spcFirstLastPara="1" rIns="91425" wrap="square" tIns="91425">
+            <a:noAutofit/>
+          </a:bodyPr>
+          <a:lstStyle/>
+          <a:p>
+            <a:pPr indent="0" lvl="0" marL="0" rtl="0" algn="l">
+              <a:spcBef>
+                <a:spcPts val="0"/>
+              </a:spcBef>
+              <a:spcAft>
+                <a:spcPts val="0"/>
+              </a:spcAft>
+              <a:buNone/>
+            </a:pPr>
+            <a:r>
+              <a:t/>
+            </a:r>
+            <a:endParaRPr/>
+          </a:p>
+        </p:txBody>
+      </p:sp>
+    </p:spTree>
+  </p:cSld>
+  <p:clrMapOvr>
+    <a:masterClrMapping/>
+  </p:clrMapOvr>
+</p:notes>
+</file>
+
+<file path=ppt/notesSlides/notesSlide18.xml><?xml version="1.0" encoding="utf-8"?>
+<p:notes xmlns:a="http://schemas.openxmlformats.org/drawingml/2006/main" xmlns:r="http://schemas.openxmlformats.org/officeDocument/2006/relationships" xmlns:mc="http://schemas.openxmlformats.org/markup-compatibility/2006" xmlns:mv="urn:schemas-microsoft-com:mac:vml" xmlns:p="http://schemas.openxmlformats.org/presentationml/2006/main" xmlns:c="http://schemas.openxmlformats.org/drawingml/2006/chart" xmlns:dgm="http://schemas.openxmlformats.org/drawingml/2006/diagram" xmlns:o="urn:schemas-microsoft-com:office:office" xmlns:v="urn:schemas-microsoft-com:vml" xmlns:pvml="urn:schemas-microsoft-com:office:powerpoint" xmlns:com="http://schemas.openxmlformats.org/drawingml/2006/compatibility" xmlns:p14="http://schemas.microsoft.com/office/powerpoint/2010/main" xmlns:p15="http://schemas.microsoft.com/office/powerpoint/2012/main" xmlns:ahyp="http://schemas.microsoft.com/office/drawing/2018/hyperlinkcolor" showMasterPhAnim="0" showMasterSp="0">
+  <p:cSld>
+    <p:spTree>
+      <p:nvGrpSpPr>
+        <p:cNvPr id="375" name="Shape 375"/>
+        <p:cNvGrpSpPr/>
+        <p:nvPr/>
+      </p:nvGrpSpPr>
+      <p:grpSpPr>
+        <a:xfrm>
+          <a:off x="0" y="0"/>
+          <a:ext cx="0" cy="0"/>
+          <a:chOff x="0" y="0"/>
+          <a:chExt cx="0" cy="0"/>
+        </a:xfrm>
+      </p:grpSpPr>
+      <p:sp>
+        <p:nvSpPr>
+          <p:cNvPr id="376" name="Google Shape;376;g32d2216018a_0_342:notes"/>
+          <p:cNvSpPr/>
+          <p:nvPr>
+            <p:ph idx="2" type="sldImg"/>
+          </p:nvPr>
+        </p:nvSpPr>
+        <p:spPr>
+          <a:xfrm>
+            <a:off x="381300" y="685800"/>
+            <a:ext cx="6096000" cy="3429000"/>
+          </a:xfrm>
+          <a:custGeom>
+            <a:rect b="b" l="l" r="r" t="t"/>
+            <a:pathLst>
+              <a:path extrusionOk="0" h="120000" w="120000">
+                <a:moveTo>
+                  <a:pt x="0" y="0"/>
+                </a:moveTo>
+                <a:lnTo>
+                  <a:pt x="120000" y="0"/>
+                </a:lnTo>
+                <a:lnTo>
+                  <a:pt x="120000" y="120000"/>
+                </a:lnTo>
+                <a:lnTo>
+                  <a:pt x="0" y="120000"/>
+                </a:lnTo>
+                <a:close/>
+              </a:path>
+            </a:pathLst>
+          </a:custGeom>
+        </p:spPr>
+      </p:sp>
+      <p:sp>
+        <p:nvSpPr>
+          <p:cNvPr id="377" name="Google Shape;377;g32d2216018a_0_342:notes"/>
+          <p:cNvSpPr txBox="1"/>
+          <p:nvPr>
+            <p:ph idx="1" type="body"/>
+          </p:nvPr>
+        </p:nvSpPr>
+        <p:spPr>
+          <a:xfrm>
+            <a:off x="685800" y="4343400"/>
+            <a:ext cx="5486400" cy="4114800"/>
+          </a:xfrm>
+          <a:prstGeom prst="rect">
+            <a:avLst/>
+          </a:prstGeom>
+        </p:spPr>
+        <p:txBody>
+          <a:bodyPr anchorCtr="0" anchor="t" bIns="91425" lIns="91425" spcFirstLastPara="1" rIns="91425" wrap="square" tIns="91425">
+            <a:noAutofit/>
+          </a:bodyPr>
+          <a:lstStyle/>
+          <a:p>
+            <a:pPr indent="0" lvl="0" marL="0" rtl="0" algn="l">
+              <a:spcBef>
+                <a:spcPts val="0"/>
+              </a:spcBef>
+              <a:spcAft>
+                <a:spcPts val="0"/>
+              </a:spcAft>
+              <a:buNone/>
+            </a:pPr>
+            <a:r>
+              <a:t/>
+            </a:r>
+            <a:endParaRPr/>
+          </a:p>
+        </p:txBody>
+      </p:sp>
+    </p:spTree>
+  </p:cSld>
+  <p:clrMapOvr>
+    <a:masterClrMapping/>
+  </p:clrMapOvr>
+</p:notes>
+</file>
+
+<file path=ppt/notesSlides/notesSlide19.xml><?xml version="1.0" encoding="utf-8"?>
+<p:notes xmlns:a="http://schemas.openxmlformats.org/drawingml/2006/main" xmlns:r="http://schemas.openxmlformats.org/officeDocument/2006/relationships" xmlns:mc="http://schemas.openxmlformats.org/markup-compatibility/2006" xmlns:mv="urn:schemas-microsoft-com:mac:vml" xmlns:p="http://schemas.openxmlformats.org/presentationml/2006/main" xmlns:c="http://schemas.openxmlformats.org/drawingml/2006/chart" xmlns:dgm="http://schemas.openxmlformats.org/drawingml/2006/diagram" xmlns:o="urn:schemas-microsoft-com:office:office" xmlns:v="urn:schemas-microsoft-com:vml" xmlns:pvml="urn:schemas-microsoft-com:office:powerpoint" xmlns:com="http://schemas.openxmlformats.org/drawingml/2006/compatibility" xmlns:p14="http://schemas.microsoft.com/office/powerpoint/2010/main" xmlns:p15="http://schemas.microsoft.com/office/powerpoint/2012/main" xmlns:ahyp="http://schemas.microsoft.com/office/drawing/2018/hyperlinkcolor" showMasterPhAnim="0" showMasterSp="0">
+  <p:cSld>
+    <p:spTree>
+      <p:nvGrpSpPr>
+        <p:cNvPr id="381" name="Shape 381"/>
+        <p:cNvGrpSpPr/>
+        <p:nvPr/>
+      </p:nvGrpSpPr>
+      <p:grpSpPr>
+        <a:xfrm>
+          <a:off x="0" y="0"/>
+          <a:ext cx="0" cy="0"/>
+          <a:chOff x="0" y="0"/>
+          <a:chExt cx="0" cy="0"/>
+        </a:xfrm>
+      </p:grpSpPr>
+      <p:sp>
+        <p:nvSpPr>
+          <p:cNvPr id="382" name="Google Shape;382;g32d2216018a_0_347:notes"/>
+          <p:cNvSpPr/>
+          <p:nvPr>
+            <p:ph idx="2" type="sldImg"/>
+          </p:nvPr>
+        </p:nvSpPr>
+        <p:spPr>
+          <a:xfrm>
+            <a:off x="381300" y="685800"/>
+            <a:ext cx="6096000" cy="3429000"/>
+          </a:xfrm>
+          <a:custGeom>
+            <a:rect b="b" l="l" r="r" t="t"/>
+            <a:pathLst>
+              <a:path extrusionOk="0" h="120000" w="120000">
+                <a:moveTo>
+                  <a:pt x="0" y="0"/>
+                </a:moveTo>
+                <a:lnTo>
+                  <a:pt x="120000" y="0"/>
+                </a:lnTo>
+                <a:lnTo>
+                  <a:pt x="120000" y="120000"/>
+                </a:lnTo>
+                <a:lnTo>
+                  <a:pt x="0" y="120000"/>
+                </a:lnTo>
+                <a:close/>
+              </a:path>
+            </a:pathLst>
+          </a:custGeom>
+        </p:spPr>
+      </p:sp>
+      <p:sp>
+        <p:nvSpPr>
+          <p:cNvPr id="383" name="Google Shape;383;g32d2216018a_0_347:notes"/>
           <p:cNvSpPr txBox="1"/>
           <p:nvPr>
             <p:ph idx="1" type="body"/>
@@ -1706,12 +1909,12 @@
 </p:notes>
 </file>
 
-<file path=ppt/notesSlides/notesSlide3.xml><?xml version="1.0" encoding="utf-8"?>
+<file path=ppt/notesSlides/notesSlide20.xml><?xml version="1.0" encoding="utf-8"?>
 <p:notes xmlns:a="http://schemas.openxmlformats.org/drawingml/2006/main" xmlns:r="http://schemas.openxmlformats.org/officeDocument/2006/relationships" xmlns:mc="http://schemas.openxmlformats.org/markup-compatibility/2006" xmlns:mv="urn:schemas-microsoft-com:mac:vml" xmlns:p="http://schemas.openxmlformats.org/presentationml/2006/main" xmlns:c="http://schemas.openxmlformats.org/drawingml/2006/chart" xmlns:dgm="http://schemas.openxmlformats.org/drawingml/2006/diagram" xmlns:o="urn:schemas-microsoft-com:office:office" xmlns:v="urn:schemas-microsoft-com:vml" xmlns:pvml="urn:schemas-microsoft-com:office:powerpoint" xmlns:com="http://schemas.openxmlformats.org/drawingml/2006/compatibility" xmlns:p14="http://schemas.microsoft.com/office/powerpoint/2010/main" xmlns:p15="http://schemas.microsoft.com/office/powerpoint/2012/main" xmlns:ahyp="http://schemas.microsoft.com/office/drawing/2018/hyperlinkcolor" showMasterPhAnim="0" showMasterSp="0">
   <p:cSld>
     <p:spTree>
       <p:nvGrpSpPr>
-        <p:cNvPr id="289" name="Shape 289"/>
+        <p:cNvPr id="387" name="Shape 387"/>
         <p:cNvGrpSpPr/>
         <p:nvPr/>
       </p:nvGrpSpPr>
@@ -1725,7 +1928,7 @@
       </p:grpSpPr>
       <p:sp>
         <p:nvSpPr>
-          <p:cNvPr id="290" name="Google Shape;290;g32d2216018a_0_291:notes"/>
+          <p:cNvPr id="388" name="Google Shape;388;g32d2216018a_0_352:notes"/>
           <p:cNvSpPr/>
           <p:nvPr>
             <p:ph idx="2" type="sldImg"/>
@@ -1760,7 +1963,7 @@
       </p:sp>
       <p:sp>
         <p:nvSpPr>
-          <p:cNvPr id="291" name="Google Shape;291;g32d2216018a_0_291:notes"/>
+          <p:cNvPr id="389" name="Google Shape;389;g32d2216018a_0_352:notes"/>
           <p:cNvSpPr txBox="1"/>
           <p:nvPr>
             <p:ph idx="1" type="body"/>
@@ -1805,12 +2008,12 @@
 </p:notes>
 </file>
 
-<file path=ppt/notesSlides/notesSlide4.xml><?xml version="1.0" encoding="utf-8"?>
+<file path=ppt/notesSlides/notesSlide21.xml><?xml version="1.0" encoding="utf-8"?>
 <p:notes xmlns:a="http://schemas.openxmlformats.org/drawingml/2006/main" xmlns:r="http://schemas.openxmlformats.org/officeDocument/2006/relationships" xmlns:mc="http://schemas.openxmlformats.org/markup-compatibility/2006" xmlns:mv="urn:schemas-microsoft-com:mac:vml" xmlns:p="http://schemas.openxmlformats.org/presentationml/2006/main" xmlns:c="http://schemas.openxmlformats.org/drawingml/2006/chart" xmlns:dgm="http://schemas.openxmlformats.org/drawingml/2006/diagram" xmlns:o="urn:schemas-microsoft-com:office:office" xmlns:v="urn:schemas-microsoft-com:vml" xmlns:pvml="urn:schemas-microsoft-com:office:powerpoint" xmlns:com="http://schemas.openxmlformats.org/drawingml/2006/compatibility" xmlns:p14="http://schemas.microsoft.com/office/powerpoint/2010/main" xmlns:p15="http://schemas.microsoft.com/office/powerpoint/2012/main" xmlns:ahyp="http://schemas.microsoft.com/office/drawing/2018/hyperlinkcolor" showMasterPhAnim="0" showMasterSp="0">
   <p:cSld>
     <p:spTree>
       <p:nvGrpSpPr>
-        <p:cNvPr id="294" name="Shape 294"/>
+        <p:cNvPr id="392" name="Shape 392"/>
         <p:cNvGrpSpPr/>
         <p:nvPr/>
       </p:nvGrpSpPr>
@@ -1824,7 +2027,7 @@
       </p:grpSpPr>
       <p:sp>
         <p:nvSpPr>
-          <p:cNvPr id="295" name="Google Shape;295;g32d2216018a_0_296:notes"/>
+          <p:cNvPr id="393" name="Google Shape;393;g3324d5b758c_0_0:notes"/>
           <p:cNvSpPr/>
           <p:nvPr>
             <p:ph idx="2" type="sldImg"/>
@@ -1859,7 +2062,7 @@
       </p:sp>
       <p:sp>
         <p:nvSpPr>
-          <p:cNvPr id="296" name="Google Shape;296;g32d2216018a_0_296:notes"/>
+          <p:cNvPr id="394" name="Google Shape;394;g3324d5b758c_0_0:notes"/>
           <p:cNvSpPr txBox="1"/>
           <p:nvPr>
             <p:ph idx="1" type="body"/>
@@ -1904,12 +2107,12 @@
 </p:notes>
 </file>
 
-<file path=ppt/notesSlides/notesSlide5.xml><?xml version="1.0" encoding="utf-8"?>
+<file path=ppt/notesSlides/notesSlide22.xml><?xml version="1.0" encoding="utf-8"?>
 <p:notes xmlns:a="http://schemas.openxmlformats.org/drawingml/2006/main" xmlns:r="http://schemas.openxmlformats.org/officeDocument/2006/relationships" xmlns:mc="http://schemas.openxmlformats.org/markup-compatibility/2006" xmlns:mv="urn:schemas-microsoft-com:mac:vml" xmlns:p="http://schemas.openxmlformats.org/presentationml/2006/main" xmlns:c="http://schemas.openxmlformats.org/drawingml/2006/chart" xmlns:dgm="http://schemas.openxmlformats.org/drawingml/2006/diagram" xmlns:o="urn:schemas-microsoft-com:office:office" xmlns:v="urn:schemas-microsoft-com:vml" xmlns:pvml="urn:schemas-microsoft-com:office:powerpoint" xmlns:com="http://schemas.openxmlformats.org/drawingml/2006/compatibility" xmlns:p14="http://schemas.microsoft.com/office/powerpoint/2010/main" xmlns:p15="http://schemas.microsoft.com/office/powerpoint/2012/main" xmlns:ahyp="http://schemas.microsoft.com/office/drawing/2018/hyperlinkcolor" showMasterPhAnim="0" showMasterSp="0">
   <p:cSld>
     <p:spTree>
       <p:nvGrpSpPr>
-        <p:cNvPr id="299" name="Shape 299"/>
+        <p:cNvPr id="398" name="Shape 398"/>
         <p:cNvGrpSpPr/>
         <p:nvPr/>
       </p:nvGrpSpPr>
@@ -1923,7 +2126,7 @@
       </p:grpSpPr>
       <p:sp>
         <p:nvSpPr>
-          <p:cNvPr id="300" name="Google Shape;300;g32d2216018a_0_337:notes"/>
+          <p:cNvPr id="399" name="Google Shape;399;g3324d5b758c_0_5:notes"/>
           <p:cNvSpPr/>
           <p:nvPr>
             <p:ph idx="2" type="sldImg"/>
@@ -1958,7 +2161,7 @@
       </p:sp>
       <p:sp>
         <p:nvSpPr>
-          <p:cNvPr id="301" name="Google Shape;301;g32d2216018a_0_337:notes"/>
+          <p:cNvPr id="400" name="Google Shape;400;g3324d5b758c_0_5:notes"/>
           <p:cNvSpPr txBox="1"/>
           <p:nvPr>
             <p:ph idx="1" type="body"/>
@@ -2003,12 +2206,12 @@
 </p:notes>
 </file>
 
-<file path=ppt/notesSlides/notesSlide6.xml><?xml version="1.0" encoding="utf-8"?>
+<file path=ppt/notesSlides/notesSlide3.xml><?xml version="1.0" encoding="utf-8"?>
 <p:notes xmlns:a="http://schemas.openxmlformats.org/drawingml/2006/main" xmlns:r="http://schemas.openxmlformats.org/officeDocument/2006/relationships" xmlns:mc="http://schemas.openxmlformats.org/markup-compatibility/2006" xmlns:mv="urn:schemas-microsoft-com:mac:vml" xmlns:p="http://schemas.openxmlformats.org/presentationml/2006/main" xmlns:c="http://schemas.openxmlformats.org/drawingml/2006/chart" xmlns:dgm="http://schemas.openxmlformats.org/drawingml/2006/diagram" xmlns:o="urn:schemas-microsoft-com:office:office" xmlns:v="urn:schemas-microsoft-com:vml" xmlns:pvml="urn:schemas-microsoft-com:office:powerpoint" xmlns:com="http://schemas.openxmlformats.org/drawingml/2006/compatibility" xmlns:p14="http://schemas.microsoft.com/office/powerpoint/2010/main" xmlns:p15="http://schemas.microsoft.com/office/powerpoint/2012/main" xmlns:ahyp="http://schemas.microsoft.com/office/drawing/2018/hyperlinkcolor" showMasterPhAnim="0" showMasterSp="0">
   <p:cSld>
     <p:spTree>
       <p:nvGrpSpPr>
-        <p:cNvPr id="305" name="Shape 305"/>
+        <p:cNvPr id="285" name="Shape 285"/>
         <p:cNvGrpSpPr/>
         <p:nvPr/>
       </p:nvGrpSpPr>
@@ -2022,7 +2225,7 @@
       </p:grpSpPr>
       <p:sp>
         <p:nvSpPr>
-          <p:cNvPr id="306" name="Google Shape;306;g32d2216018a_0_301:notes"/>
+          <p:cNvPr id="286" name="Google Shape;286;g32d2216018a_0_291:notes"/>
           <p:cNvSpPr/>
           <p:nvPr>
             <p:ph idx="2" type="sldImg"/>
@@ -2057,7 +2260,7 @@
       </p:sp>
       <p:sp>
         <p:nvSpPr>
-          <p:cNvPr id="307" name="Google Shape;307;g32d2216018a_0_301:notes"/>
+          <p:cNvPr id="287" name="Google Shape;287;g32d2216018a_0_291:notes"/>
           <p:cNvSpPr txBox="1"/>
           <p:nvPr>
             <p:ph idx="1" type="body"/>
@@ -2102,12 +2305,12 @@
 </p:notes>
 </file>
 
-<file path=ppt/notesSlides/notesSlide7.xml><?xml version="1.0" encoding="utf-8"?>
+<file path=ppt/notesSlides/notesSlide4.xml><?xml version="1.0" encoding="utf-8"?>
 <p:notes xmlns:a="http://schemas.openxmlformats.org/drawingml/2006/main" xmlns:r="http://schemas.openxmlformats.org/officeDocument/2006/relationships" xmlns:mc="http://schemas.openxmlformats.org/markup-compatibility/2006" xmlns:mv="urn:schemas-microsoft-com:mac:vml" xmlns:p="http://schemas.openxmlformats.org/presentationml/2006/main" xmlns:c="http://schemas.openxmlformats.org/drawingml/2006/chart" xmlns:dgm="http://schemas.openxmlformats.org/drawingml/2006/diagram" xmlns:o="urn:schemas-microsoft-com:office:office" xmlns:v="urn:schemas-microsoft-com:vml" xmlns:pvml="urn:schemas-microsoft-com:office:powerpoint" xmlns:com="http://schemas.openxmlformats.org/drawingml/2006/compatibility" xmlns:p14="http://schemas.microsoft.com/office/powerpoint/2010/main" xmlns:p15="http://schemas.microsoft.com/office/powerpoint/2012/main" xmlns:ahyp="http://schemas.microsoft.com/office/drawing/2018/hyperlinkcolor" showMasterPhAnim="0" showMasterSp="0">
   <p:cSld>
     <p:spTree>
       <p:nvGrpSpPr>
-        <p:cNvPr id="312" name="Shape 312"/>
+        <p:cNvPr id="290" name="Shape 290"/>
         <p:cNvGrpSpPr/>
         <p:nvPr/>
       </p:nvGrpSpPr>
@@ -2121,7 +2324,7 @@
       </p:grpSpPr>
       <p:sp>
         <p:nvSpPr>
-          <p:cNvPr id="313" name="Google Shape;313;g32d6892567c_0_0:notes"/>
+          <p:cNvPr id="291" name="Google Shape;291;g32d2216018a_0_296:notes"/>
           <p:cNvSpPr/>
           <p:nvPr>
             <p:ph idx="2" type="sldImg"/>
@@ -2156,7 +2359,7 @@
       </p:sp>
       <p:sp>
         <p:nvSpPr>
-          <p:cNvPr id="314" name="Google Shape;314;g32d6892567c_0_0:notes"/>
+          <p:cNvPr id="292" name="Google Shape;292;g32d2216018a_0_296:notes"/>
           <p:cNvSpPr txBox="1"/>
           <p:nvPr>
             <p:ph idx="1" type="body"/>
@@ -2201,12 +2404,12 @@
 </p:notes>
 </file>
 
-<file path=ppt/notesSlides/notesSlide8.xml><?xml version="1.0" encoding="utf-8"?>
+<file path=ppt/notesSlides/notesSlide5.xml><?xml version="1.0" encoding="utf-8"?>
 <p:notes xmlns:a="http://schemas.openxmlformats.org/drawingml/2006/main" xmlns:r="http://schemas.openxmlformats.org/officeDocument/2006/relationships" xmlns:mc="http://schemas.openxmlformats.org/markup-compatibility/2006" xmlns:mv="urn:schemas-microsoft-com:mac:vml" xmlns:p="http://schemas.openxmlformats.org/presentationml/2006/main" xmlns:c="http://schemas.openxmlformats.org/drawingml/2006/chart" xmlns:dgm="http://schemas.openxmlformats.org/drawingml/2006/diagram" xmlns:o="urn:schemas-microsoft-com:office:office" xmlns:v="urn:schemas-microsoft-com:vml" xmlns:pvml="urn:schemas-microsoft-com:office:powerpoint" xmlns:com="http://schemas.openxmlformats.org/drawingml/2006/compatibility" xmlns:p14="http://schemas.microsoft.com/office/powerpoint/2010/main" xmlns:p15="http://schemas.microsoft.com/office/powerpoint/2012/main" xmlns:ahyp="http://schemas.microsoft.com/office/drawing/2018/hyperlinkcolor" showMasterPhAnim="0" showMasterSp="0">
   <p:cSld>
     <p:spTree>
       <p:nvGrpSpPr>
-        <p:cNvPr id="319" name="Shape 319"/>
+        <p:cNvPr id="295" name="Shape 295"/>
         <p:cNvGrpSpPr/>
         <p:nvPr/>
       </p:nvGrpSpPr>
@@ -2220,7 +2423,7 @@
       </p:grpSpPr>
       <p:sp>
         <p:nvSpPr>
-          <p:cNvPr id="320" name="Google Shape;320;g32d6892567c_0_5:notes"/>
+          <p:cNvPr id="296" name="Google Shape;296;g33a5b5e8d9f_0_0:notes"/>
           <p:cNvSpPr/>
           <p:nvPr>
             <p:ph idx="2" type="sldImg"/>
@@ -2255,7 +2458,7 @@
       </p:sp>
       <p:sp>
         <p:nvSpPr>
-          <p:cNvPr id="321" name="Google Shape;321;g32d6892567c_0_5:notes"/>
+          <p:cNvPr id="297" name="Google Shape;297;g33a5b5e8d9f_0_0:notes"/>
           <p:cNvSpPr txBox="1"/>
           <p:nvPr>
             <p:ph idx="1" type="body"/>
@@ -2300,12 +2503,12 @@
 </p:notes>
 </file>
 
-<file path=ppt/notesSlides/notesSlide9.xml><?xml version="1.0" encoding="utf-8"?>
+<file path=ppt/notesSlides/notesSlide6.xml><?xml version="1.0" encoding="utf-8"?>
 <p:notes xmlns:a="http://schemas.openxmlformats.org/drawingml/2006/main" xmlns:r="http://schemas.openxmlformats.org/officeDocument/2006/relationships" xmlns:mc="http://schemas.openxmlformats.org/markup-compatibility/2006" xmlns:mv="urn:schemas-microsoft-com:mac:vml" xmlns:p="http://schemas.openxmlformats.org/presentationml/2006/main" xmlns:c="http://schemas.openxmlformats.org/drawingml/2006/chart" xmlns:dgm="http://schemas.openxmlformats.org/drawingml/2006/diagram" xmlns:o="urn:schemas-microsoft-com:office:office" xmlns:v="urn:schemas-microsoft-com:vml" xmlns:pvml="urn:schemas-microsoft-com:office:powerpoint" xmlns:com="http://schemas.openxmlformats.org/drawingml/2006/compatibility" xmlns:p14="http://schemas.microsoft.com/office/powerpoint/2010/main" xmlns:p15="http://schemas.microsoft.com/office/powerpoint/2012/main" xmlns:ahyp="http://schemas.microsoft.com/office/drawing/2018/hyperlinkcolor" showMasterPhAnim="0" showMasterSp="0">
   <p:cSld>
     <p:spTree>
       <p:nvGrpSpPr>
-        <p:cNvPr id="325" name="Shape 325"/>
+        <p:cNvPr id="301" name="Shape 301"/>
         <p:cNvGrpSpPr/>
         <p:nvPr/>
       </p:nvGrpSpPr>
@@ -2319,7 +2522,7 @@
       </p:grpSpPr>
       <p:sp>
         <p:nvSpPr>
-          <p:cNvPr id="326" name="Google Shape;326;g32d2216018a_0_322:notes"/>
+          <p:cNvPr id="302" name="Google Shape;302;g33a5b5e8d9f_0_5:notes"/>
           <p:cNvSpPr/>
           <p:nvPr>
             <p:ph idx="2" type="sldImg"/>
@@ -2354,7 +2557,304 @@
       </p:sp>
       <p:sp>
         <p:nvSpPr>
-          <p:cNvPr id="327" name="Google Shape;327;g32d2216018a_0_322:notes"/>
+          <p:cNvPr id="303" name="Google Shape;303;g33a5b5e8d9f_0_5:notes"/>
+          <p:cNvSpPr txBox="1"/>
+          <p:nvPr>
+            <p:ph idx="1" type="body"/>
+          </p:nvPr>
+        </p:nvSpPr>
+        <p:spPr>
+          <a:xfrm>
+            <a:off x="685800" y="4343400"/>
+            <a:ext cx="5486400" cy="4114800"/>
+          </a:xfrm>
+          <a:prstGeom prst="rect">
+            <a:avLst/>
+          </a:prstGeom>
+        </p:spPr>
+        <p:txBody>
+          <a:bodyPr anchorCtr="0" anchor="t" bIns="91425" lIns="91425" spcFirstLastPara="1" rIns="91425" wrap="square" tIns="91425">
+            <a:noAutofit/>
+          </a:bodyPr>
+          <a:lstStyle/>
+          <a:p>
+            <a:pPr indent="0" lvl="0" marL="0" rtl="0" algn="l">
+              <a:spcBef>
+                <a:spcPts val="0"/>
+              </a:spcBef>
+              <a:spcAft>
+                <a:spcPts val="0"/>
+              </a:spcAft>
+              <a:buNone/>
+            </a:pPr>
+            <a:r>
+              <a:t/>
+            </a:r>
+            <a:endParaRPr/>
+          </a:p>
+        </p:txBody>
+      </p:sp>
+    </p:spTree>
+  </p:cSld>
+  <p:clrMapOvr>
+    <a:masterClrMapping/>
+  </p:clrMapOvr>
+</p:notes>
+</file>
+
+<file path=ppt/notesSlides/notesSlide7.xml><?xml version="1.0" encoding="utf-8"?>
+<p:notes xmlns:a="http://schemas.openxmlformats.org/drawingml/2006/main" xmlns:r="http://schemas.openxmlformats.org/officeDocument/2006/relationships" xmlns:mc="http://schemas.openxmlformats.org/markup-compatibility/2006" xmlns:mv="urn:schemas-microsoft-com:mac:vml" xmlns:p="http://schemas.openxmlformats.org/presentationml/2006/main" xmlns:c="http://schemas.openxmlformats.org/drawingml/2006/chart" xmlns:dgm="http://schemas.openxmlformats.org/drawingml/2006/diagram" xmlns:o="urn:schemas-microsoft-com:office:office" xmlns:v="urn:schemas-microsoft-com:vml" xmlns:pvml="urn:schemas-microsoft-com:office:powerpoint" xmlns:com="http://schemas.openxmlformats.org/drawingml/2006/compatibility" xmlns:p14="http://schemas.microsoft.com/office/powerpoint/2010/main" xmlns:p15="http://schemas.microsoft.com/office/powerpoint/2012/main" xmlns:ahyp="http://schemas.microsoft.com/office/drawing/2018/hyperlinkcolor" showMasterPhAnim="0" showMasterSp="0">
+  <p:cSld>
+    <p:spTree>
+      <p:nvGrpSpPr>
+        <p:cNvPr id="307" name="Shape 307"/>
+        <p:cNvGrpSpPr/>
+        <p:nvPr/>
+      </p:nvGrpSpPr>
+      <p:grpSpPr>
+        <a:xfrm>
+          <a:off x="0" y="0"/>
+          <a:ext cx="0" cy="0"/>
+          <a:chOff x="0" y="0"/>
+          <a:chExt cx="0" cy="0"/>
+        </a:xfrm>
+      </p:grpSpPr>
+      <p:sp>
+        <p:nvSpPr>
+          <p:cNvPr id="308" name="Google Shape;308;g33a5b5e8d9f_0_10:notes"/>
+          <p:cNvSpPr/>
+          <p:nvPr>
+            <p:ph idx="2" type="sldImg"/>
+          </p:nvPr>
+        </p:nvSpPr>
+        <p:spPr>
+          <a:xfrm>
+            <a:off x="381300" y="685800"/>
+            <a:ext cx="6096000" cy="3429000"/>
+          </a:xfrm>
+          <a:custGeom>
+            <a:rect b="b" l="l" r="r" t="t"/>
+            <a:pathLst>
+              <a:path extrusionOk="0" h="120000" w="120000">
+                <a:moveTo>
+                  <a:pt x="0" y="0"/>
+                </a:moveTo>
+                <a:lnTo>
+                  <a:pt x="120000" y="0"/>
+                </a:lnTo>
+                <a:lnTo>
+                  <a:pt x="120000" y="120000"/>
+                </a:lnTo>
+                <a:lnTo>
+                  <a:pt x="0" y="120000"/>
+                </a:lnTo>
+                <a:close/>
+              </a:path>
+            </a:pathLst>
+          </a:custGeom>
+        </p:spPr>
+      </p:sp>
+      <p:sp>
+        <p:nvSpPr>
+          <p:cNvPr id="309" name="Google Shape;309;g33a5b5e8d9f_0_10:notes"/>
+          <p:cNvSpPr txBox="1"/>
+          <p:nvPr>
+            <p:ph idx="1" type="body"/>
+          </p:nvPr>
+        </p:nvSpPr>
+        <p:spPr>
+          <a:xfrm>
+            <a:off x="685800" y="4343400"/>
+            <a:ext cx="5486400" cy="4114800"/>
+          </a:xfrm>
+          <a:prstGeom prst="rect">
+            <a:avLst/>
+          </a:prstGeom>
+        </p:spPr>
+        <p:txBody>
+          <a:bodyPr anchorCtr="0" anchor="t" bIns="91425" lIns="91425" spcFirstLastPara="1" rIns="91425" wrap="square" tIns="91425">
+            <a:noAutofit/>
+          </a:bodyPr>
+          <a:lstStyle/>
+          <a:p>
+            <a:pPr indent="0" lvl="0" marL="0" rtl="0" algn="l">
+              <a:spcBef>
+                <a:spcPts val="0"/>
+              </a:spcBef>
+              <a:spcAft>
+                <a:spcPts val="0"/>
+              </a:spcAft>
+              <a:buNone/>
+            </a:pPr>
+            <a:r>
+              <a:t/>
+            </a:r>
+            <a:endParaRPr/>
+          </a:p>
+        </p:txBody>
+      </p:sp>
+    </p:spTree>
+  </p:cSld>
+  <p:clrMapOvr>
+    <a:masterClrMapping/>
+  </p:clrMapOvr>
+</p:notes>
+</file>
+
+<file path=ppt/notesSlides/notesSlide8.xml><?xml version="1.0" encoding="utf-8"?>
+<p:notes xmlns:a="http://schemas.openxmlformats.org/drawingml/2006/main" xmlns:r="http://schemas.openxmlformats.org/officeDocument/2006/relationships" xmlns:mc="http://schemas.openxmlformats.org/markup-compatibility/2006" xmlns:mv="urn:schemas-microsoft-com:mac:vml" xmlns:p="http://schemas.openxmlformats.org/presentationml/2006/main" xmlns:c="http://schemas.openxmlformats.org/drawingml/2006/chart" xmlns:dgm="http://schemas.openxmlformats.org/drawingml/2006/diagram" xmlns:o="urn:schemas-microsoft-com:office:office" xmlns:v="urn:schemas-microsoft-com:vml" xmlns:pvml="urn:schemas-microsoft-com:office:powerpoint" xmlns:com="http://schemas.openxmlformats.org/drawingml/2006/compatibility" xmlns:p14="http://schemas.microsoft.com/office/powerpoint/2010/main" xmlns:p15="http://schemas.microsoft.com/office/powerpoint/2012/main" xmlns:ahyp="http://schemas.microsoft.com/office/drawing/2018/hyperlinkcolor" showMasterPhAnim="0" showMasterSp="0">
+  <p:cSld>
+    <p:spTree>
+      <p:nvGrpSpPr>
+        <p:cNvPr id="313" name="Shape 313"/>
+        <p:cNvGrpSpPr/>
+        <p:nvPr/>
+      </p:nvGrpSpPr>
+      <p:grpSpPr>
+        <a:xfrm>
+          <a:off x="0" y="0"/>
+          <a:ext cx="0" cy="0"/>
+          <a:chOff x="0" y="0"/>
+          <a:chExt cx="0" cy="0"/>
+        </a:xfrm>
+      </p:grpSpPr>
+      <p:sp>
+        <p:nvSpPr>
+          <p:cNvPr id="314" name="Google Shape;314;g33a5b5e8d9f_0_15:notes"/>
+          <p:cNvSpPr/>
+          <p:nvPr>
+            <p:ph idx="2" type="sldImg"/>
+          </p:nvPr>
+        </p:nvSpPr>
+        <p:spPr>
+          <a:xfrm>
+            <a:off x="381300" y="685800"/>
+            <a:ext cx="6096000" cy="3429000"/>
+          </a:xfrm>
+          <a:custGeom>
+            <a:rect b="b" l="l" r="r" t="t"/>
+            <a:pathLst>
+              <a:path extrusionOk="0" h="120000" w="120000">
+                <a:moveTo>
+                  <a:pt x="0" y="0"/>
+                </a:moveTo>
+                <a:lnTo>
+                  <a:pt x="120000" y="0"/>
+                </a:lnTo>
+                <a:lnTo>
+                  <a:pt x="120000" y="120000"/>
+                </a:lnTo>
+                <a:lnTo>
+                  <a:pt x="0" y="120000"/>
+                </a:lnTo>
+                <a:close/>
+              </a:path>
+            </a:pathLst>
+          </a:custGeom>
+        </p:spPr>
+      </p:sp>
+      <p:sp>
+        <p:nvSpPr>
+          <p:cNvPr id="315" name="Google Shape;315;g33a5b5e8d9f_0_15:notes"/>
+          <p:cNvSpPr txBox="1"/>
+          <p:nvPr>
+            <p:ph idx="1" type="body"/>
+          </p:nvPr>
+        </p:nvSpPr>
+        <p:spPr>
+          <a:xfrm>
+            <a:off x="685800" y="4343400"/>
+            <a:ext cx="5486400" cy="4114800"/>
+          </a:xfrm>
+          <a:prstGeom prst="rect">
+            <a:avLst/>
+          </a:prstGeom>
+        </p:spPr>
+        <p:txBody>
+          <a:bodyPr anchorCtr="0" anchor="t" bIns="91425" lIns="91425" spcFirstLastPara="1" rIns="91425" wrap="square" tIns="91425">
+            <a:noAutofit/>
+          </a:bodyPr>
+          <a:lstStyle/>
+          <a:p>
+            <a:pPr indent="0" lvl="0" marL="0" rtl="0" algn="l">
+              <a:spcBef>
+                <a:spcPts val="0"/>
+              </a:spcBef>
+              <a:spcAft>
+                <a:spcPts val="0"/>
+              </a:spcAft>
+              <a:buNone/>
+            </a:pPr>
+            <a:r>
+              <a:t/>
+            </a:r>
+            <a:endParaRPr/>
+          </a:p>
+        </p:txBody>
+      </p:sp>
+    </p:spTree>
+  </p:cSld>
+  <p:clrMapOvr>
+    <a:masterClrMapping/>
+  </p:clrMapOvr>
+</p:notes>
+</file>
+
+<file path=ppt/notesSlides/notesSlide9.xml><?xml version="1.0" encoding="utf-8"?>
+<p:notes xmlns:a="http://schemas.openxmlformats.org/drawingml/2006/main" xmlns:r="http://schemas.openxmlformats.org/officeDocument/2006/relationships" xmlns:mc="http://schemas.openxmlformats.org/markup-compatibility/2006" xmlns:mv="urn:schemas-microsoft-com:mac:vml" xmlns:p="http://schemas.openxmlformats.org/presentationml/2006/main" xmlns:c="http://schemas.openxmlformats.org/drawingml/2006/chart" xmlns:dgm="http://schemas.openxmlformats.org/drawingml/2006/diagram" xmlns:o="urn:schemas-microsoft-com:office:office" xmlns:v="urn:schemas-microsoft-com:vml" xmlns:pvml="urn:schemas-microsoft-com:office:powerpoint" xmlns:com="http://schemas.openxmlformats.org/drawingml/2006/compatibility" xmlns:p14="http://schemas.microsoft.com/office/powerpoint/2010/main" xmlns:p15="http://schemas.microsoft.com/office/powerpoint/2012/main" xmlns:ahyp="http://schemas.microsoft.com/office/drawing/2018/hyperlinkcolor" showMasterPhAnim="0" showMasterSp="0">
+  <p:cSld>
+    <p:spTree>
+      <p:nvGrpSpPr>
+        <p:cNvPr id="319" name="Shape 319"/>
+        <p:cNvGrpSpPr/>
+        <p:nvPr/>
+      </p:nvGrpSpPr>
+      <p:grpSpPr>
+        <a:xfrm>
+          <a:off x="0" y="0"/>
+          <a:ext cx="0" cy="0"/>
+          <a:chOff x="0" y="0"/>
+          <a:chExt cx="0" cy="0"/>
+        </a:xfrm>
+      </p:grpSpPr>
+      <p:sp>
+        <p:nvSpPr>
+          <p:cNvPr id="320" name="Google Shape;320;g33a5b5e8d9f_0_28:notes"/>
+          <p:cNvSpPr/>
+          <p:nvPr>
+            <p:ph idx="2" type="sldImg"/>
+          </p:nvPr>
+        </p:nvSpPr>
+        <p:spPr>
+          <a:xfrm>
+            <a:off x="381300" y="685800"/>
+            <a:ext cx="6096000" cy="3429000"/>
+          </a:xfrm>
+          <a:custGeom>
+            <a:rect b="b" l="l" r="r" t="t"/>
+            <a:pathLst>
+              <a:path extrusionOk="0" h="120000" w="120000">
+                <a:moveTo>
+                  <a:pt x="0" y="0"/>
+                </a:moveTo>
+                <a:lnTo>
+                  <a:pt x="120000" y="0"/>
+                </a:lnTo>
+                <a:lnTo>
+                  <a:pt x="120000" y="120000"/>
+                </a:lnTo>
+                <a:lnTo>
+                  <a:pt x="0" y="120000"/>
+                </a:lnTo>
+                <a:close/>
+              </a:path>
+            </a:pathLst>
+          </a:custGeom>
+        </p:spPr>
+      </p:sp>
+      <p:sp>
+        <p:nvSpPr>
+          <p:cNvPr id="321" name="Google Shape;321;g33a5b5e8d9f_0_28:notes"/>
           <p:cNvSpPr txBox="1"/>
           <p:nvPr>
             <p:ph idx="1" type="body"/>
@@ -16780,7 +17280,7 @@
   <p:cSld>
     <p:spTree>
       <p:nvGrpSpPr>
-        <p:cNvPr id="335" name="Shape 335"/>
+        <p:cNvPr id="328" name="Shape 328"/>
         <p:cNvGrpSpPr/>
         <p:nvPr/>
       </p:nvGrpSpPr>
@@ -16794,7 +17294,225 @@
       </p:grpSpPr>
       <p:sp>
         <p:nvSpPr>
-          <p:cNvPr id="336" name="Google Shape;336;p22"/>
+          <p:cNvPr id="329" name="Google Shape;329;p22"/>
+          <p:cNvSpPr txBox="1"/>
+          <p:nvPr>
+            <p:ph type="title"/>
+          </p:nvPr>
+        </p:nvSpPr>
+        <p:spPr>
+          <a:xfrm>
+            <a:off x="1388625" y="772725"/>
+            <a:ext cx="6366900" cy="1863300"/>
+          </a:xfrm>
+          <a:prstGeom prst="rect">
+            <a:avLst/>
+          </a:prstGeom>
+        </p:spPr>
+        <p:txBody>
+          <a:bodyPr anchorCtr="0" anchor="ctr" bIns="91425" lIns="91425" spcFirstLastPara="1" rIns="91425" wrap="square" tIns="91425">
+            <a:normAutofit/>
+          </a:bodyPr>
+          <a:lstStyle/>
+          <a:p>
+            <a:pPr indent="0" lvl="0" marL="0" rtl="0" algn="ctr">
+              <a:spcBef>
+                <a:spcPts val="0"/>
+              </a:spcBef>
+              <a:spcAft>
+                <a:spcPts val="0"/>
+              </a:spcAft>
+              <a:buNone/>
+            </a:pPr>
+            <a:r>
+              <a:rPr lang="en"/>
+              <a:t>ChatGPT</a:t>
+            </a:r>
+            <a:endParaRPr/>
+          </a:p>
+        </p:txBody>
+      </p:sp>
+      <p:sp>
+        <p:nvSpPr>
+          <p:cNvPr id="330" name="Google Shape;330;p22"/>
+          <p:cNvSpPr txBox="1"/>
+          <p:nvPr>
+            <p:ph idx="1" type="body"/>
+          </p:nvPr>
+        </p:nvSpPr>
+        <p:spPr>
+          <a:xfrm>
+            <a:off x="1388625" y="2712300"/>
+            <a:ext cx="6366900" cy="1111200"/>
+          </a:xfrm>
+          <a:prstGeom prst="rect">
+            <a:avLst/>
+          </a:prstGeom>
+        </p:spPr>
+        <p:txBody>
+          <a:bodyPr anchorCtr="0" anchor="t" bIns="91425" lIns="91425" spcFirstLastPara="1" rIns="91425" wrap="square" tIns="91425">
+            <a:normAutofit/>
+          </a:bodyPr>
+          <a:lstStyle/>
+          <a:p>
+            <a:pPr indent="0" lvl="0" marL="0" rtl="0" algn="ctr">
+              <a:spcBef>
+                <a:spcPts val="0"/>
+              </a:spcBef>
+              <a:spcAft>
+                <a:spcPts val="1200"/>
+              </a:spcAft>
+              <a:buNone/>
+            </a:pPr>
+            <a:r>
+              <a:rPr lang="en"/>
+              <a:t>o</a:t>
+            </a:r>
+            <a:r>
+              <a:rPr lang="en"/>
+              <a:t>oooooh ahhhhhhhh</a:t>
+            </a:r>
+            <a:endParaRPr/>
+          </a:p>
+        </p:txBody>
+      </p:sp>
+    </p:spTree>
+  </p:cSld>
+  <p:clrMapOvr>
+    <a:masterClrMapping/>
+  </p:clrMapOvr>
+</p:sld>
+</file>
+
+<file path=ppt/slides/slide11.xml><?xml version="1.0" encoding="utf-8"?>
+<p:sld xmlns:a="http://schemas.openxmlformats.org/drawingml/2006/main" xmlns:r="http://schemas.openxmlformats.org/officeDocument/2006/relationships" xmlns:mc="http://schemas.openxmlformats.org/markup-compatibility/2006" xmlns:mv="urn:schemas-microsoft-com:mac:vml" xmlns:p="http://schemas.openxmlformats.org/presentationml/2006/main" xmlns:c="http://schemas.openxmlformats.org/drawingml/2006/chart" xmlns:dgm="http://schemas.openxmlformats.org/drawingml/2006/diagram" xmlns:o="urn:schemas-microsoft-com:office:office" xmlns:v="urn:schemas-microsoft-com:vml" xmlns:pvml="urn:schemas-microsoft-com:office:powerpoint" xmlns:com="http://schemas.openxmlformats.org/drawingml/2006/compatibility" xmlns:p14="http://schemas.microsoft.com/office/powerpoint/2010/main" xmlns:p15="http://schemas.microsoft.com/office/powerpoint/2012/main" xmlns:ahyp="http://schemas.microsoft.com/office/drawing/2018/hyperlinkcolor">
+  <p:cSld>
+    <p:spTree>
+      <p:nvGrpSpPr>
+        <p:cNvPr id="334" name="Shape 334"/>
+        <p:cNvGrpSpPr/>
+        <p:nvPr/>
+      </p:nvGrpSpPr>
+      <p:grpSpPr>
+        <a:xfrm>
+          <a:off x="0" y="0"/>
+          <a:ext cx="0" cy="0"/>
+          <a:chOff x="0" y="0"/>
+          <a:chExt cx="0" cy="0"/>
+        </a:xfrm>
+      </p:grpSpPr>
+      <p:sp>
+        <p:nvSpPr>
+          <p:cNvPr id="335" name="Google Shape;335;p23"/>
+          <p:cNvSpPr txBox="1"/>
+          <p:nvPr>
+            <p:ph idx="1" type="body"/>
+          </p:nvPr>
+        </p:nvSpPr>
+        <p:spPr>
+          <a:xfrm>
+            <a:off x="1303800" y="1990050"/>
+            <a:ext cx="7030500" cy="2541600"/>
+          </a:xfrm>
+          <a:prstGeom prst="rect">
+            <a:avLst/>
+          </a:prstGeom>
+        </p:spPr>
+        <p:txBody>
+          <a:bodyPr anchorCtr="0" anchor="t" bIns="91425" lIns="91425" spcFirstLastPara="1" rIns="91425" wrap="square" tIns="91425">
+            <a:normAutofit/>
+          </a:bodyPr>
+          <a:lstStyle/>
+          <a:p>
+            <a:pPr indent="-311150" lvl="0" marL="457200" rtl="0" algn="l">
+              <a:spcBef>
+                <a:spcPts val="0"/>
+              </a:spcBef>
+              <a:spcAft>
+                <a:spcPts val="0"/>
+              </a:spcAft>
+              <a:buSzPts val="1300"/>
+              <a:buChar char="●"/>
+            </a:pPr>
+            <a:r>
+              <a:rPr lang="en"/>
+              <a:t>Developed by OpenAI based on the Generative Pre-trained Transformer (GPT) architecture.</a:t>
+            </a:r>
+            <a:endParaRPr/>
+          </a:p>
+          <a:p>
+            <a:pPr indent="-298450" lvl="1" marL="914400" rtl="0" algn="l">
+              <a:spcBef>
+                <a:spcPts val="0"/>
+              </a:spcBef>
+              <a:spcAft>
+                <a:spcPts val="0"/>
+              </a:spcAft>
+              <a:buSzPts val="1100"/>
+              <a:buChar char="○"/>
+            </a:pPr>
+            <a:r>
+              <a:rPr lang="en"/>
+              <a:t>Type of neural network design optimized for understanding and generating human language.</a:t>
+            </a:r>
+            <a:endParaRPr/>
+          </a:p>
+          <a:p>
+            <a:pPr indent="-311150" lvl="0" marL="457200" rtl="0" algn="l">
+              <a:spcBef>
+                <a:spcPts val="0"/>
+              </a:spcBef>
+              <a:spcAft>
+                <a:spcPts val="0"/>
+              </a:spcAft>
+              <a:buSzPts val="1300"/>
+              <a:buChar char="●"/>
+            </a:pPr>
+            <a:r>
+              <a:rPr lang="en"/>
+              <a:t>Trained on massive amounts of text data from the internet.</a:t>
+            </a:r>
+            <a:endParaRPr/>
+          </a:p>
+          <a:p>
+            <a:pPr indent="-311150" lvl="0" marL="457200" rtl="0" algn="l">
+              <a:spcBef>
+                <a:spcPts val="0"/>
+              </a:spcBef>
+              <a:spcAft>
+                <a:spcPts val="0"/>
+              </a:spcAft>
+              <a:buSzPts val="1300"/>
+              <a:buChar char="●"/>
+            </a:pPr>
+            <a:r>
+              <a:rPr lang="en"/>
+              <a:t>Goal:</a:t>
+            </a:r>
+            <a:endParaRPr/>
+          </a:p>
+          <a:p>
+            <a:pPr indent="-298450" lvl="1" marL="914400" rtl="0" algn="l">
+              <a:spcBef>
+                <a:spcPts val="0"/>
+              </a:spcBef>
+              <a:spcAft>
+                <a:spcPts val="0"/>
+              </a:spcAft>
+              <a:buSzPts val="1100"/>
+              <a:buChar char="○"/>
+            </a:pPr>
+            <a:r>
+              <a:rPr lang="en"/>
+              <a:t>Understand prompts and produce coherent, context-aware, and meaningful outputs.</a:t>
+            </a:r>
+            <a:endParaRPr/>
+          </a:p>
+        </p:txBody>
+      </p:sp>
+      <p:sp>
+        <p:nvSpPr>
+          <p:cNvPr id="336" name="Google Shape;336;p23"/>
           <p:cNvSpPr txBox="1"/>
           <p:nvPr>
             <p:ph type="title"/>
@@ -16826,1697 +17544,6 @@
             </a:pPr>
             <a:r>
               <a:rPr lang="en"/>
-              <a:t>Common Use Cases</a:t>
-            </a:r>
-            <a:endParaRPr/>
-          </a:p>
-        </p:txBody>
-      </p:sp>
-      <p:sp>
-        <p:nvSpPr>
-          <p:cNvPr id="337" name="Google Shape;337;p22"/>
-          <p:cNvSpPr txBox="1"/>
-          <p:nvPr>
-            <p:ph idx="1" type="body"/>
-          </p:nvPr>
-        </p:nvSpPr>
-        <p:spPr>
-          <a:xfrm>
-            <a:off x="1303800" y="1990050"/>
-            <a:ext cx="7030500" cy="2541600"/>
-          </a:xfrm>
-          <a:prstGeom prst="rect">
-            <a:avLst/>
-          </a:prstGeom>
-        </p:spPr>
-        <p:txBody>
-          <a:bodyPr anchorCtr="0" anchor="t" bIns="91425" lIns="91425" spcFirstLastPara="1" rIns="91425" wrap="square" tIns="91425">
-            <a:normAutofit/>
-          </a:bodyPr>
-          <a:lstStyle/>
-          <a:p>
-            <a:pPr indent="0" lvl="0" marL="0" rtl="0" algn="l">
-              <a:spcBef>
-                <a:spcPts val="0"/>
-              </a:spcBef>
-              <a:spcAft>
-                <a:spcPts val="1200"/>
-              </a:spcAft>
-              <a:buNone/>
-            </a:pPr>
-            <a:r>
-              <a:t/>
-            </a:r>
-            <a:endParaRPr/>
-          </a:p>
-        </p:txBody>
-      </p:sp>
-    </p:spTree>
-  </p:cSld>
-  <p:clrMapOvr>
-    <a:masterClrMapping/>
-  </p:clrMapOvr>
-</p:sld>
-</file>
-
-<file path=ppt/slides/slide11.xml><?xml version="1.0" encoding="utf-8"?>
-<p:sld xmlns:a="http://schemas.openxmlformats.org/drawingml/2006/main" xmlns:r="http://schemas.openxmlformats.org/officeDocument/2006/relationships" xmlns:mc="http://schemas.openxmlformats.org/markup-compatibility/2006" xmlns:mv="urn:schemas-microsoft-com:mac:vml" xmlns:p="http://schemas.openxmlformats.org/presentationml/2006/main" xmlns:c="http://schemas.openxmlformats.org/drawingml/2006/chart" xmlns:dgm="http://schemas.openxmlformats.org/drawingml/2006/diagram" xmlns:o="urn:schemas-microsoft-com:office:office" xmlns:v="urn:schemas-microsoft-com:vml" xmlns:pvml="urn:schemas-microsoft-com:office:powerpoint" xmlns:com="http://schemas.openxmlformats.org/drawingml/2006/compatibility" xmlns:p14="http://schemas.microsoft.com/office/powerpoint/2010/main" xmlns:p15="http://schemas.microsoft.com/office/powerpoint/2012/main" xmlns:ahyp="http://schemas.microsoft.com/office/drawing/2018/hyperlinkcolor">
-  <p:cSld>
-    <p:spTree>
-      <p:nvGrpSpPr>
-        <p:cNvPr id="341" name="Shape 341"/>
-        <p:cNvGrpSpPr/>
-        <p:nvPr/>
-      </p:nvGrpSpPr>
-      <p:grpSpPr>
-        <a:xfrm>
-          <a:off x="0" y="0"/>
-          <a:ext cx="0" cy="0"/>
-          <a:chOff x="0" y="0"/>
-          <a:chExt cx="0" cy="0"/>
-        </a:xfrm>
-      </p:grpSpPr>
-      <p:sp>
-        <p:nvSpPr>
-          <p:cNvPr id="342" name="Google Shape;342;p23"/>
-          <p:cNvSpPr txBox="1"/>
-          <p:nvPr>
-            <p:ph type="title"/>
-          </p:nvPr>
-        </p:nvSpPr>
-        <p:spPr>
-          <a:xfrm>
-            <a:off x="1303800" y="598575"/>
-            <a:ext cx="7030500" cy="999300"/>
-          </a:xfrm>
-          <a:prstGeom prst="rect">
-            <a:avLst/>
-          </a:prstGeom>
-        </p:spPr>
-        <p:txBody>
-          <a:bodyPr anchorCtr="0" anchor="t" bIns="91425" lIns="91425" spcFirstLastPara="1" rIns="91425" wrap="square" tIns="91425">
-            <a:normAutofit/>
-          </a:bodyPr>
-          <a:lstStyle/>
-          <a:p>
-            <a:pPr indent="0" lvl="0" marL="0" rtl="0" algn="l">
-              <a:spcBef>
-                <a:spcPts val="0"/>
-              </a:spcBef>
-              <a:spcAft>
-                <a:spcPts val="0"/>
-              </a:spcAft>
-              <a:buNone/>
-            </a:pPr>
-            <a:r>
-              <a:rPr lang="en"/>
-              <a:t>Common Use Cases</a:t>
-            </a:r>
-            <a:endParaRPr/>
-          </a:p>
-        </p:txBody>
-      </p:sp>
-      <p:sp>
-        <p:nvSpPr>
-          <p:cNvPr id="343" name="Google Shape;343;p23"/>
-          <p:cNvSpPr txBox="1"/>
-          <p:nvPr>
-            <p:ph idx="1" type="body"/>
-          </p:nvPr>
-        </p:nvSpPr>
-        <p:spPr>
-          <a:xfrm>
-            <a:off x="1303800" y="1990050"/>
-            <a:ext cx="7030500" cy="2541600"/>
-          </a:xfrm>
-          <a:prstGeom prst="rect">
-            <a:avLst/>
-          </a:prstGeom>
-        </p:spPr>
-        <p:txBody>
-          <a:bodyPr anchorCtr="0" anchor="t" bIns="91425" lIns="91425" spcFirstLastPara="1" rIns="91425" wrap="square" tIns="91425">
-            <a:normAutofit/>
-          </a:bodyPr>
-          <a:lstStyle/>
-          <a:p>
-            <a:pPr indent="-311150" lvl="0" marL="457200" rtl="0" algn="l">
-              <a:spcBef>
-                <a:spcPts val="0"/>
-              </a:spcBef>
-              <a:spcAft>
-                <a:spcPts val="0"/>
-              </a:spcAft>
-              <a:buSzPts val="1300"/>
-              <a:buChar char="●"/>
-            </a:pPr>
-            <a:r>
-              <a:rPr lang="en"/>
-              <a:t>Customer Support</a:t>
-            </a:r>
-            <a:endParaRPr/>
-          </a:p>
-          <a:p>
-            <a:pPr indent="-311150" lvl="0" marL="457200" rtl="0" algn="l">
-              <a:spcBef>
-                <a:spcPts val="0"/>
-              </a:spcBef>
-              <a:spcAft>
-                <a:spcPts val="0"/>
-              </a:spcAft>
-              <a:buSzPts val="1300"/>
-              <a:buChar char="●"/>
-            </a:pPr>
-            <a:r>
-              <a:rPr lang="en"/>
-              <a:t>E-commerce</a:t>
-            </a:r>
-            <a:endParaRPr/>
-          </a:p>
-          <a:p>
-            <a:pPr indent="-311150" lvl="0" marL="457200" rtl="0" algn="l">
-              <a:spcBef>
-                <a:spcPts val="0"/>
-              </a:spcBef>
-              <a:spcAft>
-                <a:spcPts val="0"/>
-              </a:spcAft>
-              <a:buSzPts val="1300"/>
-              <a:buChar char="●"/>
-            </a:pPr>
-            <a:r>
-              <a:rPr lang="en"/>
-              <a:t>Healthcare</a:t>
-            </a:r>
-            <a:endParaRPr/>
-          </a:p>
-          <a:p>
-            <a:pPr indent="-311150" lvl="0" marL="457200" rtl="0" algn="l">
-              <a:spcBef>
-                <a:spcPts val="0"/>
-              </a:spcBef>
-              <a:spcAft>
-                <a:spcPts val="0"/>
-              </a:spcAft>
-              <a:buSzPts val="1300"/>
-              <a:buChar char="●"/>
-            </a:pPr>
-            <a:r>
-              <a:rPr lang="en"/>
-              <a:t>Education</a:t>
-            </a:r>
-            <a:endParaRPr/>
-          </a:p>
-          <a:p>
-            <a:pPr indent="-311150" lvl="0" marL="457200" rtl="0" algn="l">
-              <a:spcBef>
-                <a:spcPts val="0"/>
-              </a:spcBef>
-              <a:spcAft>
-                <a:spcPts val="0"/>
-              </a:spcAft>
-              <a:buSzPts val="1300"/>
-              <a:buChar char="●"/>
-            </a:pPr>
-            <a:r>
-              <a:rPr lang="en"/>
-              <a:t>Entertainment</a:t>
-            </a:r>
-            <a:endParaRPr/>
-          </a:p>
-        </p:txBody>
-      </p:sp>
-    </p:spTree>
-  </p:cSld>
-  <p:clrMapOvr>
-    <a:masterClrMapping/>
-  </p:clrMapOvr>
-</p:sld>
-</file>
-
-<file path=ppt/slides/slide12.xml><?xml version="1.0" encoding="utf-8"?>
-<p:sld xmlns:a="http://schemas.openxmlformats.org/drawingml/2006/main" xmlns:r="http://schemas.openxmlformats.org/officeDocument/2006/relationships" xmlns:mc="http://schemas.openxmlformats.org/markup-compatibility/2006" xmlns:mv="urn:schemas-microsoft-com:mac:vml" xmlns:p="http://schemas.openxmlformats.org/presentationml/2006/main" xmlns:c="http://schemas.openxmlformats.org/drawingml/2006/chart" xmlns:dgm="http://schemas.openxmlformats.org/drawingml/2006/diagram" xmlns:o="urn:schemas-microsoft-com:office:office" xmlns:v="urn:schemas-microsoft-com:vml" xmlns:pvml="urn:schemas-microsoft-com:office:powerpoint" xmlns:com="http://schemas.openxmlformats.org/drawingml/2006/compatibility" xmlns:p14="http://schemas.microsoft.com/office/powerpoint/2010/main" xmlns:p15="http://schemas.microsoft.com/office/powerpoint/2012/main" xmlns:ahyp="http://schemas.microsoft.com/office/drawing/2018/hyperlinkcolor">
-  <p:cSld>
-    <p:spTree>
-      <p:nvGrpSpPr>
-        <p:cNvPr id="347" name="Shape 347"/>
-        <p:cNvGrpSpPr/>
-        <p:nvPr/>
-      </p:nvGrpSpPr>
-      <p:grpSpPr>
-        <a:xfrm>
-          <a:off x="0" y="0"/>
-          <a:ext cx="0" cy="0"/>
-          <a:chOff x="0" y="0"/>
-          <a:chExt cx="0" cy="0"/>
-        </a:xfrm>
-      </p:grpSpPr>
-      <p:sp>
-        <p:nvSpPr>
-          <p:cNvPr id="348" name="Google Shape;348;p24"/>
-          <p:cNvSpPr txBox="1"/>
-          <p:nvPr>
-            <p:ph type="title"/>
-          </p:nvPr>
-        </p:nvSpPr>
-        <p:spPr>
-          <a:xfrm>
-            <a:off x="1303800" y="598575"/>
-            <a:ext cx="7030500" cy="999300"/>
-          </a:xfrm>
-          <a:prstGeom prst="rect">
-            <a:avLst/>
-          </a:prstGeom>
-        </p:spPr>
-        <p:txBody>
-          <a:bodyPr anchorCtr="0" anchor="t" bIns="91425" lIns="91425" spcFirstLastPara="1" rIns="91425" wrap="square" tIns="91425">
-            <a:normAutofit/>
-          </a:bodyPr>
-          <a:lstStyle/>
-          <a:p>
-            <a:pPr indent="0" lvl="0" marL="0" rtl="0" algn="l">
-              <a:spcBef>
-                <a:spcPts val="0"/>
-              </a:spcBef>
-              <a:spcAft>
-                <a:spcPts val="0"/>
-              </a:spcAft>
-              <a:buNone/>
-            </a:pPr>
-            <a:r>
-              <a:rPr lang="en"/>
-              <a:t>What is an API?</a:t>
-            </a:r>
-            <a:endParaRPr/>
-          </a:p>
-        </p:txBody>
-      </p:sp>
-      <p:sp>
-        <p:nvSpPr>
-          <p:cNvPr id="349" name="Google Shape;349;p24"/>
-          <p:cNvSpPr txBox="1"/>
-          <p:nvPr>
-            <p:ph idx="1" type="body"/>
-          </p:nvPr>
-        </p:nvSpPr>
-        <p:spPr>
-          <a:xfrm>
-            <a:off x="1303800" y="1990050"/>
-            <a:ext cx="7030500" cy="2541600"/>
-          </a:xfrm>
-          <a:prstGeom prst="rect">
-            <a:avLst/>
-          </a:prstGeom>
-        </p:spPr>
-        <p:txBody>
-          <a:bodyPr anchorCtr="0" anchor="t" bIns="91425" lIns="91425" spcFirstLastPara="1" rIns="91425" wrap="square" tIns="91425">
-            <a:normAutofit/>
-          </a:bodyPr>
-          <a:lstStyle/>
-          <a:p>
-            <a:pPr indent="0" lvl="0" marL="0" rtl="0" algn="l">
-              <a:spcBef>
-                <a:spcPts val="0"/>
-              </a:spcBef>
-              <a:spcAft>
-                <a:spcPts val="1200"/>
-              </a:spcAft>
-              <a:buNone/>
-            </a:pPr>
-            <a:r>
-              <a:rPr lang="en"/>
-              <a:t>Definition: Application Programming Interface is a set of rules that allows two applications to communicate with each other. Acts as a bridge between systems or software.</a:t>
-            </a:r>
-            <a:endParaRPr/>
-          </a:p>
-        </p:txBody>
-      </p:sp>
-    </p:spTree>
-  </p:cSld>
-  <p:clrMapOvr>
-    <a:masterClrMapping/>
-  </p:clrMapOvr>
-</p:sld>
-</file>
-
-<file path=ppt/slides/slide13.xml><?xml version="1.0" encoding="utf-8"?>
-<p:sld xmlns:a="http://schemas.openxmlformats.org/drawingml/2006/main" xmlns:r="http://schemas.openxmlformats.org/officeDocument/2006/relationships" xmlns:mc="http://schemas.openxmlformats.org/markup-compatibility/2006" xmlns:mv="urn:schemas-microsoft-com:mac:vml" xmlns:p="http://schemas.openxmlformats.org/presentationml/2006/main" xmlns:c="http://schemas.openxmlformats.org/drawingml/2006/chart" xmlns:dgm="http://schemas.openxmlformats.org/drawingml/2006/diagram" xmlns:o="urn:schemas-microsoft-com:office:office" xmlns:v="urn:schemas-microsoft-com:vml" xmlns:pvml="urn:schemas-microsoft-com:office:powerpoint" xmlns:com="http://schemas.openxmlformats.org/drawingml/2006/compatibility" xmlns:p14="http://schemas.microsoft.com/office/powerpoint/2010/main" xmlns:p15="http://schemas.microsoft.com/office/powerpoint/2012/main" xmlns:ahyp="http://schemas.microsoft.com/office/drawing/2018/hyperlinkcolor">
-  <p:cSld>
-    <p:spTree>
-      <p:nvGrpSpPr>
-        <p:cNvPr id="353" name="Shape 353"/>
-        <p:cNvGrpSpPr/>
-        <p:nvPr/>
-      </p:nvGrpSpPr>
-      <p:grpSpPr>
-        <a:xfrm>
-          <a:off x="0" y="0"/>
-          <a:ext cx="0" cy="0"/>
-          <a:chOff x="0" y="0"/>
-          <a:chExt cx="0" cy="0"/>
-        </a:xfrm>
-      </p:grpSpPr>
-      <p:sp>
-        <p:nvSpPr>
-          <p:cNvPr id="354" name="Google Shape;354;p25"/>
-          <p:cNvSpPr txBox="1"/>
-          <p:nvPr>
-            <p:ph type="title"/>
-          </p:nvPr>
-        </p:nvSpPr>
-        <p:spPr>
-          <a:xfrm>
-            <a:off x="1388625" y="772725"/>
-            <a:ext cx="6366900" cy="1863300"/>
-          </a:xfrm>
-          <a:prstGeom prst="rect">
-            <a:avLst/>
-          </a:prstGeom>
-        </p:spPr>
-        <p:txBody>
-          <a:bodyPr anchorCtr="0" anchor="ctr" bIns="91425" lIns="91425" spcFirstLastPara="1" rIns="91425" wrap="square" tIns="91425">
-            <a:normAutofit fontScale="90000"/>
-          </a:bodyPr>
-          <a:lstStyle/>
-          <a:p>
-            <a:pPr indent="0" lvl="0" marL="0" rtl="0" algn="ctr">
-              <a:spcBef>
-                <a:spcPts val="0"/>
-              </a:spcBef>
-              <a:spcAft>
-                <a:spcPts val="0"/>
-              </a:spcAft>
-              <a:buNone/>
-            </a:pPr>
-            <a:r>
-              <a:rPr lang="en"/>
-              <a:t>t</a:t>
-            </a:r>
-            <a:r>
-              <a:rPr lang="en"/>
-              <a:t>hink of it this way…</a:t>
-            </a:r>
-            <a:endParaRPr/>
-          </a:p>
-        </p:txBody>
-      </p:sp>
-      <p:sp>
-        <p:nvSpPr>
-          <p:cNvPr id="355" name="Google Shape;355;p25"/>
-          <p:cNvSpPr txBox="1"/>
-          <p:nvPr>
-            <p:ph idx="1" type="body"/>
-          </p:nvPr>
-        </p:nvSpPr>
-        <p:spPr>
-          <a:xfrm>
-            <a:off x="1388625" y="2712300"/>
-            <a:ext cx="6366900" cy="1111200"/>
-          </a:xfrm>
-          <a:prstGeom prst="rect">
-            <a:avLst/>
-          </a:prstGeom>
-        </p:spPr>
-        <p:txBody>
-          <a:bodyPr anchorCtr="0" anchor="t" bIns="91425" lIns="91425" spcFirstLastPara="1" rIns="91425" wrap="square" tIns="91425">
-            <a:normAutofit/>
-          </a:bodyPr>
-          <a:lstStyle/>
-          <a:p>
-            <a:pPr indent="0" lvl="0" marL="0" rtl="0" algn="ctr">
-              <a:spcBef>
-                <a:spcPts val="0"/>
-              </a:spcBef>
-              <a:spcAft>
-                <a:spcPts val="1200"/>
-              </a:spcAft>
-              <a:buNone/>
-            </a:pPr>
-            <a:r>
-              <a:t/>
-            </a:r>
-            <a:endParaRPr/>
-          </a:p>
-        </p:txBody>
-      </p:sp>
-    </p:spTree>
-  </p:cSld>
-  <p:clrMapOvr>
-    <a:masterClrMapping/>
-  </p:clrMapOvr>
-</p:sld>
-</file>
-
-<file path=ppt/slides/slide14.xml><?xml version="1.0" encoding="utf-8"?>
-<p:sld xmlns:a="http://schemas.openxmlformats.org/drawingml/2006/main" xmlns:r="http://schemas.openxmlformats.org/officeDocument/2006/relationships" xmlns:mc="http://schemas.openxmlformats.org/markup-compatibility/2006" xmlns:mv="urn:schemas-microsoft-com:mac:vml" xmlns:p="http://schemas.openxmlformats.org/presentationml/2006/main" xmlns:c="http://schemas.openxmlformats.org/drawingml/2006/chart" xmlns:dgm="http://schemas.openxmlformats.org/drawingml/2006/diagram" xmlns:o="urn:schemas-microsoft-com:office:office" xmlns:v="urn:schemas-microsoft-com:vml" xmlns:pvml="urn:schemas-microsoft-com:office:powerpoint" xmlns:com="http://schemas.openxmlformats.org/drawingml/2006/compatibility" xmlns:p14="http://schemas.microsoft.com/office/powerpoint/2010/main" xmlns:p15="http://schemas.microsoft.com/office/powerpoint/2012/main" xmlns:ahyp="http://schemas.microsoft.com/office/drawing/2018/hyperlinkcolor">
-  <p:cSld>
-    <p:spTree>
-      <p:nvGrpSpPr>
-        <p:cNvPr id="359" name="Shape 359"/>
-        <p:cNvGrpSpPr/>
-        <p:nvPr/>
-      </p:nvGrpSpPr>
-      <p:grpSpPr>
-        <a:xfrm>
-          <a:off x="0" y="0"/>
-          <a:ext cx="0" cy="0"/>
-          <a:chOff x="0" y="0"/>
-          <a:chExt cx="0" cy="0"/>
-        </a:xfrm>
-      </p:grpSpPr>
-      <p:sp>
-        <p:nvSpPr>
-          <p:cNvPr id="360" name="Google Shape;360;p26"/>
-          <p:cNvSpPr txBox="1"/>
-          <p:nvPr>
-            <p:ph type="title"/>
-          </p:nvPr>
-        </p:nvSpPr>
-        <p:spPr>
-          <a:xfrm>
-            <a:off x="1303800" y="2454775"/>
-            <a:ext cx="7030500" cy="999300"/>
-          </a:xfrm>
-          <a:prstGeom prst="rect">
-            <a:avLst/>
-          </a:prstGeom>
-        </p:spPr>
-        <p:txBody>
-          <a:bodyPr anchorCtr="0" anchor="t" bIns="91425" lIns="91425" spcFirstLastPara="1" rIns="91425" wrap="square" tIns="91425">
-            <a:normAutofit/>
-          </a:bodyPr>
-          <a:lstStyle/>
-          <a:p>
-            <a:pPr indent="0" lvl="0" marL="0" rtl="0" algn="l">
-              <a:spcBef>
-                <a:spcPts val="0"/>
-              </a:spcBef>
-              <a:spcAft>
-                <a:spcPts val="0"/>
-              </a:spcAft>
-              <a:buNone/>
-            </a:pPr>
-            <a:r>
-              <a:rPr lang="en"/>
-              <a:t>How to Access the ChatGPT API</a:t>
-            </a:r>
-            <a:endParaRPr/>
-          </a:p>
-        </p:txBody>
-      </p:sp>
-      <p:sp>
-        <p:nvSpPr>
-          <p:cNvPr id="361" name="Google Shape;361;p26"/>
-          <p:cNvSpPr txBox="1"/>
-          <p:nvPr>
-            <p:ph idx="1" type="body"/>
-          </p:nvPr>
-        </p:nvSpPr>
-        <p:spPr>
-          <a:xfrm>
-            <a:off x="1303800" y="1990050"/>
-            <a:ext cx="7030500" cy="2541600"/>
-          </a:xfrm>
-          <a:prstGeom prst="rect">
-            <a:avLst/>
-          </a:prstGeom>
-        </p:spPr>
-        <p:txBody>
-          <a:bodyPr anchorCtr="0" anchor="t" bIns="91425" lIns="91425" spcFirstLastPara="1" rIns="91425" wrap="square" tIns="91425">
-            <a:normAutofit/>
-          </a:bodyPr>
-          <a:lstStyle/>
-          <a:p>
-            <a:pPr indent="0" lvl="0" marL="0" rtl="0" algn="l">
-              <a:spcBef>
-                <a:spcPts val="0"/>
-              </a:spcBef>
-              <a:spcAft>
-                <a:spcPts val="1200"/>
-              </a:spcAft>
-              <a:buNone/>
-            </a:pPr>
-            <a:r>
-              <a:t/>
-            </a:r>
-            <a:endParaRPr/>
-          </a:p>
-        </p:txBody>
-      </p:sp>
-    </p:spTree>
-  </p:cSld>
-  <p:clrMapOvr>
-    <a:masterClrMapping/>
-  </p:clrMapOvr>
-</p:sld>
-</file>
-
-<file path=ppt/slides/slide15.xml><?xml version="1.0" encoding="utf-8"?>
-<p:sld xmlns:a="http://schemas.openxmlformats.org/drawingml/2006/main" xmlns:r="http://schemas.openxmlformats.org/officeDocument/2006/relationships" xmlns:mc="http://schemas.openxmlformats.org/markup-compatibility/2006" xmlns:mv="urn:schemas-microsoft-com:mac:vml" xmlns:p="http://schemas.openxmlformats.org/presentationml/2006/main" xmlns:c="http://schemas.openxmlformats.org/drawingml/2006/chart" xmlns:dgm="http://schemas.openxmlformats.org/drawingml/2006/diagram" xmlns:o="urn:schemas-microsoft-com:office:office" xmlns:v="urn:schemas-microsoft-com:vml" xmlns:pvml="urn:schemas-microsoft-com:office:powerpoint" xmlns:com="http://schemas.openxmlformats.org/drawingml/2006/compatibility" xmlns:p14="http://schemas.microsoft.com/office/powerpoint/2010/main" xmlns:p15="http://schemas.microsoft.com/office/powerpoint/2012/main" xmlns:ahyp="http://schemas.microsoft.com/office/drawing/2018/hyperlinkcolor">
-  <p:cSld>
-    <p:spTree>
-      <p:nvGrpSpPr>
-        <p:cNvPr id="365" name="Shape 365"/>
-        <p:cNvGrpSpPr/>
-        <p:nvPr/>
-      </p:nvGrpSpPr>
-      <p:grpSpPr>
-        <a:xfrm>
-          <a:off x="0" y="0"/>
-          <a:ext cx="0" cy="0"/>
-          <a:chOff x="0" y="0"/>
-          <a:chExt cx="0" cy="0"/>
-        </a:xfrm>
-      </p:grpSpPr>
-      <p:sp>
-        <p:nvSpPr>
-          <p:cNvPr id="366" name="Google Shape;366;p27"/>
-          <p:cNvSpPr txBox="1"/>
-          <p:nvPr>
-            <p:ph type="title"/>
-          </p:nvPr>
-        </p:nvSpPr>
-        <p:spPr>
-          <a:xfrm>
-            <a:off x="1388625" y="772725"/>
-            <a:ext cx="6366900" cy="1863300"/>
-          </a:xfrm>
-          <a:prstGeom prst="rect">
-            <a:avLst/>
-          </a:prstGeom>
-        </p:spPr>
-        <p:txBody>
-          <a:bodyPr anchorCtr="0" anchor="ctr" bIns="91425" lIns="91425" spcFirstLastPara="1" rIns="91425" wrap="square" tIns="91425">
-            <a:normAutofit/>
-          </a:bodyPr>
-          <a:lstStyle/>
-          <a:p>
-            <a:pPr indent="0" lvl="0" marL="0" rtl="0" algn="ctr">
-              <a:spcBef>
-                <a:spcPts val="0"/>
-              </a:spcBef>
-              <a:spcAft>
-                <a:spcPts val="0"/>
-              </a:spcAft>
-              <a:buNone/>
-            </a:pPr>
-            <a:r>
-              <a:rPr lang="en"/>
-              <a:t>Tkinter</a:t>
-            </a:r>
-            <a:endParaRPr/>
-          </a:p>
-        </p:txBody>
-      </p:sp>
-      <p:sp>
-        <p:nvSpPr>
-          <p:cNvPr id="367" name="Google Shape;367;p27"/>
-          <p:cNvSpPr txBox="1"/>
-          <p:nvPr>
-            <p:ph idx="1" type="body"/>
-          </p:nvPr>
-        </p:nvSpPr>
-        <p:spPr>
-          <a:xfrm>
-            <a:off x="1388625" y="2712300"/>
-            <a:ext cx="6366900" cy="1111200"/>
-          </a:xfrm>
-          <a:prstGeom prst="rect">
-            <a:avLst/>
-          </a:prstGeom>
-        </p:spPr>
-        <p:txBody>
-          <a:bodyPr anchorCtr="0" anchor="t" bIns="91425" lIns="91425" spcFirstLastPara="1" rIns="91425" wrap="square" tIns="91425">
-            <a:normAutofit/>
-          </a:bodyPr>
-          <a:lstStyle/>
-          <a:p>
-            <a:pPr indent="0" lvl="0" marL="0" rtl="0" algn="ctr">
-              <a:spcBef>
-                <a:spcPts val="0"/>
-              </a:spcBef>
-              <a:spcAft>
-                <a:spcPts val="1200"/>
-              </a:spcAft>
-              <a:buNone/>
-            </a:pPr>
-            <a:r>
-              <a:rPr lang="en"/>
-              <a:t>w</a:t>
-            </a:r>
-            <a:r>
-              <a:rPr lang="en"/>
-              <a:t>oah so cool so magical</a:t>
-            </a:r>
-            <a:endParaRPr/>
-          </a:p>
-        </p:txBody>
-      </p:sp>
-    </p:spTree>
-  </p:cSld>
-  <p:clrMapOvr>
-    <a:masterClrMapping/>
-  </p:clrMapOvr>
-</p:sld>
-</file>
-
-<file path=ppt/slides/slide16.xml><?xml version="1.0" encoding="utf-8"?>
-<p:sld xmlns:a="http://schemas.openxmlformats.org/drawingml/2006/main" xmlns:r="http://schemas.openxmlformats.org/officeDocument/2006/relationships" xmlns:mc="http://schemas.openxmlformats.org/markup-compatibility/2006" xmlns:mv="urn:schemas-microsoft-com:mac:vml" xmlns:p="http://schemas.openxmlformats.org/presentationml/2006/main" xmlns:c="http://schemas.openxmlformats.org/drawingml/2006/chart" xmlns:dgm="http://schemas.openxmlformats.org/drawingml/2006/diagram" xmlns:o="urn:schemas-microsoft-com:office:office" xmlns:v="urn:schemas-microsoft-com:vml" xmlns:pvml="urn:schemas-microsoft-com:office:powerpoint" xmlns:com="http://schemas.openxmlformats.org/drawingml/2006/compatibility" xmlns:p14="http://schemas.microsoft.com/office/powerpoint/2010/main" xmlns:p15="http://schemas.microsoft.com/office/powerpoint/2012/main" xmlns:ahyp="http://schemas.microsoft.com/office/drawing/2018/hyperlinkcolor">
-  <p:cSld>
-    <p:spTree>
-      <p:nvGrpSpPr>
-        <p:cNvPr id="371" name="Shape 371"/>
-        <p:cNvGrpSpPr/>
-        <p:nvPr/>
-      </p:nvGrpSpPr>
-      <p:grpSpPr>
-        <a:xfrm>
-          <a:off x="0" y="0"/>
-          <a:ext cx="0" cy="0"/>
-          <a:chOff x="0" y="0"/>
-          <a:chExt cx="0" cy="0"/>
-        </a:xfrm>
-      </p:grpSpPr>
-      <p:sp>
-        <p:nvSpPr>
-          <p:cNvPr id="372" name="Google Shape;372;p28"/>
-          <p:cNvSpPr txBox="1"/>
-          <p:nvPr>
-            <p:ph type="title"/>
-          </p:nvPr>
-        </p:nvSpPr>
-        <p:spPr>
-          <a:xfrm>
-            <a:off x="1303800" y="598575"/>
-            <a:ext cx="7030500" cy="999300"/>
-          </a:xfrm>
-          <a:prstGeom prst="rect">
-            <a:avLst/>
-          </a:prstGeom>
-        </p:spPr>
-        <p:txBody>
-          <a:bodyPr anchorCtr="0" anchor="t" bIns="91425" lIns="91425" spcFirstLastPara="1" rIns="91425" wrap="square" tIns="91425">
-            <a:normAutofit/>
-          </a:bodyPr>
-          <a:lstStyle/>
-          <a:p>
-            <a:pPr indent="0" lvl="0" marL="0" rtl="0" algn="l">
-              <a:spcBef>
-                <a:spcPts val="0"/>
-              </a:spcBef>
-              <a:spcAft>
-                <a:spcPts val="0"/>
-              </a:spcAft>
-              <a:buNone/>
-            </a:pPr>
-            <a:r>
-              <a:rPr lang="en"/>
-              <a:t>What is Tkinter?</a:t>
-            </a:r>
-            <a:endParaRPr/>
-          </a:p>
-        </p:txBody>
-      </p:sp>
-      <p:sp>
-        <p:nvSpPr>
-          <p:cNvPr id="373" name="Google Shape;373;p28"/>
-          <p:cNvSpPr txBox="1"/>
-          <p:nvPr>
-            <p:ph idx="1" type="body"/>
-          </p:nvPr>
-        </p:nvSpPr>
-        <p:spPr>
-          <a:xfrm>
-            <a:off x="1303800" y="1990050"/>
-            <a:ext cx="7030500" cy="2541600"/>
-          </a:xfrm>
-          <a:prstGeom prst="rect">
-            <a:avLst/>
-          </a:prstGeom>
-        </p:spPr>
-        <p:txBody>
-          <a:bodyPr anchorCtr="0" anchor="t" bIns="91425" lIns="91425" spcFirstLastPara="1" rIns="91425" wrap="square" tIns="91425">
-            <a:normAutofit/>
-          </a:bodyPr>
-          <a:lstStyle/>
-          <a:p>
-            <a:pPr indent="0" lvl="0" marL="0" rtl="0" algn="l">
-              <a:spcBef>
-                <a:spcPts val="0"/>
-              </a:spcBef>
-              <a:spcAft>
-                <a:spcPts val="0"/>
-              </a:spcAft>
-              <a:buNone/>
-            </a:pPr>
-            <a:r>
-              <a:rPr lang="en"/>
-              <a:t>Python’s standard GUI (Graphical User Interface) library</a:t>
-            </a:r>
-            <a:endParaRPr/>
-          </a:p>
-          <a:p>
-            <a:pPr indent="-311150" lvl="0" marL="457200" rtl="0" algn="l">
-              <a:spcBef>
-                <a:spcPts val="1200"/>
-              </a:spcBef>
-              <a:spcAft>
-                <a:spcPts val="0"/>
-              </a:spcAft>
-              <a:buSzPts val="1300"/>
-              <a:buChar char="●"/>
-            </a:pPr>
-            <a:r>
-              <a:rPr lang="en"/>
-              <a:t>It provides tools to create desktop applications with windows, buttons, labels, and more.</a:t>
-            </a:r>
-            <a:endParaRPr/>
-          </a:p>
-        </p:txBody>
-      </p:sp>
-    </p:spTree>
-  </p:cSld>
-  <p:clrMapOvr>
-    <a:masterClrMapping/>
-  </p:clrMapOvr>
-</p:sld>
-</file>
-
-<file path=ppt/slides/slide17.xml><?xml version="1.0" encoding="utf-8"?>
-<p:sld xmlns:a="http://schemas.openxmlformats.org/drawingml/2006/main" xmlns:r="http://schemas.openxmlformats.org/officeDocument/2006/relationships" xmlns:mc="http://schemas.openxmlformats.org/markup-compatibility/2006" xmlns:mv="urn:schemas-microsoft-com:mac:vml" xmlns:p="http://schemas.openxmlformats.org/presentationml/2006/main" xmlns:c="http://schemas.openxmlformats.org/drawingml/2006/chart" xmlns:dgm="http://schemas.openxmlformats.org/drawingml/2006/diagram" xmlns:o="urn:schemas-microsoft-com:office:office" xmlns:v="urn:schemas-microsoft-com:vml" xmlns:pvml="urn:schemas-microsoft-com:office:powerpoint" xmlns:com="http://schemas.openxmlformats.org/drawingml/2006/compatibility" xmlns:p14="http://schemas.microsoft.com/office/powerpoint/2010/main" xmlns:p15="http://schemas.microsoft.com/office/powerpoint/2012/main" xmlns:ahyp="http://schemas.microsoft.com/office/drawing/2018/hyperlinkcolor">
-  <p:cSld>
-    <p:spTree>
-      <p:nvGrpSpPr>
-        <p:cNvPr id="377" name="Shape 377"/>
-        <p:cNvGrpSpPr/>
-        <p:nvPr/>
-      </p:nvGrpSpPr>
-      <p:grpSpPr>
-        <a:xfrm>
-          <a:off x="0" y="0"/>
-          <a:ext cx="0" cy="0"/>
-          <a:chOff x="0" y="0"/>
-          <a:chExt cx="0" cy="0"/>
-        </a:xfrm>
-      </p:grpSpPr>
-      <p:sp>
-        <p:nvSpPr>
-          <p:cNvPr id="378" name="Google Shape;378;p29"/>
-          <p:cNvSpPr txBox="1"/>
-          <p:nvPr>
-            <p:ph type="title"/>
-          </p:nvPr>
-        </p:nvSpPr>
-        <p:spPr>
-          <a:xfrm>
-            <a:off x="824000" y="1613825"/>
-            <a:ext cx="5857800" cy="1872900"/>
-          </a:xfrm>
-          <a:prstGeom prst="rect">
-            <a:avLst/>
-          </a:prstGeom>
-        </p:spPr>
-        <p:txBody>
-          <a:bodyPr anchorCtr="0" anchor="ctr" bIns="91425" lIns="91425" spcFirstLastPara="1" rIns="91425" wrap="square" tIns="91425">
-            <a:normAutofit/>
-          </a:bodyPr>
-          <a:lstStyle/>
-          <a:p>
-            <a:pPr indent="0" lvl="0" marL="0" rtl="0" algn="l">
-              <a:spcBef>
-                <a:spcPts val="0"/>
-              </a:spcBef>
-              <a:spcAft>
-                <a:spcPts val="0"/>
-              </a:spcAft>
-              <a:buNone/>
-            </a:pPr>
-            <a:r>
-              <a:rPr lang="en"/>
-              <a:t>b</a:t>
-            </a:r>
-            <a:r>
-              <a:rPr lang="en"/>
-              <a:t>uilding time.</a:t>
-            </a:r>
-            <a:endParaRPr/>
-          </a:p>
-        </p:txBody>
-      </p:sp>
-    </p:spTree>
-  </p:cSld>
-  <p:clrMapOvr>
-    <a:masterClrMapping/>
-  </p:clrMapOvr>
-</p:sld>
-</file>
-
-<file path=ppt/slides/slide2.xml><?xml version="1.0" encoding="utf-8"?>
-<p:sld xmlns:a="http://schemas.openxmlformats.org/drawingml/2006/main" xmlns:r="http://schemas.openxmlformats.org/officeDocument/2006/relationships" xmlns:mc="http://schemas.openxmlformats.org/markup-compatibility/2006" xmlns:mv="urn:schemas-microsoft-com:mac:vml" xmlns:p="http://schemas.openxmlformats.org/presentationml/2006/main" xmlns:c="http://schemas.openxmlformats.org/drawingml/2006/chart" xmlns:dgm="http://schemas.openxmlformats.org/drawingml/2006/diagram" xmlns:o="urn:schemas-microsoft-com:office:office" xmlns:v="urn:schemas-microsoft-com:vml" xmlns:pvml="urn:schemas-microsoft-com:office:powerpoint" xmlns:com="http://schemas.openxmlformats.org/drawingml/2006/compatibility" xmlns:p14="http://schemas.microsoft.com/office/powerpoint/2010/main" xmlns:p15="http://schemas.microsoft.com/office/powerpoint/2012/main" xmlns:ahyp="http://schemas.microsoft.com/office/drawing/2018/hyperlinkcolor">
-  <p:cSld>
-    <p:spTree>
-      <p:nvGrpSpPr>
-        <p:cNvPr id="282" name="Shape 282"/>
-        <p:cNvGrpSpPr/>
-        <p:nvPr/>
-      </p:nvGrpSpPr>
-      <p:grpSpPr>
-        <a:xfrm>
-          <a:off x="0" y="0"/>
-          <a:ext cx="0" cy="0"/>
-          <a:chOff x="0" y="0"/>
-          <a:chExt cx="0" cy="0"/>
-        </a:xfrm>
-      </p:grpSpPr>
-      <p:sp>
-        <p:nvSpPr>
-          <p:cNvPr id="283" name="Google Shape;283;p14"/>
-          <p:cNvSpPr txBox="1"/>
-          <p:nvPr/>
-        </p:nvSpPr>
-        <p:spPr>
-          <a:xfrm>
-            <a:off x="2143650" y="2979388"/>
-            <a:ext cx="4856700" cy="384900"/>
-          </a:xfrm>
-          <a:prstGeom prst="rect">
-            <a:avLst/>
-          </a:prstGeom>
-          <a:noFill/>
-          <a:ln>
-            <a:noFill/>
-          </a:ln>
-        </p:spPr>
-        <p:txBody>
-          <a:bodyPr anchorCtr="0" anchor="t" bIns="91425" lIns="91425" spcFirstLastPara="1" rIns="91425" wrap="square" tIns="91425">
-            <a:spAutoFit/>
-          </a:bodyPr>
-          <a:lstStyle/>
-          <a:p>
-            <a:pPr indent="0" lvl="0" marL="0" rtl="0" algn="ctr">
-              <a:spcBef>
-                <a:spcPts val="0"/>
-              </a:spcBef>
-              <a:spcAft>
-                <a:spcPts val="0"/>
-              </a:spcAft>
-              <a:buNone/>
-            </a:pPr>
-            <a:r>
-              <a:rPr lang="en" sz="1300">
-                <a:solidFill>
-                  <a:schemeClr val="dk2"/>
-                </a:solidFill>
-                <a:latin typeface="Nunito"/>
-                <a:ea typeface="Nunito"/>
-                <a:cs typeface="Nunito"/>
-                <a:sym typeface="Nunito"/>
-              </a:rPr>
-              <a:t>Aaron Cayanan</a:t>
-            </a:r>
-            <a:endParaRPr sz="1300">
-              <a:solidFill>
-                <a:schemeClr val="dk2"/>
-              </a:solidFill>
-              <a:latin typeface="Nunito"/>
-              <a:ea typeface="Nunito"/>
-              <a:cs typeface="Nunito"/>
-              <a:sym typeface="Nunito"/>
-            </a:endParaRPr>
-          </a:p>
-        </p:txBody>
-      </p:sp>
-      <p:sp>
-        <p:nvSpPr>
-          <p:cNvPr id="284" name="Google Shape;284;p14"/>
-          <p:cNvSpPr txBox="1"/>
-          <p:nvPr/>
-        </p:nvSpPr>
-        <p:spPr>
-          <a:xfrm>
-            <a:off x="2143650" y="3257588"/>
-            <a:ext cx="4856700" cy="461700"/>
-          </a:xfrm>
-          <a:prstGeom prst="rect">
-            <a:avLst/>
-          </a:prstGeom>
-          <a:noFill/>
-          <a:ln>
-            <a:noFill/>
-          </a:ln>
-        </p:spPr>
-        <p:txBody>
-          <a:bodyPr anchorCtr="0" anchor="t" bIns="91425" lIns="91425" spcFirstLastPara="1" rIns="91425" wrap="square" tIns="91425">
-            <a:spAutoFit/>
-          </a:bodyPr>
-          <a:lstStyle/>
-          <a:p>
-            <a:pPr indent="0" lvl="0" marL="0" rtl="0" algn="ctr">
-              <a:spcBef>
-                <a:spcPts val="0"/>
-              </a:spcBef>
-              <a:spcAft>
-                <a:spcPts val="0"/>
-              </a:spcAft>
-              <a:buNone/>
-            </a:pPr>
-            <a:r>
-              <a:rPr lang="en" sz="900">
-                <a:solidFill>
-                  <a:schemeClr val="dk2"/>
-                </a:solidFill>
-                <a:latin typeface="Nunito"/>
-                <a:ea typeface="Nunito"/>
-                <a:cs typeface="Nunito"/>
-                <a:sym typeface="Nunito"/>
-              </a:rPr>
-              <a:t>Prev AI Consultant @ Scale AI</a:t>
-            </a:r>
-            <a:endParaRPr sz="900">
-              <a:solidFill>
-                <a:schemeClr val="dk2"/>
-              </a:solidFill>
-              <a:latin typeface="Nunito"/>
-              <a:ea typeface="Nunito"/>
-              <a:cs typeface="Nunito"/>
-              <a:sym typeface="Nunito"/>
-            </a:endParaRPr>
-          </a:p>
-          <a:p>
-            <a:pPr indent="0" lvl="0" marL="0" rtl="0" algn="ctr">
-              <a:spcBef>
-                <a:spcPts val="0"/>
-              </a:spcBef>
-              <a:spcAft>
-                <a:spcPts val="0"/>
-              </a:spcAft>
-              <a:buNone/>
-            </a:pPr>
-            <a:r>
-              <a:rPr lang="en" sz="900">
-                <a:solidFill>
-                  <a:schemeClr val="dk2"/>
-                </a:solidFill>
-                <a:latin typeface="Nunito"/>
-                <a:ea typeface="Nunito"/>
-                <a:cs typeface="Nunito"/>
-                <a:sym typeface="Nunito"/>
-              </a:rPr>
-              <a:t>MCCS Club Treasurer</a:t>
-            </a:r>
-            <a:endParaRPr sz="900">
-              <a:solidFill>
-                <a:schemeClr val="dk2"/>
-              </a:solidFill>
-              <a:latin typeface="Nunito"/>
-              <a:ea typeface="Nunito"/>
-              <a:cs typeface="Nunito"/>
-              <a:sym typeface="Nunito"/>
-            </a:endParaRPr>
-          </a:p>
-        </p:txBody>
-      </p:sp>
-      <p:sp>
-        <p:nvSpPr>
-          <p:cNvPr id="285" name="Google Shape;285;p14"/>
-          <p:cNvSpPr/>
-          <p:nvPr/>
-        </p:nvSpPr>
-        <p:spPr>
-          <a:xfrm>
-            <a:off x="3817350" y="1562813"/>
-            <a:ext cx="1509300" cy="1296900"/>
-          </a:xfrm>
-          <a:prstGeom prst="rect">
-            <a:avLst/>
-          </a:prstGeom>
-          <a:solidFill>
-            <a:schemeClr val="lt2"/>
-          </a:solidFill>
-          <a:ln cap="flat" cmpd="sng" w="9525">
-            <a:solidFill>
-              <a:schemeClr val="dk2"/>
-            </a:solidFill>
-            <a:prstDash val="solid"/>
-            <a:round/>
-            <a:headEnd len="sm" w="sm" type="none"/>
-            <a:tailEnd len="sm" w="sm" type="none"/>
-          </a:ln>
-        </p:spPr>
-        <p:txBody>
-          <a:bodyPr anchorCtr="0" anchor="ctr" bIns="91425" lIns="91425" spcFirstLastPara="1" rIns="91425" wrap="square" tIns="91425">
-            <a:noAutofit/>
-          </a:bodyPr>
-          <a:lstStyle/>
-          <a:p>
-            <a:pPr indent="0" lvl="0" marL="0" rtl="0" algn="ctr">
-              <a:spcBef>
-                <a:spcPts val="0"/>
-              </a:spcBef>
-              <a:spcAft>
-                <a:spcPts val="0"/>
-              </a:spcAft>
-              <a:buNone/>
-            </a:pPr>
-            <a:r>
-              <a:t/>
-            </a:r>
-            <a:endParaRPr>
-              <a:latin typeface="Nunito"/>
-              <a:ea typeface="Nunito"/>
-              <a:cs typeface="Nunito"/>
-              <a:sym typeface="Nunito"/>
-            </a:endParaRPr>
-          </a:p>
-        </p:txBody>
-      </p:sp>
-      <p:pic>
-        <p:nvPicPr>
-          <p:cNvPr id="286" name="Google Shape;286;p14"/>
-          <p:cNvPicPr preferRelativeResize="0"/>
-          <p:nvPr/>
-        </p:nvPicPr>
-        <p:blipFill>
-          <a:blip r:embed="rId3">
-            <a:alphaModFix/>
-          </a:blip>
-          <a:stretch>
-            <a:fillRect/>
-          </a:stretch>
-        </p:blipFill>
-        <p:spPr>
-          <a:xfrm>
-            <a:off x="3724137" y="1283650"/>
-            <a:ext cx="1695724" cy="1695750"/>
-          </a:xfrm>
-          <a:prstGeom prst="rect">
-            <a:avLst/>
-          </a:prstGeom>
-          <a:noFill/>
-          <a:ln>
-            <a:noFill/>
-          </a:ln>
-        </p:spPr>
-      </p:pic>
-      <p:pic>
-        <p:nvPicPr>
-          <p:cNvPr id="287" name="Google Shape;287;p14"/>
-          <p:cNvPicPr preferRelativeResize="0"/>
-          <p:nvPr/>
-        </p:nvPicPr>
-        <p:blipFill>
-          <a:blip r:embed="rId4">
-            <a:alphaModFix/>
-          </a:blip>
-          <a:stretch>
-            <a:fillRect/>
-          </a:stretch>
-        </p:blipFill>
-        <p:spPr>
-          <a:xfrm>
-            <a:off x="-140150" y="1245200"/>
-            <a:ext cx="3864274" cy="1932125"/>
-          </a:xfrm>
-          <a:prstGeom prst="rect">
-            <a:avLst/>
-          </a:prstGeom>
-          <a:noFill/>
-          <a:ln>
-            <a:noFill/>
-          </a:ln>
-        </p:spPr>
-      </p:pic>
-      <p:pic>
-        <p:nvPicPr>
-          <p:cNvPr id="288" name="Google Shape;288;p14"/>
-          <p:cNvPicPr preferRelativeResize="0"/>
-          <p:nvPr/>
-        </p:nvPicPr>
-        <p:blipFill>
-          <a:blip r:embed="rId5">
-            <a:alphaModFix/>
-          </a:blip>
-          <a:stretch>
-            <a:fillRect/>
-          </a:stretch>
-        </p:blipFill>
-        <p:spPr>
-          <a:xfrm>
-            <a:off x="6194537" y="873975"/>
-            <a:ext cx="2658203" cy="2674587"/>
-          </a:xfrm>
-          <a:prstGeom prst="rect">
-            <a:avLst/>
-          </a:prstGeom>
-          <a:noFill/>
-          <a:ln>
-            <a:noFill/>
-          </a:ln>
-        </p:spPr>
-      </p:pic>
-    </p:spTree>
-  </p:cSld>
-  <p:clrMapOvr>
-    <a:masterClrMapping/>
-  </p:clrMapOvr>
-</p:sld>
-</file>
-
-<file path=ppt/slides/slide3.xml><?xml version="1.0" encoding="utf-8"?>
-<p:sld xmlns:a="http://schemas.openxmlformats.org/drawingml/2006/main" xmlns:r="http://schemas.openxmlformats.org/officeDocument/2006/relationships" xmlns:mc="http://schemas.openxmlformats.org/markup-compatibility/2006" xmlns:mv="urn:schemas-microsoft-com:mac:vml" xmlns:p="http://schemas.openxmlformats.org/presentationml/2006/main" xmlns:c="http://schemas.openxmlformats.org/drawingml/2006/chart" xmlns:dgm="http://schemas.openxmlformats.org/drawingml/2006/diagram" xmlns:o="urn:schemas-microsoft-com:office:office" xmlns:v="urn:schemas-microsoft-com:vml" xmlns:pvml="urn:schemas-microsoft-com:office:powerpoint" xmlns:com="http://schemas.openxmlformats.org/drawingml/2006/compatibility" xmlns:p14="http://schemas.microsoft.com/office/powerpoint/2010/main" xmlns:p15="http://schemas.microsoft.com/office/powerpoint/2012/main" xmlns:ahyp="http://schemas.microsoft.com/office/drawing/2018/hyperlinkcolor">
-  <p:cSld>
-    <p:spTree>
-      <p:nvGrpSpPr>
-        <p:cNvPr id="292" name="Shape 292"/>
-        <p:cNvGrpSpPr/>
-        <p:nvPr/>
-      </p:nvGrpSpPr>
-      <p:grpSpPr>
-        <a:xfrm>
-          <a:off x="0" y="0"/>
-          <a:ext cx="0" cy="0"/>
-          <a:chOff x="0" y="0"/>
-          <a:chExt cx="0" cy="0"/>
-        </a:xfrm>
-      </p:grpSpPr>
-      <p:sp>
-        <p:nvSpPr>
-          <p:cNvPr id="293" name="Google Shape;293;p15"/>
-          <p:cNvSpPr txBox="1"/>
-          <p:nvPr>
-            <p:ph type="title"/>
-          </p:nvPr>
-        </p:nvSpPr>
-        <p:spPr>
-          <a:xfrm>
-            <a:off x="824000" y="763600"/>
-            <a:ext cx="5857800" cy="3573300"/>
-          </a:xfrm>
-          <a:prstGeom prst="rect">
-            <a:avLst/>
-          </a:prstGeom>
-        </p:spPr>
-        <p:txBody>
-          <a:bodyPr anchorCtr="0" anchor="ctr" bIns="91425" lIns="91425" spcFirstLastPara="1" rIns="91425" wrap="square" tIns="91425">
-            <a:normAutofit/>
-          </a:bodyPr>
-          <a:lstStyle/>
-          <a:p>
-            <a:pPr indent="0" lvl="0" marL="0" rtl="0" algn="l">
-              <a:spcBef>
-                <a:spcPts val="0"/>
-              </a:spcBef>
-              <a:spcAft>
-                <a:spcPts val="0"/>
-              </a:spcAft>
-              <a:buNone/>
-            </a:pPr>
-            <a:r>
-              <a:rPr lang="en"/>
-              <a:t>Agenda</a:t>
-            </a:r>
-            <a:endParaRPr/>
-          </a:p>
-        </p:txBody>
-      </p:sp>
-    </p:spTree>
-  </p:cSld>
-  <p:clrMapOvr>
-    <a:masterClrMapping/>
-  </p:clrMapOvr>
-</p:sld>
-</file>
-
-<file path=ppt/slides/slide4.xml><?xml version="1.0" encoding="utf-8"?>
-<p:sld xmlns:a="http://schemas.openxmlformats.org/drawingml/2006/main" xmlns:r="http://schemas.openxmlformats.org/officeDocument/2006/relationships" xmlns:mc="http://schemas.openxmlformats.org/markup-compatibility/2006" xmlns:mv="urn:schemas-microsoft-com:mac:vml" xmlns:p="http://schemas.openxmlformats.org/presentationml/2006/main" xmlns:c="http://schemas.openxmlformats.org/drawingml/2006/chart" xmlns:dgm="http://schemas.openxmlformats.org/drawingml/2006/diagram" xmlns:o="urn:schemas-microsoft-com:office:office" xmlns:v="urn:schemas-microsoft-com:vml" xmlns:pvml="urn:schemas-microsoft-com:office:powerpoint" xmlns:com="http://schemas.openxmlformats.org/drawingml/2006/compatibility" xmlns:p14="http://schemas.microsoft.com/office/powerpoint/2010/main" xmlns:p15="http://schemas.microsoft.com/office/powerpoint/2012/main" xmlns:ahyp="http://schemas.microsoft.com/office/drawing/2018/hyperlinkcolor">
-  <p:cSld>
-    <p:spTree>
-      <p:nvGrpSpPr>
-        <p:cNvPr id="297" name="Shape 297"/>
-        <p:cNvGrpSpPr/>
-        <p:nvPr/>
-      </p:nvGrpSpPr>
-      <p:grpSpPr>
-        <a:xfrm>
-          <a:off x="0" y="0"/>
-          <a:ext cx="0" cy="0"/>
-          <a:chOff x="0" y="0"/>
-          <a:chExt cx="0" cy="0"/>
-        </a:xfrm>
-      </p:grpSpPr>
-      <p:sp>
-        <p:nvSpPr>
-          <p:cNvPr id="298" name="Google Shape;298;p16"/>
-          <p:cNvSpPr txBox="1"/>
-          <p:nvPr>
-            <p:ph idx="4294967295" type="body"/>
-          </p:nvPr>
-        </p:nvSpPr>
-        <p:spPr>
-          <a:xfrm>
-            <a:off x="982650" y="432750"/>
-            <a:ext cx="7178700" cy="4278000"/>
-          </a:xfrm>
-          <a:prstGeom prst="rect">
-            <a:avLst/>
-          </a:prstGeom>
-        </p:spPr>
-        <p:txBody>
-          <a:bodyPr anchorCtr="0" anchor="t" bIns="91425" lIns="91425" spcFirstLastPara="1" rIns="91425" wrap="square" tIns="91425">
-            <a:noAutofit/>
-          </a:bodyPr>
-          <a:lstStyle/>
-          <a:p>
-            <a:pPr indent="0" lvl="0" marL="0" rtl="0" algn="ctr">
-              <a:spcBef>
-                <a:spcPts val="0"/>
-              </a:spcBef>
-              <a:spcAft>
-                <a:spcPts val="0"/>
-              </a:spcAft>
-              <a:buNone/>
-            </a:pPr>
-            <a:r>
-              <a:rPr b="1" lang="en" sz="2500">
-                <a:solidFill>
-                  <a:schemeClr val="lt1"/>
-                </a:solidFill>
-              </a:rPr>
-              <a:t>Introduction to ChatGPT API</a:t>
-            </a:r>
-            <a:endParaRPr b="1" sz="2500">
-              <a:solidFill>
-                <a:schemeClr val="lt1"/>
-              </a:solidFill>
-            </a:endParaRPr>
-          </a:p>
-          <a:p>
-            <a:pPr indent="0" lvl="0" marL="0" rtl="0" algn="ctr">
-              <a:spcBef>
-                <a:spcPts val="1200"/>
-              </a:spcBef>
-              <a:spcAft>
-                <a:spcPts val="0"/>
-              </a:spcAft>
-              <a:buNone/>
-            </a:pPr>
-            <a:r>
-              <a:t/>
-            </a:r>
-            <a:endParaRPr b="1" sz="2500">
-              <a:solidFill>
-                <a:schemeClr val="lt1"/>
-              </a:solidFill>
-            </a:endParaRPr>
-          </a:p>
-          <a:p>
-            <a:pPr indent="0" lvl="0" marL="0" rtl="0" algn="ctr">
-              <a:spcBef>
-                <a:spcPts val="1200"/>
-              </a:spcBef>
-              <a:spcAft>
-                <a:spcPts val="0"/>
-              </a:spcAft>
-              <a:buNone/>
-            </a:pPr>
-            <a:r>
-              <a:rPr b="1" lang="en" sz="2500">
-                <a:solidFill>
-                  <a:schemeClr val="lt1"/>
-                </a:solidFill>
-              </a:rPr>
-              <a:t>Building a chatbot with Python</a:t>
-            </a:r>
-            <a:endParaRPr b="1" sz="2500">
-              <a:solidFill>
-                <a:schemeClr val="lt1"/>
-              </a:solidFill>
-            </a:endParaRPr>
-          </a:p>
-          <a:p>
-            <a:pPr indent="0" lvl="0" marL="0" rtl="0" algn="ctr">
-              <a:spcBef>
-                <a:spcPts val="1200"/>
-              </a:spcBef>
-              <a:spcAft>
-                <a:spcPts val="0"/>
-              </a:spcAft>
-              <a:buNone/>
-            </a:pPr>
-            <a:r>
-              <a:t/>
-            </a:r>
-            <a:endParaRPr b="1" sz="2500">
-              <a:solidFill>
-                <a:schemeClr val="lt1"/>
-              </a:solidFill>
-            </a:endParaRPr>
-          </a:p>
-          <a:p>
-            <a:pPr indent="0" lvl="0" marL="0" rtl="0" algn="ctr">
-              <a:spcBef>
-                <a:spcPts val="1200"/>
-              </a:spcBef>
-              <a:spcAft>
-                <a:spcPts val="0"/>
-              </a:spcAft>
-              <a:buNone/>
-            </a:pPr>
-            <a:r>
-              <a:rPr b="1" lang="en" sz="2500">
-                <a:solidFill>
-                  <a:schemeClr val="lt1"/>
-                </a:solidFill>
-              </a:rPr>
-              <a:t>Improving Design with Figma</a:t>
-            </a:r>
-            <a:endParaRPr b="1" sz="2500">
-              <a:solidFill>
-                <a:schemeClr val="lt1"/>
-              </a:solidFill>
-            </a:endParaRPr>
-          </a:p>
-          <a:p>
-            <a:pPr indent="0" lvl="0" marL="0" rtl="0" algn="ctr">
-              <a:spcBef>
-                <a:spcPts val="1200"/>
-              </a:spcBef>
-              <a:spcAft>
-                <a:spcPts val="0"/>
-              </a:spcAft>
-              <a:buNone/>
-            </a:pPr>
-            <a:r>
-              <a:t/>
-            </a:r>
-            <a:endParaRPr b="1" sz="2500">
-              <a:solidFill>
-                <a:schemeClr val="lt1"/>
-              </a:solidFill>
-            </a:endParaRPr>
-          </a:p>
-          <a:p>
-            <a:pPr indent="0" lvl="0" marL="0" rtl="0" algn="ctr">
-              <a:spcBef>
-                <a:spcPts val="1200"/>
-              </a:spcBef>
-              <a:spcAft>
-                <a:spcPts val="1200"/>
-              </a:spcAft>
-              <a:buNone/>
-            </a:pPr>
-            <a:r>
-              <a:rPr b="1" lang="en" sz="2500">
-                <a:solidFill>
-                  <a:schemeClr val="lt1"/>
-                </a:solidFill>
-              </a:rPr>
-              <a:t>Final version using React and Flask</a:t>
-            </a:r>
-            <a:endParaRPr b="1" sz="2500">
-              <a:solidFill>
-                <a:schemeClr val="lt1"/>
-              </a:solidFill>
-            </a:endParaRPr>
-          </a:p>
-        </p:txBody>
-      </p:sp>
-    </p:spTree>
-  </p:cSld>
-  <p:clrMapOvr>
-    <a:masterClrMapping/>
-  </p:clrMapOvr>
-</p:sld>
-</file>
-
-<file path=ppt/slides/slide5.xml><?xml version="1.0" encoding="utf-8"?>
-<p:sld xmlns:a="http://schemas.openxmlformats.org/drawingml/2006/main" xmlns:r="http://schemas.openxmlformats.org/officeDocument/2006/relationships" xmlns:mc="http://schemas.openxmlformats.org/markup-compatibility/2006" xmlns:mv="urn:schemas-microsoft-com:mac:vml" xmlns:p="http://schemas.openxmlformats.org/presentationml/2006/main" xmlns:c="http://schemas.openxmlformats.org/drawingml/2006/chart" xmlns:dgm="http://schemas.openxmlformats.org/drawingml/2006/diagram" xmlns:o="urn:schemas-microsoft-com:office:office" xmlns:v="urn:schemas-microsoft-com:vml" xmlns:pvml="urn:schemas-microsoft-com:office:powerpoint" xmlns:com="http://schemas.openxmlformats.org/drawingml/2006/compatibility" xmlns:p14="http://schemas.microsoft.com/office/powerpoint/2010/main" xmlns:p15="http://schemas.microsoft.com/office/powerpoint/2012/main" xmlns:ahyp="http://schemas.microsoft.com/office/drawing/2018/hyperlinkcolor">
-  <p:cSld>
-    <p:spTree>
-      <p:nvGrpSpPr>
-        <p:cNvPr id="302" name="Shape 302"/>
-        <p:cNvGrpSpPr/>
-        <p:nvPr/>
-      </p:nvGrpSpPr>
-      <p:grpSpPr>
-        <a:xfrm>
-          <a:off x="0" y="0"/>
-          <a:ext cx="0" cy="0"/>
-          <a:chOff x="0" y="0"/>
-          <a:chExt cx="0" cy="0"/>
-        </a:xfrm>
-      </p:grpSpPr>
-      <p:sp>
-        <p:nvSpPr>
-          <p:cNvPr id="303" name="Google Shape;303;p17"/>
-          <p:cNvSpPr txBox="1"/>
-          <p:nvPr>
-            <p:ph type="title"/>
-          </p:nvPr>
-        </p:nvSpPr>
-        <p:spPr>
-          <a:xfrm>
-            <a:off x="1388625" y="772725"/>
-            <a:ext cx="6366900" cy="1863300"/>
-          </a:xfrm>
-          <a:prstGeom prst="rect">
-            <a:avLst/>
-          </a:prstGeom>
-        </p:spPr>
-        <p:txBody>
-          <a:bodyPr anchorCtr="0" anchor="ctr" bIns="91425" lIns="91425" spcFirstLastPara="1" rIns="91425" wrap="square" tIns="91425">
-            <a:normAutofit/>
-          </a:bodyPr>
-          <a:lstStyle/>
-          <a:p>
-            <a:pPr indent="0" lvl="0" marL="0" rtl="0" algn="ctr">
-              <a:spcBef>
-                <a:spcPts val="0"/>
-              </a:spcBef>
-              <a:spcAft>
-                <a:spcPts val="0"/>
-              </a:spcAft>
-              <a:buNone/>
-            </a:pPr>
-            <a:r>
-              <a:rPr lang="en"/>
-              <a:t>ChatGPT</a:t>
-            </a:r>
-            <a:endParaRPr/>
-          </a:p>
-        </p:txBody>
-      </p:sp>
-      <p:sp>
-        <p:nvSpPr>
-          <p:cNvPr id="304" name="Google Shape;304;p17"/>
-          <p:cNvSpPr txBox="1"/>
-          <p:nvPr>
-            <p:ph idx="1" type="body"/>
-          </p:nvPr>
-        </p:nvSpPr>
-        <p:spPr>
-          <a:xfrm>
-            <a:off x="1388625" y="2712300"/>
-            <a:ext cx="6366900" cy="1111200"/>
-          </a:xfrm>
-          <a:prstGeom prst="rect">
-            <a:avLst/>
-          </a:prstGeom>
-        </p:spPr>
-        <p:txBody>
-          <a:bodyPr anchorCtr="0" anchor="t" bIns="91425" lIns="91425" spcFirstLastPara="1" rIns="91425" wrap="square" tIns="91425">
-            <a:normAutofit/>
-          </a:bodyPr>
-          <a:lstStyle/>
-          <a:p>
-            <a:pPr indent="0" lvl="0" marL="0" rtl="0" algn="ctr">
-              <a:spcBef>
-                <a:spcPts val="0"/>
-              </a:spcBef>
-              <a:spcAft>
-                <a:spcPts val="1200"/>
-              </a:spcAft>
-              <a:buNone/>
-            </a:pPr>
-            <a:r>
-              <a:rPr lang="en"/>
-              <a:t>o</a:t>
-            </a:r>
-            <a:r>
-              <a:rPr lang="en"/>
-              <a:t>oooooh ahhhhhhhh</a:t>
-            </a:r>
-            <a:endParaRPr/>
-          </a:p>
-        </p:txBody>
-      </p:sp>
-    </p:spTree>
-  </p:cSld>
-  <p:clrMapOvr>
-    <a:masterClrMapping/>
-  </p:clrMapOvr>
-</p:sld>
-</file>
-
-<file path=ppt/slides/slide6.xml><?xml version="1.0" encoding="utf-8"?>
-<p:sld xmlns:a="http://schemas.openxmlformats.org/drawingml/2006/main" xmlns:r="http://schemas.openxmlformats.org/officeDocument/2006/relationships" xmlns:mc="http://schemas.openxmlformats.org/markup-compatibility/2006" xmlns:mv="urn:schemas-microsoft-com:mac:vml" xmlns:p="http://schemas.openxmlformats.org/presentationml/2006/main" xmlns:c="http://schemas.openxmlformats.org/drawingml/2006/chart" xmlns:dgm="http://schemas.openxmlformats.org/drawingml/2006/diagram" xmlns:o="urn:schemas-microsoft-com:office:office" xmlns:v="urn:schemas-microsoft-com:vml" xmlns:pvml="urn:schemas-microsoft-com:office:powerpoint" xmlns:com="http://schemas.openxmlformats.org/drawingml/2006/compatibility" xmlns:p14="http://schemas.microsoft.com/office/powerpoint/2010/main" xmlns:p15="http://schemas.microsoft.com/office/powerpoint/2012/main" xmlns:ahyp="http://schemas.microsoft.com/office/drawing/2018/hyperlinkcolor">
-  <p:cSld>
-    <p:spTree>
-      <p:nvGrpSpPr>
-        <p:cNvPr id="308" name="Shape 308"/>
-        <p:cNvGrpSpPr/>
-        <p:nvPr/>
-      </p:nvGrpSpPr>
-      <p:grpSpPr>
-        <a:xfrm>
-          <a:off x="0" y="0"/>
-          <a:ext cx="0" cy="0"/>
-          <a:chOff x="0" y="0"/>
-          <a:chExt cx="0" cy="0"/>
-        </a:xfrm>
-      </p:grpSpPr>
-      <p:sp>
-        <p:nvSpPr>
-          <p:cNvPr id="309" name="Google Shape;309;p18"/>
-          <p:cNvSpPr txBox="1"/>
-          <p:nvPr>
-            <p:ph idx="1" type="body"/>
-          </p:nvPr>
-        </p:nvSpPr>
-        <p:spPr>
-          <a:xfrm>
-            <a:off x="1303800" y="1990050"/>
-            <a:ext cx="7030500" cy="2541600"/>
-          </a:xfrm>
-          <a:prstGeom prst="rect">
-            <a:avLst/>
-          </a:prstGeom>
-        </p:spPr>
-        <p:txBody>
-          <a:bodyPr anchorCtr="0" anchor="t" bIns="91425" lIns="91425" spcFirstLastPara="1" rIns="91425" wrap="square" tIns="91425">
-            <a:normAutofit/>
-          </a:bodyPr>
-          <a:lstStyle/>
-          <a:p>
-            <a:pPr indent="-311150" lvl="0" marL="457200" rtl="0" algn="l">
-              <a:spcBef>
-                <a:spcPts val="0"/>
-              </a:spcBef>
-              <a:spcAft>
-                <a:spcPts val="0"/>
-              </a:spcAft>
-              <a:buSzPts val="1300"/>
-              <a:buChar char="●"/>
-            </a:pPr>
-            <a:r>
-              <a:rPr lang="en"/>
-              <a:t>Developed by OpenAI based on the Generative Pre-trained Transformer (GPT) architecture.</a:t>
-            </a:r>
-            <a:endParaRPr/>
-          </a:p>
-          <a:p>
-            <a:pPr indent="-298450" lvl="1" marL="914400" rtl="0" algn="l">
-              <a:spcBef>
-                <a:spcPts val="0"/>
-              </a:spcBef>
-              <a:spcAft>
-                <a:spcPts val="0"/>
-              </a:spcAft>
-              <a:buSzPts val="1100"/>
-              <a:buChar char="○"/>
-            </a:pPr>
-            <a:r>
-              <a:rPr lang="en"/>
-              <a:t>Type of neural network design optimized for understanding and generating human language.</a:t>
-            </a:r>
-            <a:endParaRPr/>
-          </a:p>
-          <a:p>
-            <a:pPr indent="-311150" lvl="0" marL="457200" rtl="0" algn="l">
-              <a:spcBef>
-                <a:spcPts val="0"/>
-              </a:spcBef>
-              <a:spcAft>
-                <a:spcPts val="0"/>
-              </a:spcAft>
-              <a:buSzPts val="1300"/>
-              <a:buChar char="●"/>
-            </a:pPr>
-            <a:r>
-              <a:rPr lang="en"/>
-              <a:t>Trained on massive amounts of text data from the internet.</a:t>
-            </a:r>
-            <a:endParaRPr/>
-          </a:p>
-          <a:p>
-            <a:pPr indent="-311150" lvl="0" marL="457200" rtl="0" algn="l">
-              <a:spcBef>
-                <a:spcPts val="0"/>
-              </a:spcBef>
-              <a:spcAft>
-                <a:spcPts val="0"/>
-              </a:spcAft>
-              <a:buSzPts val="1300"/>
-              <a:buChar char="●"/>
-            </a:pPr>
-            <a:r>
-              <a:rPr lang="en"/>
-              <a:t>Goal:</a:t>
-            </a:r>
-            <a:endParaRPr/>
-          </a:p>
-          <a:p>
-            <a:pPr indent="-298450" lvl="1" marL="914400" rtl="0" algn="l">
-              <a:spcBef>
-                <a:spcPts val="0"/>
-              </a:spcBef>
-              <a:spcAft>
-                <a:spcPts val="0"/>
-              </a:spcAft>
-              <a:buSzPts val="1100"/>
-              <a:buChar char="○"/>
-            </a:pPr>
-            <a:r>
-              <a:rPr lang="en"/>
-              <a:t>Understand prompts and produce coherent, context-aware, and meaningful outputs.</a:t>
-            </a:r>
-            <a:endParaRPr/>
-          </a:p>
-        </p:txBody>
-      </p:sp>
-      <p:sp>
-        <p:nvSpPr>
-          <p:cNvPr id="310" name="Google Shape;310;p18"/>
-          <p:cNvSpPr txBox="1"/>
-          <p:nvPr>
-            <p:ph type="title"/>
-          </p:nvPr>
-        </p:nvSpPr>
-        <p:spPr>
-          <a:xfrm>
-            <a:off x="1303800" y="598575"/>
-            <a:ext cx="7030500" cy="999300"/>
-          </a:xfrm>
-          <a:prstGeom prst="rect">
-            <a:avLst/>
-          </a:prstGeom>
-        </p:spPr>
-        <p:txBody>
-          <a:bodyPr anchorCtr="0" anchor="t" bIns="91425" lIns="91425" spcFirstLastPara="1" rIns="91425" wrap="square" tIns="91425">
-            <a:normAutofit/>
-          </a:bodyPr>
-          <a:lstStyle/>
-          <a:p>
-            <a:pPr indent="0" lvl="0" marL="0" rtl="0" algn="l">
-              <a:spcBef>
-                <a:spcPts val="0"/>
-              </a:spcBef>
-              <a:spcAft>
-                <a:spcPts val="0"/>
-              </a:spcAft>
-              <a:buNone/>
-            </a:pPr>
-            <a:r>
-              <a:rPr lang="en"/>
               <a:t>What is ChatGPT?</a:t>
             </a:r>
             <a:endParaRPr/>
@@ -18525,7 +17552,7 @@
       </p:sp>
       <p:pic>
         <p:nvPicPr>
-          <p:cNvPr id="311" name="Google Shape;311;p18"/>
+          <p:cNvPr id="337" name="Google Shape;337;p23"/>
           <p:cNvPicPr preferRelativeResize="0"/>
           <p:nvPr/>
         </p:nvPicPr>
@@ -18559,12 +17586,12 @@
 </p:sld>
 </file>
 
-<file path=ppt/slides/slide7.xml><?xml version="1.0" encoding="utf-8"?>
+<file path=ppt/slides/slide12.xml><?xml version="1.0" encoding="utf-8"?>
 <p:sld xmlns:a="http://schemas.openxmlformats.org/drawingml/2006/main" xmlns:r="http://schemas.openxmlformats.org/officeDocument/2006/relationships" xmlns:mc="http://schemas.openxmlformats.org/markup-compatibility/2006" xmlns:mv="urn:schemas-microsoft-com:mac:vml" xmlns:p="http://schemas.openxmlformats.org/presentationml/2006/main" xmlns:c="http://schemas.openxmlformats.org/drawingml/2006/chart" xmlns:dgm="http://schemas.openxmlformats.org/drawingml/2006/diagram" xmlns:o="urn:schemas-microsoft-com:office:office" xmlns:v="urn:schemas-microsoft-com:vml" xmlns:pvml="urn:schemas-microsoft-com:office:powerpoint" xmlns:com="http://schemas.openxmlformats.org/drawingml/2006/compatibility" xmlns:p14="http://schemas.microsoft.com/office/powerpoint/2010/main" xmlns:p15="http://schemas.microsoft.com/office/powerpoint/2012/main" xmlns:ahyp="http://schemas.microsoft.com/office/drawing/2018/hyperlinkcolor">
   <p:cSld>
     <p:spTree>
       <p:nvGrpSpPr>
-        <p:cNvPr id="315" name="Shape 315"/>
+        <p:cNvPr id="341" name="Shape 341"/>
         <p:cNvGrpSpPr/>
         <p:nvPr/>
       </p:nvGrpSpPr>
@@ -18578,7 +17605,7 @@
       </p:grpSpPr>
       <p:sp>
         <p:nvSpPr>
-          <p:cNvPr id="316" name="Google Shape;316;p19"/>
+          <p:cNvPr id="342" name="Google Shape;342;p24"/>
           <p:cNvSpPr txBox="1"/>
           <p:nvPr>
             <p:ph type="title"/>
@@ -18618,7 +17645,7 @@
       </p:sp>
       <p:sp>
         <p:nvSpPr>
-          <p:cNvPr id="317" name="Google Shape;317;p19"/>
+          <p:cNvPr id="343" name="Google Shape;343;p24"/>
           <p:cNvSpPr txBox="1"/>
           <p:nvPr>
             <p:ph idx="1" type="body"/>
@@ -18676,7 +17703,7 @@
       </p:sp>
       <p:pic>
         <p:nvPicPr>
-          <p:cNvPr id="318" name="Google Shape;318;p19"/>
+          <p:cNvPr id="344" name="Google Shape;344;p24"/>
           <p:cNvPicPr preferRelativeResize="0"/>
           <p:nvPr/>
         </p:nvPicPr>
@@ -18710,12 +17737,12 @@
 </p:sld>
 </file>
 
-<file path=ppt/slides/slide8.xml><?xml version="1.0" encoding="utf-8"?>
+<file path=ppt/slides/slide13.xml><?xml version="1.0" encoding="utf-8"?>
 <p:sld xmlns:a="http://schemas.openxmlformats.org/drawingml/2006/main" xmlns:r="http://schemas.openxmlformats.org/officeDocument/2006/relationships" xmlns:mc="http://schemas.openxmlformats.org/markup-compatibility/2006" xmlns:mv="urn:schemas-microsoft-com:mac:vml" xmlns:p="http://schemas.openxmlformats.org/presentationml/2006/main" xmlns:c="http://schemas.openxmlformats.org/drawingml/2006/chart" xmlns:dgm="http://schemas.openxmlformats.org/drawingml/2006/diagram" xmlns:o="urn:schemas-microsoft-com:office:office" xmlns:v="urn:schemas-microsoft-com:vml" xmlns:pvml="urn:schemas-microsoft-com:office:powerpoint" xmlns:com="http://schemas.openxmlformats.org/drawingml/2006/compatibility" xmlns:p14="http://schemas.microsoft.com/office/powerpoint/2010/main" xmlns:p15="http://schemas.microsoft.com/office/powerpoint/2012/main" xmlns:ahyp="http://schemas.microsoft.com/office/drawing/2018/hyperlinkcolor">
   <p:cSld>
     <p:spTree>
       <p:nvGrpSpPr>
-        <p:cNvPr id="322" name="Shape 322"/>
+        <p:cNvPr id="348" name="Shape 348"/>
         <p:cNvGrpSpPr/>
         <p:nvPr/>
       </p:nvGrpSpPr>
@@ -18729,7 +17756,7 @@
       </p:grpSpPr>
       <p:sp>
         <p:nvSpPr>
-          <p:cNvPr id="323" name="Google Shape;323;p20"/>
+          <p:cNvPr id="349" name="Google Shape;349;p25"/>
           <p:cNvSpPr txBox="1"/>
           <p:nvPr>
             <p:ph type="title"/>
@@ -18761,7 +17788,7 @@
             </a:pPr>
             <a:r>
               <a:rPr lang="en"/>
-              <a:t>Why is ChatGPT Useful for Chatbots?</a:t>
+              <a:t>Why is GenAI Useful for Chatbots?</a:t>
             </a:r>
             <a:endParaRPr/>
           </a:p>
@@ -18769,7 +17796,7 @@
       </p:sp>
       <p:sp>
         <p:nvSpPr>
-          <p:cNvPr id="324" name="Google Shape;324;p20"/>
+          <p:cNvPr id="350" name="Google Shape;350;p25"/>
           <p:cNvSpPr txBox="1"/>
           <p:nvPr>
             <p:ph idx="1" type="body"/>
@@ -18850,12 +17877,12 @@
 </p:sld>
 </file>
 
-<file path=ppt/slides/slide9.xml><?xml version="1.0" encoding="utf-8"?>
+<file path=ppt/slides/slide14.xml><?xml version="1.0" encoding="utf-8"?>
 <p:sld xmlns:a="http://schemas.openxmlformats.org/drawingml/2006/main" xmlns:r="http://schemas.openxmlformats.org/officeDocument/2006/relationships" xmlns:mc="http://schemas.openxmlformats.org/markup-compatibility/2006" xmlns:mv="urn:schemas-microsoft-com:mac:vml" xmlns:p="http://schemas.openxmlformats.org/presentationml/2006/main" xmlns:c="http://schemas.openxmlformats.org/drawingml/2006/chart" xmlns:dgm="http://schemas.openxmlformats.org/drawingml/2006/diagram" xmlns:o="urn:schemas-microsoft-com:office:office" xmlns:v="urn:schemas-microsoft-com:vml" xmlns:pvml="urn:schemas-microsoft-com:office:powerpoint" xmlns:com="http://schemas.openxmlformats.org/drawingml/2006/compatibility" xmlns:p14="http://schemas.microsoft.com/office/powerpoint/2010/main" xmlns:p15="http://schemas.microsoft.com/office/powerpoint/2012/main" xmlns:ahyp="http://schemas.microsoft.com/office/drawing/2018/hyperlinkcolor">
   <p:cSld>
     <p:spTree>
       <p:nvGrpSpPr>
-        <p:cNvPr id="328" name="Shape 328"/>
+        <p:cNvPr id="354" name="Shape 354"/>
         <p:cNvGrpSpPr/>
         <p:nvPr/>
       </p:nvGrpSpPr>
@@ -18869,7 +17896,7 @@
       </p:grpSpPr>
       <p:sp>
         <p:nvSpPr>
-          <p:cNvPr id="329" name="Google Shape;329;p21"/>
+          <p:cNvPr id="355" name="Google Shape;355;p26"/>
           <p:cNvSpPr txBox="1"/>
           <p:nvPr>
             <p:ph type="title"/>
@@ -18909,7 +17936,7 @@
       </p:sp>
       <p:sp>
         <p:nvSpPr>
-          <p:cNvPr id="330" name="Google Shape;330;p21"/>
+          <p:cNvPr id="356" name="Google Shape;356;p26"/>
           <p:cNvSpPr txBox="1"/>
           <p:nvPr>
             <p:ph idx="1" type="body"/>
@@ -19088,7 +18115,7 @@
       </p:sp>
       <p:pic>
         <p:nvPicPr>
-          <p:cNvPr id="331" name="Google Shape;331;p21"/>
+          <p:cNvPr id="357" name="Google Shape;357;p26"/>
           <p:cNvPicPr preferRelativeResize="0"/>
           <p:nvPr/>
         </p:nvPicPr>
@@ -19122,7 +18149,2363 @@
 </p:sld>
 </file>
 
+<file path=ppt/slides/slide15.xml><?xml version="1.0" encoding="utf-8"?>
+<p:sld xmlns:a="http://schemas.openxmlformats.org/drawingml/2006/main" xmlns:r="http://schemas.openxmlformats.org/officeDocument/2006/relationships" xmlns:mc="http://schemas.openxmlformats.org/markup-compatibility/2006" xmlns:mv="urn:schemas-microsoft-com:mac:vml" xmlns:p="http://schemas.openxmlformats.org/presentationml/2006/main" xmlns:c="http://schemas.openxmlformats.org/drawingml/2006/chart" xmlns:dgm="http://schemas.openxmlformats.org/drawingml/2006/diagram" xmlns:o="urn:schemas-microsoft-com:office:office" xmlns:v="urn:schemas-microsoft-com:vml" xmlns:pvml="urn:schemas-microsoft-com:office:powerpoint" xmlns:com="http://schemas.openxmlformats.org/drawingml/2006/compatibility" xmlns:p14="http://schemas.microsoft.com/office/powerpoint/2010/main" xmlns:p15="http://schemas.microsoft.com/office/powerpoint/2012/main" xmlns:ahyp="http://schemas.microsoft.com/office/drawing/2018/hyperlinkcolor">
+  <p:cSld>
+    <p:spTree>
+      <p:nvGrpSpPr>
+        <p:cNvPr id="361" name="Shape 361"/>
+        <p:cNvGrpSpPr/>
+        <p:nvPr/>
+      </p:nvGrpSpPr>
+      <p:grpSpPr>
+        <a:xfrm>
+          <a:off x="0" y="0"/>
+          <a:ext cx="0" cy="0"/>
+          <a:chOff x="0" y="0"/>
+          <a:chExt cx="0" cy="0"/>
+        </a:xfrm>
+      </p:grpSpPr>
+      <p:sp>
+        <p:nvSpPr>
+          <p:cNvPr id="362" name="Google Shape;362;p27"/>
+          <p:cNvSpPr txBox="1"/>
+          <p:nvPr>
+            <p:ph type="title"/>
+          </p:nvPr>
+        </p:nvSpPr>
+        <p:spPr>
+          <a:xfrm>
+            <a:off x="1303800" y="598575"/>
+            <a:ext cx="7030500" cy="999300"/>
+          </a:xfrm>
+          <a:prstGeom prst="rect">
+            <a:avLst/>
+          </a:prstGeom>
+        </p:spPr>
+        <p:txBody>
+          <a:bodyPr anchorCtr="0" anchor="t" bIns="91425" lIns="91425" spcFirstLastPara="1" rIns="91425" wrap="square" tIns="91425">
+            <a:normAutofit/>
+          </a:bodyPr>
+          <a:lstStyle/>
+          <a:p>
+            <a:pPr indent="0" lvl="0" marL="0" rtl="0" algn="l">
+              <a:spcBef>
+                <a:spcPts val="0"/>
+              </a:spcBef>
+              <a:spcAft>
+                <a:spcPts val="0"/>
+              </a:spcAft>
+              <a:buNone/>
+            </a:pPr>
+            <a:r>
+              <a:rPr lang="en"/>
+              <a:t>What is an API?</a:t>
+            </a:r>
+            <a:endParaRPr/>
+          </a:p>
+        </p:txBody>
+      </p:sp>
+      <p:sp>
+        <p:nvSpPr>
+          <p:cNvPr id="363" name="Google Shape;363;p27"/>
+          <p:cNvSpPr txBox="1"/>
+          <p:nvPr>
+            <p:ph idx="1" type="body"/>
+          </p:nvPr>
+        </p:nvSpPr>
+        <p:spPr>
+          <a:xfrm>
+            <a:off x="1303800" y="1990050"/>
+            <a:ext cx="7030500" cy="2541600"/>
+          </a:xfrm>
+          <a:prstGeom prst="rect">
+            <a:avLst/>
+          </a:prstGeom>
+        </p:spPr>
+        <p:txBody>
+          <a:bodyPr anchorCtr="0" anchor="t" bIns="91425" lIns="91425" spcFirstLastPara="1" rIns="91425" wrap="square" tIns="91425">
+            <a:normAutofit/>
+          </a:bodyPr>
+          <a:lstStyle/>
+          <a:p>
+            <a:pPr indent="0" lvl="0" marL="0" rtl="0" algn="l">
+              <a:spcBef>
+                <a:spcPts val="0"/>
+              </a:spcBef>
+              <a:spcAft>
+                <a:spcPts val="1200"/>
+              </a:spcAft>
+              <a:buNone/>
+            </a:pPr>
+            <a:r>
+              <a:rPr lang="en"/>
+              <a:t>Definition: Application Programming Interface is a set of rules that allows two applications to communicate with each other. Acts as a bridge between systems or software.</a:t>
+            </a:r>
+            <a:endParaRPr/>
+          </a:p>
+        </p:txBody>
+      </p:sp>
+    </p:spTree>
+  </p:cSld>
+  <p:clrMapOvr>
+    <a:masterClrMapping/>
+  </p:clrMapOvr>
+</p:sld>
+</file>
+
+<file path=ppt/slides/slide16.xml><?xml version="1.0" encoding="utf-8"?>
+<p:sld xmlns:a="http://schemas.openxmlformats.org/drawingml/2006/main" xmlns:r="http://schemas.openxmlformats.org/officeDocument/2006/relationships" xmlns:mc="http://schemas.openxmlformats.org/markup-compatibility/2006" xmlns:mv="urn:schemas-microsoft-com:mac:vml" xmlns:p="http://schemas.openxmlformats.org/presentationml/2006/main" xmlns:c="http://schemas.openxmlformats.org/drawingml/2006/chart" xmlns:dgm="http://schemas.openxmlformats.org/drawingml/2006/diagram" xmlns:o="urn:schemas-microsoft-com:office:office" xmlns:v="urn:schemas-microsoft-com:vml" xmlns:pvml="urn:schemas-microsoft-com:office:powerpoint" xmlns:com="http://schemas.openxmlformats.org/drawingml/2006/compatibility" xmlns:p14="http://schemas.microsoft.com/office/powerpoint/2010/main" xmlns:p15="http://schemas.microsoft.com/office/powerpoint/2012/main" xmlns:ahyp="http://schemas.microsoft.com/office/drawing/2018/hyperlinkcolor">
+  <p:cSld>
+    <p:spTree>
+      <p:nvGrpSpPr>
+        <p:cNvPr id="367" name="Shape 367"/>
+        <p:cNvGrpSpPr/>
+        <p:nvPr/>
+      </p:nvGrpSpPr>
+      <p:grpSpPr>
+        <a:xfrm>
+          <a:off x="0" y="0"/>
+          <a:ext cx="0" cy="0"/>
+          <a:chOff x="0" y="0"/>
+          <a:chExt cx="0" cy="0"/>
+        </a:xfrm>
+      </p:grpSpPr>
+      <p:sp>
+        <p:nvSpPr>
+          <p:cNvPr id="368" name="Google Shape;368;p28"/>
+          <p:cNvSpPr txBox="1"/>
+          <p:nvPr>
+            <p:ph type="title"/>
+          </p:nvPr>
+        </p:nvSpPr>
+        <p:spPr>
+          <a:xfrm>
+            <a:off x="1388625" y="772725"/>
+            <a:ext cx="6366900" cy="1863300"/>
+          </a:xfrm>
+          <a:prstGeom prst="rect">
+            <a:avLst/>
+          </a:prstGeom>
+        </p:spPr>
+        <p:txBody>
+          <a:bodyPr anchorCtr="0" anchor="ctr" bIns="91425" lIns="91425" spcFirstLastPara="1" rIns="91425" wrap="square" tIns="91425">
+            <a:normAutofit fontScale="90000"/>
+          </a:bodyPr>
+          <a:lstStyle/>
+          <a:p>
+            <a:pPr indent="0" lvl="0" marL="0" rtl="0" algn="ctr">
+              <a:spcBef>
+                <a:spcPts val="0"/>
+              </a:spcBef>
+              <a:spcAft>
+                <a:spcPts val="0"/>
+              </a:spcAft>
+              <a:buNone/>
+            </a:pPr>
+            <a:r>
+              <a:rPr lang="en"/>
+              <a:t>t</a:t>
+            </a:r>
+            <a:r>
+              <a:rPr lang="en"/>
+              <a:t>hink of it this way…</a:t>
+            </a:r>
+            <a:endParaRPr/>
+          </a:p>
+        </p:txBody>
+      </p:sp>
+      <p:sp>
+        <p:nvSpPr>
+          <p:cNvPr id="369" name="Google Shape;369;p28"/>
+          <p:cNvSpPr txBox="1"/>
+          <p:nvPr>
+            <p:ph idx="1" type="body"/>
+          </p:nvPr>
+        </p:nvSpPr>
+        <p:spPr>
+          <a:xfrm>
+            <a:off x="1388625" y="2712300"/>
+            <a:ext cx="6366900" cy="1111200"/>
+          </a:xfrm>
+          <a:prstGeom prst="rect">
+            <a:avLst/>
+          </a:prstGeom>
+        </p:spPr>
+        <p:txBody>
+          <a:bodyPr anchorCtr="0" anchor="t" bIns="91425" lIns="91425" spcFirstLastPara="1" rIns="91425" wrap="square" tIns="91425">
+            <a:normAutofit/>
+          </a:bodyPr>
+          <a:lstStyle/>
+          <a:p>
+            <a:pPr indent="0" lvl="0" marL="0" rtl="0" algn="ctr">
+              <a:spcBef>
+                <a:spcPts val="0"/>
+              </a:spcBef>
+              <a:spcAft>
+                <a:spcPts val="1200"/>
+              </a:spcAft>
+              <a:buNone/>
+            </a:pPr>
+            <a:r>
+              <a:t/>
+            </a:r>
+            <a:endParaRPr/>
+          </a:p>
+        </p:txBody>
+      </p:sp>
+    </p:spTree>
+  </p:cSld>
+  <p:clrMapOvr>
+    <a:masterClrMapping/>
+  </p:clrMapOvr>
+</p:sld>
+</file>
+
+<file path=ppt/slides/slide17.xml><?xml version="1.0" encoding="utf-8"?>
+<p:sld xmlns:a="http://schemas.openxmlformats.org/drawingml/2006/main" xmlns:r="http://schemas.openxmlformats.org/officeDocument/2006/relationships" xmlns:mc="http://schemas.openxmlformats.org/markup-compatibility/2006" xmlns:mv="urn:schemas-microsoft-com:mac:vml" xmlns:p="http://schemas.openxmlformats.org/presentationml/2006/main" xmlns:c="http://schemas.openxmlformats.org/drawingml/2006/chart" xmlns:dgm="http://schemas.openxmlformats.org/drawingml/2006/diagram" xmlns:o="urn:schemas-microsoft-com:office:office" xmlns:v="urn:schemas-microsoft-com:vml" xmlns:pvml="urn:schemas-microsoft-com:office:powerpoint" xmlns:com="http://schemas.openxmlformats.org/drawingml/2006/compatibility" xmlns:p14="http://schemas.microsoft.com/office/powerpoint/2010/main" xmlns:p15="http://schemas.microsoft.com/office/powerpoint/2012/main" xmlns:ahyp="http://schemas.microsoft.com/office/drawing/2018/hyperlinkcolor">
+  <p:cSld>
+    <p:spTree>
+      <p:nvGrpSpPr>
+        <p:cNvPr id="373" name="Shape 373"/>
+        <p:cNvGrpSpPr/>
+        <p:nvPr/>
+      </p:nvGrpSpPr>
+      <p:grpSpPr>
+        <a:xfrm>
+          <a:off x="0" y="0"/>
+          <a:ext cx="0" cy="0"/>
+          <a:chOff x="0" y="0"/>
+          <a:chExt cx="0" cy="0"/>
+        </a:xfrm>
+      </p:grpSpPr>
+      <p:sp>
+        <p:nvSpPr>
+          <p:cNvPr id="374" name="Google Shape;374;p29"/>
+          <p:cNvSpPr txBox="1"/>
+          <p:nvPr>
+            <p:ph type="title"/>
+          </p:nvPr>
+        </p:nvSpPr>
+        <p:spPr>
+          <a:xfrm>
+            <a:off x="1303800" y="2454775"/>
+            <a:ext cx="7030500" cy="999300"/>
+          </a:xfrm>
+          <a:prstGeom prst="rect">
+            <a:avLst/>
+          </a:prstGeom>
+        </p:spPr>
+        <p:txBody>
+          <a:bodyPr anchorCtr="0" anchor="t" bIns="91425" lIns="91425" spcFirstLastPara="1" rIns="91425" wrap="square" tIns="91425">
+            <a:normAutofit/>
+          </a:bodyPr>
+          <a:lstStyle/>
+          <a:p>
+            <a:pPr indent="0" lvl="0" marL="0" rtl="0" algn="l">
+              <a:spcBef>
+                <a:spcPts val="0"/>
+              </a:spcBef>
+              <a:spcAft>
+                <a:spcPts val="0"/>
+              </a:spcAft>
+              <a:buNone/>
+            </a:pPr>
+            <a:r>
+              <a:rPr lang="en"/>
+              <a:t>How to Access the </a:t>
+            </a:r>
+            <a:r>
+              <a:rPr lang="en"/>
+              <a:t>Gemini</a:t>
+            </a:r>
+            <a:r>
+              <a:rPr lang="en"/>
+              <a:t> API</a:t>
+            </a:r>
+            <a:endParaRPr/>
+          </a:p>
+        </p:txBody>
+      </p:sp>
+    </p:spTree>
+  </p:cSld>
+  <p:clrMapOvr>
+    <a:masterClrMapping/>
+  </p:clrMapOvr>
+</p:sld>
+</file>
+
+<file path=ppt/slides/slide18.xml><?xml version="1.0" encoding="utf-8"?>
+<p:sld xmlns:a="http://schemas.openxmlformats.org/drawingml/2006/main" xmlns:r="http://schemas.openxmlformats.org/officeDocument/2006/relationships" xmlns:mc="http://schemas.openxmlformats.org/markup-compatibility/2006" xmlns:mv="urn:schemas-microsoft-com:mac:vml" xmlns:p="http://schemas.openxmlformats.org/presentationml/2006/main" xmlns:c="http://schemas.openxmlformats.org/drawingml/2006/chart" xmlns:dgm="http://schemas.openxmlformats.org/drawingml/2006/diagram" xmlns:o="urn:schemas-microsoft-com:office:office" xmlns:v="urn:schemas-microsoft-com:vml" xmlns:pvml="urn:schemas-microsoft-com:office:powerpoint" xmlns:com="http://schemas.openxmlformats.org/drawingml/2006/compatibility" xmlns:p14="http://schemas.microsoft.com/office/powerpoint/2010/main" xmlns:p15="http://schemas.microsoft.com/office/powerpoint/2012/main" xmlns:ahyp="http://schemas.microsoft.com/office/drawing/2018/hyperlinkcolor">
+  <p:cSld>
+    <p:spTree>
+      <p:nvGrpSpPr>
+        <p:cNvPr id="378" name="Shape 378"/>
+        <p:cNvGrpSpPr/>
+        <p:nvPr/>
+      </p:nvGrpSpPr>
+      <p:grpSpPr>
+        <a:xfrm>
+          <a:off x="0" y="0"/>
+          <a:ext cx="0" cy="0"/>
+          <a:chOff x="0" y="0"/>
+          <a:chExt cx="0" cy="0"/>
+        </a:xfrm>
+      </p:grpSpPr>
+      <p:sp>
+        <p:nvSpPr>
+          <p:cNvPr id="379" name="Google Shape;379;p30"/>
+          <p:cNvSpPr txBox="1"/>
+          <p:nvPr>
+            <p:ph type="title"/>
+          </p:nvPr>
+        </p:nvSpPr>
+        <p:spPr>
+          <a:xfrm>
+            <a:off x="1388625" y="772725"/>
+            <a:ext cx="6366900" cy="1863300"/>
+          </a:xfrm>
+          <a:prstGeom prst="rect">
+            <a:avLst/>
+          </a:prstGeom>
+        </p:spPr>
+        <p:txBody>
+          <a:bodyPr anchorCtr="0" anchor="ctr" bIns="91425" lIns="91425" spcFirstLastPara="1" rIns="91425" wrap="square" tIns="91425">
+            <a:normAutofit/>
+          </a:bodyPr>
+          <a:lstStyle/>
+          <a:p>
+            <a:pPr indent="0" lvl="0" marL="0" rtl="0" algn="ctr">
+              <a:spcBef>
+                <a:spcPts val="0"/>
+              </a:spcBef>
+              <a:spcAft>
+                <a:spcPts val="0"/>
+              </a:spcAft>
+              <a:buNone/>
+            </a:pPr>
+            <a:r>
+              <a:rPr lang="en"/>
+              <a:t>Tkinter</a:t>
+            </a:r>
+            <a:endParaRPr/>
+          </a:p>
+        </p:txBody>
+      </p:sp>
+      <p:sp>
+        <p:nvSpPr>
+          <p:cNvPr id="380" name="Google Shape;380;p30"/>
+          <p:cNvSpPr txBox="1"/>
+          <p:nvPr>
+            <p:ph idx="1" type="body"/>
+          </p:nvPr>
+        </p:nvSpPr>
+        <p:spPr>
+          <a:xfrm>
+            <a:off x="1388625" y="2712300"/>
+            <a:ext cx="6366900" cy="1111200"/>
+          </a:xfrm>
+          <a:prstGeom prst="rect">
+            <a:avLst/>
+          </a:prstGeom>
+        </p:spPr>
+        <p:txBody>
+          <a:bodyPr anchorCtr="0" anchor="t" bIns="91425" lIns="91425" spcFirstLastPara="1" rIns="91425" wrap="square" tIns="91425">
+            <a:normAutofit/>
+          </a:bodyPr>
+          <a:lstStyle/>
+          <a:p>
+            <a:pPr indent="0" lvl="0" marL="0" rtl="0" algn="ctr">
+              <a:spcBef>
+                <a:spcPts val="0"/>
+              </a:spcBef>
+              <a:spcAft>
+                <a:spcPts val="1200"/>
+              </a:spcAft>
+              <a:buNone/>
+            </a:pPr>
+            <a:r>
+              <a:rPr lang="en"/>
+              <a:t>w</a:t>
+            </a:r>
+            <a:r>
+              <a:rPr lang="en"/>
+              <a:t>oah so cool so magical</a:t>
+            </a:r>
+            <a:endParaRPr/>
+          </a:p>
+        </p:txBody>
+      </p:sp>
+    </p:spTree>
+  </p:cSld>
+  <p:clrMapOvr>
+    <a:masterClrMapping/>
+  </p:clrMapOvr>
+</p:sld>
+</file>
+
+<file path=ppt/slides/slide19.xml><?xml version="1.0" encoding="utf-8"?>
+<p:sld xmlns:a="http://schemas.openxmlformats.org/drawingml/2006/main" xmlns:r="http://schemas.openxmlformats.org/officeDocument/2006/relationships" xmlns:mc="http://schemas.openxmlformats.org/markup-compatibility/2006" xmlns:mv="urn:schemas-microsoft-com:mac:vml" xmlns:p="http://schemas.openxmlformats.org/presentationml/2006/main" xmlns:c="http://schemas.openxmlformats.org/drawingml/2006/chart" xmlns:dgm="http://schemas.openxmlformats.org/drawingml/2006/diagram" xmlns:o="urn:schemas-microsoft-com:office:office" xmlns:v="urn:schemas-microsoft-com:vml" xmlns:pvml="urn:schemas-microsoft-com:office:powerpoint" xmlns:com="http://schemas.openxmlformats.org/drawingml/2006/compatibility" xmlns:p14="http://schemas.microsoft.com/office/powerpoint/2010/main" xmlns:p15="http://schemas.microsoft.com/office/powerpoint/2012/main" xmlns:ahyp="http://schemas.microsoft.com/office/drawing/2018/hyperlinkcolor">
+  <p:cSld>
+    <p:spTree>
+      <p:nvGrpSpPr>
+        <p:cNvPr id="384" name="Shape 384"/>
+        <p:cNvGrpSpPr/>
+        <p:nvPr/>
+      </p:nvGrpSpPr>
+      <p:grpSpPr>
+        <a:xfrm>
+          <a:off x="0" y="0"/>
+          <a:ext cx="0" cy="0"/>
+          <a:chOff x="0" y="0"/>
+          <a:chExt cx="0" cy="0"/>
+        </a:xfrm>
+      </p:grpSpPr>
+      <p:sp>
+        <p:nvSpPr>
+          <p:cNvPr id="385" name="Google Shape;385;p31"/>
+          <p:cNvSpPr txBox="1"/>
+          <p:nvPr>
+            <p:ph type="title"/>
+          </p:nvPr>
+        </p:nvSpPr>
+        <p:spPr>
+          <a:xfrm>
+            <a:off x="1303800" y="598575"/>
+            <a:ext cx="7030500" cy="999300"/>
+          </a:xfrm>
+          <a:prstGeom prst="rect">
+            <a:avLst/>
+          </a:prstGeom>
+        </p:spPr>
+        <p:txBody>
+          <a:bodyPr anchorCtr="0" anchor="t" bIns="91425" lIns="91425" spcFirstLastPara="1" rIns="91425" wrap="square" tIns="91425">
+            <a:normAutofit/>
+          </a:bodyPr>
+          <a:lstStyle/>
+          <a:p>
+            <a:pPr indent="0" lvl="0" marL="0" rtl="0" algn="l">
+              <a:spcBef>
+                <a:spcPts val="0"/>
+              </a:spcBef>
+              <a:spcAft>
+                <a:spcPts val="0"/>
+              </a:spcAft>
+              <a:buNone/>
+            </a:pPr>
+            <a:r>
+              <a:rPr lang="en"/>
+              <a:t>What is Tkinter?</a:t>
+            </a:r>
+            <a:endParaRPr/>
+          </a:p>
+        </p:txBody>
+      </p:sp>
+      <p:sp>
+        <p:nvSpPr>
+          <p:cNvPr id="386" name="Google Shape;386;p31"/>
+          <p:cNvSpPr txBox="1"/>
+          <p:nvPr>
+            <p:ph idx="1" type="body"/>
+          </p:nvPr>
+        </p:nvSpPr>
+        <p:spPr>
+          <a:xfrm>
+            <a:off x="1303800" y="1990050"/>
+            <a:ext cx="7030500" cy="2541600"/>
+          </a:xfrm>
+          <a:prstGeom prst="rect">
+            <a:avLst/>
+          </a:prstGeom>
+        </p:spPr>
+        <p:txBody>
+          <a:bodyPr anchorCtr="0" anchor="t" bIns="91425" lIns="91425" spcFirstLastPara="1" rIns="91425" wrap="square" tIns="91425">
+            <a:normAutofit/>
+          </a:bodyPr>
+          <a:lstStyle/>
+          <a:p>
+            <a:pPr indent="0" lvl="0" marL="0" rtl="0" algn="l">
+              <a:spcBef>
+                <a:spcPts val="0"/>
+              </a:spcBef>
+              <a:spcAft>
+                <a:spcPts val="0"/>
+              </a:spcAft>
+              <a:buNone/>
+            </a:pPr>
+            <a:r>
+              <a:rPr lang="en"/>
+              <a:t>Python’s standard GUI (Graphical User Interface) library</a:t>
+            </a:r>
+            <a:endParaRPr/>
+          </a:p>
+          <a:p>
+            <a:pPr indent="-311150" lvl="0" marL="457200" rtl="0" algn="l">
+              <a:spcBef>
+                <a:spcPts val="1200"/>
+              </a:spcBef>
+              <a:spcAft>
+                <a:spcPts val="0"/>
+              </a:spcAft>
+              <a:buSzPts val="1300"/>
+              <a:buChar char="●"/>
+            </a:pPr>
+            <a:r>
+              <a:rPr lang="en"/>
+              <a:t>It provides tools to create desktop applications with windows, buttons, labels, and more.</a:t>
+            </a:r>
+            <a:endParaRPr/>
+          </a:p>
+        </p:txBody>
+      </p:sp>
+    </p:spTree>
+  </p:cSld>
+  <p:clrMapOvr>
+    <a:masterClrMapping/>
+  </p:clrMapOvr>
+</p:sld>
+</file>
+
+<file path=ppt/slides/slide2.xml><?xml version="1.0" encoding="utf-8"?>
+<p:sld xmlns:a="http://schemas.openxmlformats.org/drawingml/2006/main" xmlns:r="http://schemas.openxmlformats.org/officeDocument/2006/relationships" xmlns:mc="http://schemas.openxmlformats.org/markup-compatibility/2006" xmlns:mv="urn:schemas-microsoft-com:mac:vml" xmlns:p="http://schemas.openxmlformats.org/presentationml/2006/main" xmlns:c="http://schemas.openxmlformats.org/drawingml/2006/chart" xmlns:dgm="http://schemas.openxmlformats.org/drawingml/2006/diagram" xmlns:o="urn:schemas-microsoft-com:office:office" xmlns:v="urn:schemas-microsoft-com:vml" xmlns:pvml="urn:schemas-microsoft-com:office:powerpoint" xmlns:com="http://schemas.openxmlformats.org/drawingml/2006/compatibility" xmlns:p14="http://schemas.microsoft.com/office/powerpoint/2010/main" xmlns:p15="http://schemas.microsoft.com/office/powerpoint/2012/main" xmlns:ahyp="http://schemas.microsoft.com/office/drawing/2018/hyperlinkcolor">
+  <p:cSld>
+    <p:spTree>
+      <p:nvGrpSpPr>
+        <p:cNvPr id="282" name="Shape 282"/>
+        <p:cNvGrpSpPr/>
+        <p:nvPr/>
+      </p:nvGrpSpPr>
+      <p:grpSpPr>
+        <a:xfrm>
+          <a:off x="0" y="0"/>
+          <a:ext cx="0" cy="0"/>
+          <a:chOff x="0" y="0"/>
+          <a:chExt cx="0" cy="0"/>
+        </a:xfrm>
+      </p:grpSpPr>
+      <p:pic>
+        <p:nvPicPr>
+          <p:cNvPr id="283" name="Google Shape;283;p14"/>
+          <p:cNvPicPr preferRelativeResize="0"/>
+          <p:nvPr/>
+        </p:nvPicPr>
+        <p:blipFill>
+          <a:blip r:embed="rId3">
+            <a:alphaModFix/>
+          </a:blip>
+          <a:stretch>
+            <a:fillRect/>
+          </a:stretch>
+        </p:blipFill>
+        <p:spPr>
+          <a:xfrm>
+            <a:off x="3558550" y="666750"/>
+            <a:ext cx="1924050" cy="1905000"/>
+          </a:xfrm>
+          <a:prstGeom prst="rect">
+            <a:avLst/>
+          </a:prstGeom>
+          <a:noFill/>
+          <a:ln>
+            <a:noFill/>
+          </a:ln>
+        </p:spPr>
+      </p:pic>
+      <p:sp>
+        <p:nvSpPr>
+          <p:cNvPr id="284" name="Google Shape;284;p14"/>
+          <p:cNvSpPr txBox="1"/>
+          <p:nvPr/>
+        </p:nvSpPr>
+        <p:spPr>
+          <a:xfrm>
+            <a:off x="2818050" y="3071125"/>
+            <a:ext cx="3507900" cy="477000"/>
+          </a:xfrm>
+          <a:prstGeom prst="rect">
+            <a:avLst/>
+          </a:prstGeom>
+          <a:noFill/>
+          <a:ln>
+            <a:noFill/>
+          </a:ln>
+        </p:spPr>
+        <p:txBody>
+          <a:bodyPr anchorCtr="0" anchor="t" bIns="91425" lIns="91425" spcFirstLastPara="1" rIns="91425" wrap="square" tIns="91425">
+            <a:spAutoFit/>
+          </a:bodyPr>
+          <a:lstStyle/>
+          <a:p>
+            <a:pPr indent="0" lvl="0" marL="0" rtl="0" algn="l">
+              <a:spcBef>
+                <a:spcPts val="0"/>
+              </a:spcBef>
+              <a:spcAft>
+                <a:spcPts val="0"/>
+              </a:spcAft>
+              <a:buNone/>
+            </a:pPr>
+            <a:r>
+              <a:rPr b="1" lang="en" sz="1900">
+                <a:solidFill>
+                  <a:schemeClr val="lt1"/>
+                </a:solidFill>
+                <a:latin typeface="Nunito"/>
+                <a:ea typeface="Nunito"/>
+                <a:cs typeface="Nunito"/>
+                <a:sym typeface="Nunito"/>
+              </a:rPr>
+              <a:t>linkedin.com/in/aaroncayanan</a:t>
+            </a:r>
+            <a:endParaRPr b="1" sz="1900">
+              <a:solidFill>
+                <a:schemeClr val="lt1"/>
+              </a:solidFill>
+              <a:latin typeface="Nunito"/>
+              <a:ea typeface="Nunito"/>
+              <a:cs typeface="Nunito"/>
+              <a:sym typeface="Nunito"/>
+            </a:endParaRPr>
+          </a:p>
+        </p:txBody>
+      </p:sp>
+    </p:spTree>
+  </p:cSld>
+  <p:clrMapOvr>
+    <a:masterClrMapping/>
+  </p:clrMapOvr>
+</p:sld>
+</file>
+
+<file path=ppt/slides/slide20.xml><?xml version="1.0" encoding="utf-8"?>
+<p:sld xmlns:a="http://schemas.openxmlformats.org/drawingml/2006/main" xmlns:r="http://schemas.openxmlformats.org/officeDocument/2006/relationships" xmlns:mc="http://schemas.openxmlformats.org/markup-compatibility/2006" xmlns:mv="urn:schemas-microsoft-com:mac:vml" xmlns:p="http://schemas.openxmlformats.org/presentationml/2006/main" xmlns:c="http://schemas.openxmlformats.org/drawingml/2006/chart" xmlns:dgm="http://schemas.openxmlformats.org/drawingml/2006/diagram" xmlns:o="urn:schemas-microsoft-com:office:office" xmlns:v="urn:schemas-microsoft-com:vml" xmlns:pvml="urn:schemas-microsoft-com:office:powerpoint" xmlns:com="http://schemas.openxmlformats.org/drawingml/2006/compatibility" xmlns:p14="http://schemas.microsoft.com/office/powerpoint/2010/main" xmlns:p15="http://schemas.microsoft.com/office/powerpoint/2012/main" xmlns:ahyp="http://schemas.microsoft.com/office/drawing/2018/hyperlinkcolor">
+  <p:cSld>
+    <p:spTree>
+      <p:nvGrpSpPr>
+        <p:cNvPr id="390" name="Shape 390"/>
+        <p:cNvGrpSpPr/>
+        <p:nvPr/>
+      </p:nvGrpSpPr>
+      <p:grpSpPr>
+        <a:xfrm>
+          <a:off x="0" y="0"/>
+          <a:ext cx="0" cy="0"/>
+          <a:chOff x="0" y="0"/>
+          <a:chExt cx="0" cy="0"/>
+        </a:xfrm>
+      </p:grpSpPr>
+      <p:sp>
+        <p:nvSpPr>
+          <p:cNvPr id="391" name="Google Shape;391;p32"/>
+          <p:cNvSpPr txBox="1"/>
+          <p:nvPr>
+            <p:ph type="title"/>
+          </p:nvPr>
+        </p:nvSpPr>
+        <p:spPr>
+          <a:xfrm>
+            <a:off x="824000" y="1613825"/>
+            <a:ext cx="5857800" cy="1872900"/>
+          </a:xfrm>
+          <a:prstGeom prst="rect">
+            <a:avLst/>
+          </a:prstGeom>
+        </p:spPr>
+        <p:txBody>
+          <a:bodyPr anchorCtr="0" anchor="ctr" bIns="91425" lIns="91425" spcFirstLastPara="1" rIns="91425" wrap="square" tIns="91425">
+            <a:normAutofit/>
+          </a:bodyPr>
+          <a:lstStyle/>
+          <a:p>
+            <a:pPr indent="0" lvl="0" marL="0" rtl="0" algn="l">
+              <a:spcBef>
+                <a:spcPts val="0"/>
+              </a:spcBef>
+              <a:spcAft>
+                <a:spcPts val="0"/>
+              </a:spcAft>
+              <a:buNone/>
+            </a:pPr>
+            <a:r>
+              <a:rPr lang="en"/>
+              <a:t>b</a:t>
+            </a:r>
+            <a:r>
+              <a:rPr lang="en"/>
+              <a:t>uilding time.</a:t>
+            </a:r>
+            <a:endParaRPr/>
+          </a:p>
+        </p:txBody>
+      </p:sp>
+    </p:spTree>
+  </p:cSld>
+  <p:clrMapOvr>
+    <a:masterClrMapping/>
+  </p:clrMapOvr>
+</p:sld>
+</file>
+
+<file path=ppt/slides/slide21.xml><?xml version="1.0" encoding="utf-8"?>
+<p:sld xmlns:a="http://schemas.openxmlformats.org/drawingml/2006/main" xmlns:r="http://schemas.openxmlformats.org/officeDocument/2006/relationships" xmlns:mc="http://schemas.openxmlformats.org/markup-compatibility/2006" xmlns:mv="urn:schemas-microsoft-com:mac:vml" xmlns:p="http://schemas.openxmlformats.org/presentationml/2006/main" xmlns:c="http://schemas.openxmlformats.org/drawingml/2006/chart" xmlns:dgm="http://schemas.openxmlformats.org/drawingml/2006/diagram" xmlns:o="urn:schemas-microsoft-com:office:office" xmlns:v="urn:schemas-microsoft-com:vml" xmlns:pvml="urn:schemas-microsoft-com:office:powerpoint" xmlns:com="http://schemas.openxmlformats.org/drawingml/2006/compatibility" xmlns:p14="http://schemas.microsoft.com/office/powerpoint/2010/main" xmlns:p15="http://schemas.microsoft.com/office/powerpoint/2012/main" xmlns:ahyp="http://schemas.microsoft.com/office/drawing/2018/hyperlinkcolor">
+  <p:cSld>
+    <p:spTree>
+      <p:nvGrpSpPr>
+        <p:cNvPr id="395" name="Shape 395"/>
+        <p:cNvGrpSpPr/>
+        <p:nvPr/>
+      </p:nvGrpSpPr>
+      <p:grpSpPr>
+        <a:xfrm>
+          <a:off x="0" y="0"/>
+          <a:ext cx="0" cy="0"/>
+          <a:chOff x="0" y="0"/>
+          <a:chExt cx="0" cy="0"/>
+        </a:xfrm>
+      </p:grpSpPr>
+      <p:sp>
+        <p:nvSpPr>
+          <p:cNvPr id="396" name="Google Shape;396;p33"/>
+          <p:cNvSpPr txBox="1"/>
+          <p:nvPr>
+            <p:ph type="title"/>
+          </p:nvPr>
+        </p:nvSpPr>
+        <p:spPr>
+          <a:xfrm>
+            <a:off x="1388625" y="772725"/>
+            <a:ext cx="6366900" cy="1863300"/>
+          </a:xfrm>
+          <a:prstGeom prst="rect">
+            <a:avLst/>
+          </a:prstGeom>
+        </p:spPr>
+        <p:txBody>
+          <a:bodyPr anchorCtr="0" anchor="ctr" bIns="91425" lIns="91425" spcFirstLastPara="1" rIns="91425" wrap="square" tIns="91425">
+            <a:normAutofit fontScale="90000"/>
+          </a:bodyPr>
+          <a:lstStyle/>
+          <a:p>
+            <a:pPr indent="0" lvl="0" marL="0" rtl="0" algn="ctr">
+              <a:spcBef>
+                <a:spcPts val="0"/>
+              </a:spcBef>
+              <a:spcAft>
+                <a:spcPts val="0"/>
+              </a:spcAft>
+              <a:buNone/>
+            </a:pPr>
+            <a:r>
+              <a:rPr lang="en"/>
+              <a:t>CHALLENGE TIME</a:t>
+            </a:r>
+            <a:endParaRPr/>
+          </a:p>
+        </p:txBody>
+      </p:sp>
+      <p:sp>
+        <p:nvSpPr>
+          <p:cNvPr id="397" name="Google Shape;397;p33"/>
+          <p:cNvSpPr txBox="1"/>
+          <p:nvPr>
+            <p:ph idx="1" type="body"/>
+          </p:nvPr>
+        </p:nvSpPr>
+        <p:spPr>
+          <a:xfrm>
+            <a:off x="1388625" y="2712300"/>
+            <a:ext cx="6366900" cy="1111200"/>
+          </a:xfrm>
+          <a:prstGeom prst="rect">
+            <a:avLst/>
+          </a:prstGeom>
+        </p:spPr>
+        <p:txBody>
+          <a:bodyPr anchorCtr="0" anchor="t" bIns="91425" lIns="91425" spcFirstLastPara="1" rIns="91425" wrap="square" tIns="91425">
+            <a:normAutofit/>
+          </a:bodyPr>
+          <a:lstStyle/>
+          <a:p>
+            <a:pPr indent="0" lvl="0" marL="0" rtl="0" algn="ctr">
+              <a:spcBef>
+                <a:spcPts val="0"/>
+              </a:spcBef>
+              <a:spcAft>
+                <a:spcPts val="1200"/>
+              </a:spcAft>
+              <a:buNone/>
+            </a:pPr>
+            <a:r>
+              <a:t/>
+            </a:r>
+            <a:endParaRPr/>
+          </a:p>
+        </p:txBody>
+      </p:sp>
+    </p:spTree>
+  </p:cSld>
+  <p:clrMapOvr>
+    <a:masterClrMapping/>
+  </p:clrMapOvr>
+</p:sld>
+</file>
+
+<file path=ppt/slides/slide22.xml><?xml version="1.0" encoding="utf-8"?>
+<p:sld xmlns:a="http://schemas.openxmlformats.org/drawingml/2006/main" xmlns:r="http://schemas.openxmlformats.org/officeDocument/2006/relationships" xmlns:mc="http://schemas.openxmlformats.org/markup-compatibility/2006" xmlns:mv="urn:schemas-microsoft-com:mac:vml" xmlns:p="http://schemas.openxmlformats.org/presentationml/2006/main" xmlns:c="http://schemas.openxmlformats.org/drawingml/2006/chart" xmlns:dgm="http://schemas.openxmlformats.org/drawingml/2006/diagram" xmlns:o="urn:schemas-microsoft-com:office:office" xmlns:v="urn:schemas-microsoft-com:vml" xmlns:pvml="urn:schemas-microsoft-com:office:powerpoint" xmlns:com="http://schemas.openxmlformats.org/drawingml/2006/compatibility" xmlns:p14="http://schemas.microsoft.com/office/powerpoint/2010/main" xmlns:p15="http://schemas.microsoft.com/office/powerpoint/2012/main" xmlns:ahyp="http://schemas.microsoft.com/office/drawing/2018/hyperlinkcolor">
+  <p:cSld>
+    <p:spTree>
+      <p:nvGrpSpPr>
+        <p:cNvPr id="401" name="Shape 401"/>
+        <p:cNvGrpSpPr/>
+        <p:nvPr/>
+      </p:nvGrpSpPr>
+      <p:grpSpPr>
+        <a:xfrm>
+          <a:off x="0" y="0"/>
+          <a:ext cx="0" cy="0"/>
+          <a:chOff x="0" y="0"/>
+          <a:chExt cx="0" cy="0"/>
+        </a:xfrm>
+      </p:grpSpPr>
+      <p:sp>
+        <p:nvSpPr>
+          <p:cNvPr id="402" name="Google Shape;402;p34"/>
+          <p:cNvSpPr txBox="1"/>
+          <p:nvPr>
+            <p:ph type="title"/>
+          </p:nvPr>
+        </p:nvSpPr>
+        <p:spPr>
+          <a:xfrm>
+            <a:off x="1303800" y="598575"/>
+            <a:ext cx="7030500" cy="999300"/>
+          </a:xfrm>
+          <a:prstGeom prst="rect">
+            <a:avLst/>
+          </a:prstGeom>
+        </p:spPr>
+        <p:txBody>
+          <a:bodyPr anchorCtr="0" anchor="t" bIns="91425" lIns="91425" spcFirstLastPara="1" rIns="91425" wrap="square" tIns="91425">
+            <a:normAutofit/>
+          </a:bodyPr>
+          <a:lstStyle/>
+          <a:p>
+            <a:pPr indent="0" lvl="0" marL="0" rtl="0" algn="l">
+              <a:spcBef>
+                <a:spcPts val="0"/>
+              </a:spcBef>
+              <a:spcAft>
+                <a:spcPts val="0"/>
+              </a:spcAft>
+              <a:buNone/>
+            </a:pPr>
+            <a:r>
+              <a:rPr lang="en"/>
+              <a:t>Coding Challenge: Make it your own!</a:t>
+            </a:r>
+            <a:endParaRPr/>
+          </a:p>
+        </p:txBody>
+      </p:sp>
+      <p:sp>
+        <p:nvSpPr>
+          <p:cNvPr id="403" name="Google Shape;403;p34"/>
+          <p:cNvSpPr txBox="1"/>
+          <p:nvPr>
+            <p:ph idx="1" type="body"/>
+          </p:nvPr>
+        </p:nvSpPr>
+        <p:spPr>
+          <a:xfrm>
+            <a:off x="1303800" y="1990050"/>
+            <a:ext cx="7030500" cy="2541600"/>
+          </a:xfrm>
+          <a:prstGeom prst="rect">
+            <a:avLst/>
+          </a:prstGeom>
+        </p:spPr>
+        <p:txBody>
+          <a:bodyPr anchorCtr="0" anchor="t" bIns="91425" lIns="91425" spcFirstLastPara="1" rIns="91425" wrap="square" tIns="91425">
+            <a:normAutofit lnSpcReduction="20000"/>
+          </a:bodyPr>
+          <a:lstStyle/>
+          <a:p>
+            <a:pPr indent="0" lvl="0" marL="0" rtl="0" algn="l">
+              <a:spcBef>
+                <a:spcPts val="0"/>
+              </a:spcBef>
+              <a:spcAft>
+                <a:spcPts val="0"/>
+              </a:spcAft>
+              <a:buNone/>
+            </a:pPr>
+            <a:r>
+              <a:rPr lang="en"/>
+              <a:t>Right now, this chatbot works — but it doesn’t have much personality. Your challenge is to add your own creative twist to either the main chat window or the response window. Make it more fun, more useful, or more you. There are no wrong answers!</a:t>
+            </a:r>
+            <a:endParaRPr/>
+          </a:p>
+          <a:p>
+            <a:pPr indent="0" lvl="0" marL="0" rtl="0" algn="l">
+              <a:spcBef>
+                <a:spcPts val="1200"/>
+              </a:spcBef>
+              <a:spcAft>
+                <a:spcPts val="0"/>
+              </a:spcAft>
+              <a:buNone/>
+            </a:pPr>
+            <a:r>
+              <a:rPr lang="en"/>
+              <a:t>IDEAS</a:t>
+            </a:r>
+            <a:endParaRPr/>
+          </a:p>
+          <a:p>
+            <a:pPr indent="-311150" lvl="0" marL="457200" rtl="0" algn="l">
+              <a:spcBef>
+                <a:spcPts val="1200"/>
+              </a:spcBef>
+              <a:spcAft>
+                <a:spcPts val="0"/>
+              </a:spcAft>
+              <a:buSzPts val="1300"/>
+              <a:buChar char="●"/>
+            </a:pPr>
+            <a:r>
+              <a:rPr lang="en"/>
+              <a:t>Change the theme- make it space themed, old western, anything else you think is cool</a:t>
+            </a:r>
+            <a:endParaRPr/>
+          </a:p>
+          <a:p>
+            <a:pPr indent="-298450" lvl="1" marL="914400" rtl="0" algn="l">
+              <a:spcBef>
+                <a:spcPts val="0"/>
+              </a:spcBef>
+              <a:spcAft>
+                <a:spcPts val="0"/>
+              </a:spcAft>
+              <a:buSzPts val="1100"/>
+              <a:buChar char="○"/>
+            </a:pPr>
+            <a:r>
+              <a:rPr lang="en"/>
+              <a:t>Change colors, fonts, window titles</a:t>
+            </a:r>
+            <a:endParaRPr/>
+          </a:p>
+          <a:p>
+            <a:pPr indent="-311150" lvl="0" marL="457200" rtl="0" algn="l">
+              <a:spcBef>
+                <a:spcPts val="0"/>
+              </a:spcBef>
+              <a:spcAft>
+                <a:spcPts val="0"/>
+              </a:spcAft>
+              <a:buSzPts val="1300"/>
+              <a:buChar char="●"/>
+            </a:pPr>
+            <a:r>
+              <a:rPr lang="en"/>
+              <a:t>Show a random fun fact or a joke whenever a window opens</a:t>
+            </a:r>
+            <a:endParaRPr/>
+          </a:p>
+          <a:p>
+            <a:pPr indent="-311150" lvl="0" marL="457200" rtl="0" algn="l">
+              <a:spcBef>
+                <a:spcPts val="0"/>
+              </a:spcBef>
+              <a:spcAft>
+                <a:spcPts val="0"/>
+              </a:spcAft>
+              <a:buSzPts val="1300"/>
+              <a:buChar char="●"/>
+            </a:pPr>
+            <a:r>
+              <a:rPr lang="en"/>
+              <a:t>Add a secret easter egg</a:t>
+            </a:r>
+            <a:endParaRPr/>
+          </a:p>
+          <a:p>
+            <a:pPr indent="-311150" lvl="0" marL="457200" rtl="0" algn="l">
+              <a:spcBef>
+                <a:spcPts val="0"/>
+              </a:spcBef>
+              <a:spcAft>
+                <a:spcPts val="0"/>
+              </a:spcAft>
+              <a:buSzPts val="1300"/>
+              <a:buChar char="●"/>
+            </a:pPr>
+            <a:r>
+              <a:rPr lang="en"/>
+              <a:t>Give your bot personality!</a:t>
+            </a:r>
+            <a:endParaRPr/>
+          </a:p>
+          <a:p>
+            <a:pPr indent="0" lvl="0" marL="0" rtl="0" algn="l">
+              <a:spcBef>
+                <a:spcPts val="1200"/>
+              </a:spcBef>
+              <a:spcAft>
+                <a:spcPts val="1200"/>
+              </a:spcAft>
+              <a:buNone/>
+            </a:pPr>
+            <a:r>
+              <a:t/>
+            </a:r>
+            <a:endParaRPr/>
+          </a:p>
+        </p:txBody>
+      </p:sp>
+    </p:spTree>
+  </p:cSld>
+  <p:clrMapOvr>
+    <a:masterClrMapping/>
+  </p:clrMapOvr>
+</p:sld>
+</file>
+
+<file path=ppt/slides/slide3.xml><?xml version="1.0" encoding="utf-8"?>
+<p:sld xmlns:a="http://schemas.openxmlformats.org/drawingml/2006/main" xmlns:r="http://schemas.openxmlformats.org/officeDocument/2006/relationships" xmlns:mc="http://schemas.openxmlformats.org/markup-compatibility/2006" xmlns:mv="urn:schemas-microsoft-com:mac:vml" xmlns:p="http://schemas.openxmlformats.org/presentationml/2006/main" xmlns:c="http://schemas.openxmlformats.org/drawingml/2006/chart" xmlns:dgm="http://schemas.openxmlformats.org/drawingml/2006/diagram" xmlns:o="urn:schemas-microsoft-com:office:office" xmlns:v="urn:schemas-microsoft-com:vml" xmlns:pvml="urn:schemas-microsoft-com:office:powerpoint" xmlns:com="http://schemas.openxmlformats.org/drawingml/2006/compatibility" xmlns:p14="http://schemas.microsoft.com/office/powerpoint/2010/main" xmlns:p15="http://schemas.microsoft.com/office/powerpoint/2012/main" xmlns:ahyp="http://schemas.microsoft.com/office/drawing/2018/hyperlinkcolor">
+  <p:cSld>
+    <p:spTree>
+      <p:nvGrpSpPr>
+        <p:cNvPr id="288" name="Shape 288"/>
+        <p:cNvGrpSpPr/>
+        <p:nvPr/>
+      </p:nvGrpSpPr>
+      <p:grpSpPr>
+        <a:xfrm>
+          <a:off x="0" y="0"/>
+          <a:ext cx="0" cy="0"/>
+          <a:chOff x="0" y="0"/>
+          <a:chExt cx="0" cy="0"/>
+        </a:xfrm>
+      </p:grpSpPr>
+      <p:sp>
+        <p:nvSpPr>
+          <p:cNvPr id="289" name="Google Shape;289;p15"/>
+          <p:cNvSpPr txBox="1"/>
+          <p:nvPr>
+            <p:ph type="title"/>
+          </p:nvPr>
+        </p:nvSpPr>
+        <p:spPr>
+          <a:xfrm>
+            <a:off x="824000" y="763600"/>
+            <a:ext cx="5857800" cy="3573300"/>
+          </a:xfrm>
+          <a:prstGeom prst="rect">
+            <a:avLst/>
+          </a:prstGeom>
+        </p:spPr>
+        <p:txBody>
+          <a:bodyPr anchorCtr="0" anchor="ctr" bIns="91425" lIns="91425" spcFirstLastPara="1" rIns="91425" wrap="square" tIns="91425">
+            <a:normAutofit/>
+          </a:bodyPr>
+          <a:lstStyle/>
+          <a:p>
+            <a:pPr indent="0" lvl="0" marL="0" rtl="0" algn="l">
+              <a:spcBef>
+                <a:spcPts val="0"/>
+              </a:spcBef>
+              <a:spcAft>
+                <a:spcPts val="0"/>
+              </a:spcAft>
+              <a:buNone/>
+            </a:pPr>
+            <a:r>
+              <a:rPr lang="en"/>
+              <a:t>Agenda</a:t>
+            </a:r>
+            <a:endParaRPr/>
+          </a:p>
+        </p:txBody>
+      </p:sp>
+    </p:spTree>
+  </p:cSld>
+  <p:clrMapOvr>
+    <a:masterClrMapping/>
+  </p:clrMapOvr>
+</p:sld>
+</file>
+
+<file path=ppt/slides/slide4.xml><?xml version="1.0" encoding="utf-8"?>
+<p:sld xmlns:a="http://schemas.openxmlformats.org/drawingml/2006/main" xmlns:r="http://schemas.openxmlformats.org/officeDocument/2006/relationships" xmlns:mc="http://schemas.openxmlformats.org/markup-compatibility/2006" xmlns:mv="urn:schemas-microsoft-com:mac:vml" xmlns:p="http://schemas.openxmlformats.org/presentationml/2006/main" xmlns:c="http://schemas.openxmlformats.org/drawingml/2006/chart" xmlns:dgm="http://schemas.openxmlformats.org/drawingml/2006/diagram" xmlns:o="urn:schemas-microsoft-com:office:office" xmlns:v="urn:schemas-microsoft-com:vml" xmlns:pvml="urn:schemas-microsoft-com:office:powerpoint" xmlns:com="http://schemas.openxmlformats.org/drawingml/2006/compatibility" xmlns:p14="http://schemas.microsoft.com/office/powerpoint/2010/main" xmlns:p15="http://schemas.microsoft.com/office/powerpoint/2012/main" xmlns:ahyp="http://schemas.microsoft.com/office/drawing/2018/hyperlinkcolor">
+  <p:cSld>
+    <p:spTree>
+      <p:nvGrpSpPr>
+        <p:cNvPr id="293" name="Shape 293"/>
+        <p:cNvGrpSpPr/>
+        <p:nvPr/>
+      </p:nvGrpSpPr>
+      <p:grpSpPr>
+        <a:xfrm>
+          <a:off x="0" y="0"/>
+          <a:ext cx="0" cy="0"/>
+          <a:chOff x="0" y="0"/>
+          <a:chExt cx="0" cy="0"/>
+        </a:xfrm>
+      </p:grpSpPr>
+      <p:sp>
+        <p:nvSpPr>
+          <p:cNvPr id="294" name="Google Shape;294;p16"/>
+          <p:cNvSpPr txBox="1"/>
+          <p:nvPr>
+            <p:ph idx="4294967295" type="body"/>
+          </p:nvPr>
+        </p:nvSpPr>
+        <p:spPr>
+          <a:xfrm>
+            <a:off x="982650" y="432750"/>
+            <a:ext cx="7178700" cy="4278000"/>
+          </a:xfrm>
+          <a:prstGeom prst="rect">
+            <a:avLst/>
+          </a:prstGeom>
+        </p:spPr>
+        <p:txBody>
+          <a:bodyPr anchorCtr="0" anchor="t" bIns="91425" lIns="91425" spcFirstLastPara="1" rIns="91425" wrap="square" tIns="91425">
+            <a:noAutofit/>
+          </a:bodyPr>
+          <a:lstStyle/>
+          <a:p>
+            <a:pPr indent="0" lvl="0" marL="0" rtl="0" algn="ctr">
+              <a:spcBef>
+                <a:spcPts val="0"/>
+              </a:spcBef>
+              <a:spcAft>
+                <a:spcPts val="0"/>
+              </a:spcAft>
+              <a:buNone/>
+            </a:pPr>
+            <a:r>
+              <a:rPr b="1" lang="en" sz="2500">
+                <a:solidFill>
+                  <a:schemeClr val="lt1"/>
+                </a:solidFill>
+              </a:rPr>
+              <a:t>Introduction to GenAI</a:t>
+            </a:r>
+            <a:endParaRPr b="1" sz="2500">
+              <a:solidFill>
+                <a:schemeClr val="lt1"/>
+              </a:solidFill>
+            </a:endParaRPr>
+          </a:p>
+          <a:p>
+            <a:pPr indent="0" lvl="0" marL="0" rtl="0" algn="ctr">
+              <a:spcBef>
+                <a:spcPts val="1200"/>
+              </a:spcBef>
+              <a:spcAft>
+                <a:spcPts val="0"/>
+              </a:spcAft>
+              <a:buNone/>
+            </a:pPr>
+            <a:r>
+              <a:t/>
+            </a:r>
+            <a:endParaRPr b="1" sz="2500">
+              <a:solidFill>
+                <a:schemeClr val="lt1"/>
+              </a:solidFill>
+            </a:endParaRPr>
+          </a:p>
+          <a:p>
+            <a:pPr indent="0" lvl="0" marL="0" rtl="0" algn="ctr">
+              <a:spcBef>
+                <a:spcPts val="1200"/>
+              </a:spcBef>
+              <a:spcAft>
+                <a:spcPts val="0"/>
+              </a:spcAft>
+              <a:buNone/>
+            </a:pPr>
+            <a:r>
+              <a:rPr b="1" lang="en" sz="2500">
+                <a:solidFill>
+                  <a:schemeClr val="lt1"/>
+                </a:solidFill>
+              </a:rPr>
+              <a:t>Building a chatbot with Python</a:t>
+            </a:r>
+            <a:endParaRPr b="1" sz="2500">
+              <a:solidFill>
+                <a:schemeClr val="lt1"/>
+              </a:solidFill>
+            </a:endParaRPr>
+          </a:p>
+          <a:p>
+            <a:pPr indent="0" lvl="0" marL="0" rtl="0" algn="ctr">
+              <a:spcBef>
+                <a:spcPts val="1200"/>
+              </a:spcBef>
+              <a:spcAft>
+                <a:spcPts val="0"/>
+              </a:spcAft>
+              <a:buNone/>
+            </a:pPr>
+            <a:r>
+              <a:t/>
+            </a:r>
+            <a:endParaRPr b="1" sz="2500">
+              <a:solidFill>
+                <a:schemeClr val="lt1"/>
+              </a:solidFill>
+            </a:endParaRPr>
+          </a:p>
+          <a:p>
+            <a:pPr indent="0" lvl="0" marL="0" rtl="0" algn="ctr">
+              <a:spcBef>
+                <a:spcPts val="1200"/>
+              </a:spcBef>
+              <a:spcAft>
+                <a:spcPts val="0"/>
+              </a:spcAft>
+              <a:buNone/>
+            </a:pPr>
+            <a:r>
+              <a:rPr b="1" lang="en" sz="2500">
+                <a:solidFill>
+                  <a:schemeClr val="lt1"/>
+                </a:solidFill>
+              </a:rPr>
+              <a:t>Improving Design with Figma</a:t>
+            </a:r>
+            <a:endParaRPr b="1" sz="2500">
+              <a:solidFill>
+                <a:schemeClr val="lt1"/>
+              </a:solidFill>
+            </a:endParaRPr>
+          </a:p>
+          <a:p>
+            <a:pPr indent="0" lvl="0" marL="0" rtl="0" algn="ctr">
+              <a:spcBef>
+                <a:spcPts val="1200"/>
+              </a:spcBef>
+              <a:spcAft>
+                <a:spcPts val="0"/>
+              </a:spcAft>
+              <a:buNone/>
+            </a:pPr>
+            <a:r>
+              <a:t/>
+            </a:r>
+            <a:endParaRPr b="1" sz="2500">
+              <a:solidFill>
+                <a:schemeClr val="lt1"/>
+              </a:solidFill>
+            </a:endParaRPr>
+          </a:p>
+          <a:p>
+            <a:pPr indent="0" lvl="0" marL="0" rtl="0" algn="ctr">
+              <a:spcBef>
+                <a:spcPts val="1200"/>
+              </a:spcBef>
+              <a:spcAft>
+                <a:spcPts val="1200"/>
+              </a:spcAft>
+              <a:buNone/>
+            </a:pPr>
+            <a:r>
+              <a:rPr b="1" lang="en" sz="2500">
+                <a:solidFill>
+                  <a:schemeClr val="lt1"/>
+                </a:solidFill>
+              </a:rPr>
+              <a:t>Final version using React and Flask</a:t>
+            </a:r>
+            <a:endParaRPr b="1" sz="2500">
+              <a:solidFill>
+                <a:schemeClr val="lt1"/>
+              </a:solidFill>
+            </a:endParaRPr>
+          </a:p>
+        </p:txBody>
+      </p:sp>
+    </p:spTree>
+  </p:cSld>
+  <p:clrMapOvr>
+    <a:masterClrMapping/>
+  </p:clrMapOvr>
+</p:sld>
+</file>
+
+<file path=ppt/slides/slide5.xml><?xml version="1.0" encoding="utf-8"?>
+<p:sld xmlns:a="http://schemas.openxmlformats.org/drawingml/2006/main" xmlns:r="http://schemas.openxmlformats.org/officeDocument/2006/relationships" xmlns:mc="http://schemas.openxmlformats.org/markup-compatibility/2006" xmlns:mv="urn:schemas-microsoft-com:mac:vml" xmlns:p="http://schemas.openxmlformats.org/presentationml/2006/main" xmlns:c="http://schemas.openxmlformats.org/drawingml/2006/chart" xmlns:dgm="http://schemas.openxmlformats.org/drawingml/2006/diagram" xmlns:o="urn:schemas-microsoft-com:office:office" xmlns:v="urn:schemas-microsoft-com:vml" xmlns:pvml="urn:schemas-microsoft-com:office:powerpoint" xmlns:com="http://schemas.openxmlformats.org/drawingml/2006/compatibility" xmlns:p14="http://schemas.microsoft.com/office/powerpoint/2010/main" xmlns:p15="http://schemas.microsoft.com/office/powerpoint/2012/main" xmlns:ahyp="http://schemas.microsoft.com/office/drawing/2018/hyperlinkcolor">
+  <p:cSld>
+    <p:spTree>
+      <p:nvGrpSpPr>
+        <p:cNvPr id="298" name="Shape 298"/>
+        <p:cNvGrpSpPr/>
+        <p:nvPr/>
+      </p:nvGrpSpPr>
+      <p:grpSpPr>
+        <a:xfrm>
+          <a:off x="0" y="0"/>
+          <a:ext cx="0" cy="0"/>
+          <a:chOff x="0" y="0"/>
+          <a:chExt cx="0" cy="0"/>
+        </a:xfrm>
+      </p:grpSpPr>
+      <p:sp>
+        <p:nvSpPr>
+          <p:cNvPr id="299" name="Google Shape;299;p17"/>
+          <p:cNvSpPr txBox="1"/>
+          <p:nvPr>
+            <p:ph type="title"/>
+          </p:nvPr>
+        </p:nvSpPr>
+        <p:spPr>
+          <a:xfrm>
+            <a:off x="1388625" y="772725"/>
+            <a:ext cx="6366900" cy="1863300"/>
+          </a:xfrm>
+          <a:prstGeom prst="rect">
+            <a:avLst/>
+          </a:prstGeom>
+        </p:spPr>
+        <p:txBody>
+          <a:bodyPr anchorCtr="0" anchor="ctr" bIns="91425" lIns="91425" spcFirstLastPara="1" rIns="91425" wrap="square" tIns="91425">
+            <a:normAutofit fontScale="90000"/>
+          </a:bodyPr>
+          <a:lstStyle/>
+          <a:p>
+            <a:pPr indent="0" lvl="0" marL="0" rtl="0" algn="ctr">
+              <a:spcBef>
+                <a:spcPts val="0"/>
+              </a:spcBef>
+              <a:spcAft>
+                <a:spcPts val="0"/>
+              </a:spcAft>
+              <a:buNone/>
+            </a:pPr>
+            <a:r>
+              <a:rPr lang="en"/>
+              <a:t>Generative AI</a:t>
+            </a:r>
+            <a:endParaRPr/>
+          </a:p>
+        </p:txBody>
+      </p:sp>
+      <p:sp>
+        <p:nvSpPr>
+          <p:cNvPr id="300" name="Google Shape;300;p17"/>
+          <p:cNvSpPr txBox="1"/>
+          <p:nvPr>
+            <p:ph idx="1" type="body"/>
+          </p:nvPr>
+        </p:nvSpPr>
+        <p:spPr>
+          <a:xfrm>
+            <a:off x="1388625" y="2712300"/>
+            <a:ext cx="6366900" cy="1111200"/>
+          </a:xfrm>
+          <a:prstGeom prst="rect">
+            <a:avLst/>
+          </a:prstGeom>
+        </p:spPr>
+        <p:txBody>
+          <a:bodyPr anchorCtr="0" anchor="t" bIns="91425" lIns="91425" spcFirstLastPara="1" rIns="91425" wrap="square" tIns="91425">
+            <a:normAutofit/>
+          </a:bodyPr>
+          <a:lstStyle/>
+          <a:p>
+            <a:pPr indent="0" lvl="0" marL="0" rtl="0" algn="ctr">
+              <a:spcBef>
+                <a:spcPts val="0"/>
+              </a:spcBef>
+              <a:spcAft>
+                <a:spcPts val="1200"/>
+              </a:spcAft>
+              <a:buNone/>
+            </a:pPr>
+            <a:r>
+              <a:rPr lang="en"/>
+              <a:t>w</a:t>
+            </a:r>
+            <a:r>
+              <a:rPr lang="en"/>
+              <a:t>hat is it woah omg wows</a:t>
+            </a:r>
+            <a:endParaRPr/>
+          </a:p>
+        </p:txBody>
+      </p:sp>
+    </p:spTree>
+  </p:cSld>
+  <p:clrMapOvr>
+    <a:masterClrMapping/>
+  </p:clrMapOvr>
+</p:sld>
+</file>
+
+<file path=ppt/slides/slide6.xml><?xml version="1.0" encoding="utf-8"?>
+<p:sld xmlns:a="http://schemas.openxmlformats.org/drawingml/2006/main" xmlns:r="http://schemas.openxmlformats.org/officeDocument/2006/relationships" xmlns:mc="http://schemas.openxmlformats.org/markup-compatibility/2006" xmlns:mv="urn:schemas-microsoft-com:mac:vml" xmlns:p="http://schemas.openxmlformats.org/presentationml/2006/main" xmlns:c="http://schemas.openxmlformats.org/drawingml/2006/chart" xmlns:dgm="http://schemas.openxmlformats.org/drawingml/2006/diagram" xmlns:o="urn:schemas-microsoft-com:office:office" xmlns:v="urn:schemas-microsoft-com:vml" xmlns:pvml="urn:schemas-microsoft-com:office:powerpoint" xmlns:com="http://schemas.openxmlformats.org/drawingml/2006/compatibility" xmlns:p14="http://schemas.microsoft.com/office/powerpoint/2010/main" xmlns:p15="http://schemas.microsoft.com/office/powerpoint/2012/main" xmlns:ahyp="http://schemas.microsoft.com/office/drawing/2018/hyperlinkcolor">
+  <p:cSld>
+    <p:spTree>
+      <p:nvGrpSpPr>
+        <p:cNvPr id="304" name="Shape 304"/>
+        <p:cNvGrpSpPr/>
+        <p:nvPr/>
+      </p:nvGrpSpPr>
+      <p:grpSpPr>
+        <a:xfrm>
+          <a:off x="0" y="0"/>
+          <a:ext cx="0" cy="0"/>
+          <a:chOff x="0" y="0"/>
+          <a:chExt cx="0" cy="0"/>
+        </a:xfrm>
+      </p:grpSpPr>
+      <p:sp>
+        <p:nvSpPr>
+          <p:cNvPr id="305" name="Google Shape;305;p18"/>
+          <p:cNvSpPr txBox="1"/>
+          <p:nvPr>
+            <p:ph type="title"/>
+          </p:nvPr>
+        </p:nvSpPr>
+        <p:spPr>
+          <a:xfrm>
+            <a:off x="1303800" y="598575"/>
+            <a:ext cx="7030500" cy="999300"/>
+          </a:xfrm>
+          <a:prstGeom prst="rect">
+            <a:avLst/>
+          </a:prstGeom>
+        </p:spPr>
+        <p:txBody>
+          <a:bodyPr anchorCtr="0" anchor="t" bIns="91425" lIns="91425" spcFirstLastPara="1" rIns="91425" wrap="square" tIns="91425">
+            <a:normAutofit/>
+          </a:bodyPr>
+          <a:lstStyle/>
+          <a:p>
+            <a:pPr indent="0" lvl="0" marL="0" rtl="0" algn="l">
+              <a:spcBef>
+                <a:spcPts val="0"/>
+              </a:spcBef>
+              <a:spcAft>
+                <a:spcPts val="0"/>
+              </a:spcAft>
+              <a:buNone/>
+            </a:pPr>
+            <a:r>
+              <a:rPr lang="en"/>
+              <a:t>What is GenAI?</a:t>
+            </a:r>
+            <a:endParaRPr/>
+          </a:p>
+        </p:txBody>
+      </p:sp>
+      <p:sp>
+        <p:nvSpPr>
+          <p:cNvPr id="306" name="Google Shape;306;p18"/>
+          <p:cNvSpPr txBox="1"/>
+          <p:nvPr>
+            <p:ph idx="1" type="body"/>
+          </p:nvPr>
+        </p:nvSpPr>
+        <p:spPr>
+          <a:xfrm>
+            <a:off x="1303800" y="1990050"/>
+            <a:ext cx="7030500" cy="2541600"/>
+          </a:xfrm>
+          <a:prstGeom prst="rect">
+            <a:avLst/>
+          </a:prstGeom>
+        </p:spPr>
+        <p:txBody>
+          <a:bodyPr anchorCtr="0" anchor="t" bIns="91425" lIns="91425" spcFirstLastPara="1" rIns="91425" wrap="square" tIns="91425">
+            <a:normAutofit/>
+          </a:bodyPr>
+          <a:lstStyle/>
+          <a:p>
+            <a:pPr indent="-311150" lvl="0" marL="457200" rtl="0" algn="l">
+              <a:spcBef>
+                <a:spcPts val="0"/>
+              </a:spcBef>
+              <a:spcAft>
+                <a:spcPts val="0"/>
+              </a:spcAft>
+              <a:buSzPts val="1300"/>
+              <a:buChar char="●"/>
+            </a:pPr>
+            <a:r>
+              <a:rPr lang="en"/>
+              <a:t>Type of artificial intelligence that creates new content based on patterns from existing data.</a:t>
+            </a:r>
+            <a:endParaRPr/>
+          </a:p>
+          <a:p>
+            <a:pPr indent="-298450" lvl="1" marL="914400" rtl="0" algn="l">
+              <a:spcBef>
+                <a:spcPts val="0"/>
+              </a:spcBef>
+              <a:spcAft>
+                <a:spcPts val="0"/>
+              </a:spcAft>
+              <a:buSzPts val="1100"/>
+              <a:buChar char="○"/>
+            </a:pPr>
+            <a:r>
+              <a:rPr lang="en"/>
+              <a:t>Text, images, music.</a:t>
+            </a:r>
+            <a:endParaRPr/>
+          </a:p>
+          <a:p>
+            <a:pPr indent="-311150" lvl="0" marL="457200" rtl="0" algn="l">
+              <a:spcBef>
+                <a:spcPts val="0"/>
+              </a:spcBef>
+              <a:spcAft>
+                <a:spcPts val="0"/>
+              </a:spcAft>
+              <a:buSzPts val="1300"/>
+              <a:buChar char="●"/>
+            </a:pPr>
+            <a:r>
+              <a:rPr lang="en"/>
+              <a:t>Trained on large datasets, learns patterns, style, structures.</a:t>
+            </a:r>
+            <a:endParaRPr/>
+          </a:p>
+        </p:txBody>
+      </p:sp>
+    </p:spTree>
+  </p:cSld>
+  <p:clrMapOvr>
+    <a:masterClrMapping/>
+  </p:clrMapOvr>
+</p:sld>
+</file>
+
+<file path=ppt/slides/slide7.xml><?xml version="1.0" encoding="utf-8"?>
+<p:sld xmlns:a="http://schemas.openxmlformats.org/drawingml/2006/main" xmlns:r="http://schemas.openxmlformats.org/officeDocument/2006/relationships" xmlns:mc="http://schemas.openxmlformats.org/markup-compatibility/2006" xmlns:mv="urn:schemas-microsoft-com:mac:vml" xmlns:p="http://schemas.openxmlformats.org/presentationml/2006/main" xmlns:c="http://schemas.openxmlformats.org/drawingml/2006/chart" xmlns:dgm="http://schemas.openxmlformats.org/drawingml/2006/diagram" xmlns:o="urn:schemas-microsoft-com:office:office" xmlns:v="urn:schemas-microsoft-com:vml" xmlns:pvml="urn:schemas-microsoft-com:office:powerpoint" xmlns:com="http://schemas.openxmlformats.org/drawingml/2006/compatibility" xmlns:p14="http://schemas.microsoft.com/office/powerpoint/2010/main" xmlns:p15="http://schemas.microsoft.com/office/powerpoint/2012/main" xmlns:ahyp="http://schemas.microsoft.com/office/drawing/2018/hyperlinkcolor">
+  <p:cSld>
+    <p:spTree>
+      <p:nvGrpSpPr>
+        <p:cNvPr id="310" name="Shape 310"/>
+        <p:cNvGrpSpPr/>
+        <p:nvPr/>
+      </p:nvGrpSpPr>
+      <p:grpSpPr>
+        <a:xfrm>
+          <a:off x="0" y="0"/>
+          <a:ext cx="0" cy="0"/>
+          <a:chOff x="0" y="0"/>
+          <a:chExt cx="0" cy="0"/>
+        </a:xfrm>
+      </p:grpSpPr>
+      <p:sp>
+        <p:nvSpPr>
+          <p:cNvPr id="311" name="Google Shape;311;p19"/>
+          <p:cNvSpPr txBox="1"/>
+          <p:nvPr>
+            <p:ph type="title"/>
+          </p:nvPr>
+        </p:nvSpPr>
+        <p:spPr>
+          <a:xfrm>
+            <a:off x="1303800" y="598575"/>
+            <a:ext cx="7030500" cy="999300"/>
+          </a:xfrm>
+          <a:prstGeom prst="rect">
+            <a:avLst/>
+          </a:prstGeom>
+        </p:spPr>
+        <p:txBody>
+          <a:bodyPr anchorCtr="0" anchor="t" bIns="91425" lIns="91425" spcFirstLastPara="1" rIns="91425" wrap="square" tIns="91425">
+            <a:normAutofit/>
+          </a:bodyPr>
+          <a:lstStyle/>
+          <a:p>
+            <a:pPr indent="0" lvl="0" marL="0" rtl="0" algn="l">
+              <a:spcBef>
+                <a:spcPts val="0"/>
+              </a:spcBef>
+              <a:spcAft>
+                <a:spcPts val="0"/>
+              </a:spcAft>
+              <a:buNone/>
+            </a:pPr>
+            <a:r>
+              <a:rPr lang="en"/>
+              <a:t>Why is it Important?</a:t>
+            </a:r>
+            <a:endParaRPr/>
+          </a:p>
+        </p:txBody>
+      </p:sp>
+      <p:sp>
+        <p:nvSpPr>
+          <p:cNvPr id="312" name="Google Shape;312;p19"/>
+          <p:cNvSpPr txBox="1"/>
+          <p:nvPr>
+            <p:ph idx="1" type="body"/>
+          </p:nvPr>
+        </p:nvSpPr>
+        <p:spPr>
+          <a:xfrm>
+            <a:off x="1303800" y="1990050"/>
+            <a:ext cx="7030500" cy="2541600"/>
+          </a:xfrm>
+          <a:prstGeom prst="rect">
+            <a:avLst/>
+          </a:prstGeom>
+        </p:spPr>
+        <p:txBody>
+          <a:bodyPr anchorCtr="0" anchor="t" bIns="91425" lIns="91425" spcFirstLastPara="1" rIns="91425" wrap="square" tIns="91425">
+            <a:normAutofit/>
+          </a:bodyPr>
+          <a:lstStyle/>
+          <a:p>
+            <a:pPr indent="-311150" lvl="0" marL="457200" rtl="0" algn="l">
+              <a:spcBef>
+                <a:spcPts val="0"/>
+              </a:spcBef>
+              <a:spcAft>
+                <a:spcPts val="0"/>
+              </a:spcAft>
+              <a:buSzPts val="1300"/>
+              <a:buChar char="●"/>
+            </a:pPr>
+            <a:r>
+              <a:rPr lang="en"/>
+              <a:t>Content Generation - scripts, articles, etc.</a:t>
+            </a:r>
+            <a:endParaRPr/>
+          </a:p>
+          <a:p>
+            <a:pPr indent="-311150" lvl="0" marL="457200" rtl="0" algn="l">
+              <a:spcBef>
+                <a:spcPts val="0"/>
+              </a:spcBef>
+              <a:spcAft>
+                <a:spcPts val="0"/>
+              </a:spcAft>
+              <a:buSzPts val="1300"/>
+              <a:buChar char="●"/>
+            </a:pPr>
+            <a:r>
+              <a:rPr lang="en"/>
+              <a:t>Homework Help - math, coding, etc.</a:t>
+            </a:r>
+            <a:endParaRPr/>
+          </a:p>
+          <a:p>
+            <a:pPr indent="-311150" lvl="0" marL="457200" rtl="0" algn="l">
+              <a:spcBef>
+                <a:spcPts val="0"/>
+              </a:spcBef>
+              <a:spcAft>
+                <a:spcPts val="0"/>
+              </a:spcAft>
+              <a:buSzPts val="1300"/>
+              <a:buChar char="●"/>
+            </a:pPr>
+            <a:r>
+              <a:rPr lang="en"/>
+              <a:t>Allows for innovation</a:t>
+            </a:r>
+            <a:endParaRPr/>
+          </a:p>
+        </p:txBody>
+      </p:sp>
+    </p:spTree>
+  </p:cSld>
+  <p:clrMapOvr>
+    <a:masterClrMapping/>
+  </p:clrMapOvr>
+</p:sld>
+</file>
+
+<file path=ppt/slides/slide8.xml><?xml version="1.0" encoding="utf-8"?>
+<p:sld xmlns:a="http://schemas.openxmlformats.org/drawingml/2006/main" xmlns:r="http://schemas.openxmlformats.org/officeDocument/2006/relationships" xmlns:mc="http://schemas.openxmlformats.org/markup-compatibility/2006" xmlns:mv="urn:schemas-microsoft-com:mac:vml" xmlns:p="http://schemas.openxmlformats.org/presentationml/2006/main" xmlns:c="http://schemas.openxmlformats.org/drawingml/2006/chart" xmlns:dgm="http://schemas.openxmlformats.org/drawingml/2006/diagram" xmlns:o="urn:schemas-microsoft-com:office:office" xmlns:v="urn:schemas-microsoft-com:vml" xmlns:pvml="urn:schemas-microsoft-com:office:powerpoint" xmlns:com="http://schemas.openxmlformats.org/drawingml/2006/compatibility" xmlns:p14="http://schemas.microsoft.com/office/powerpoint/2010/main" xmlns:p15="http://schemas.microsoft.com/office/powerpoint/2012/main" xmlns:ahyp="http://schemas.microsoft.com/office/drawing/2018/hyperlinkcolor">
+  <p:cSld>
+    <p:spTree>
+      <p:nvGrpSpPr>
+        <p:cNvPr id="316" name="Shape 316"/>
+        <p:cNvGrpSpPr/>
+        <p:nvPr/>
+      </p:nvGrpSpPr>
+      <p:grpSpPr>
+        <a:xfrm>
+          <a:off x="0" y="0"/>
+          <a:ext cx="0" cy="0"/>
+          <a:chOff x="0" y="0"/>
+          <a:chExt cx="0" cy="0"/>
+        </a:xfrm>
+      </p:grpSpPr>
+      <p:sp>
+        <p:nvSpPr>
+          <p:cNvPr id="317" name="Google Shape;317;p20"/>
+          <p:cNvSpPr txBox="1"/>
+          <p:nvPr>
+            <p:ph type="title"/>
+          </p:nvPr>
+        </p:nvSpPr>
+        <p:spPr>
+          <a:xfrm>
+            <a:off x="1303800" y="598575"/>
+            <a:ext cx="7030500" cy="999300"/>
+          </a:xfrm>
+          <a:prstGeom prst="rect">
+            <a:avLst/>
+          </a:prstGeom>
+        </p:spPr>
+        <p:txBody>
+          <a:bodyPr anchorCtr="0" anchor="t" bIns="91425" lIns="91425" spcFirstLastPara="1" rIns="91425" wrap="square" tIns="91425">
+            <a:normAutofit/>
+          </a:bodyPr>
+          <a:lstStyle/>
+          <a:p>
+            <a:pPr indent="0" lvl="0" marL="0" rtl="0" algn="l">
+              <a:spcBef>
+                <a:spcPts val="0"/>
+              </a:spcBef>
+              <a:spcAft>
+                <a:spcPts val="0"/>
+              </a:spcAft>
+              <a:buNone/>
+            </a:pPr>
+            <a:r>
+              <a:rPr lang="en"/>
+              <a:t>Challenges &amp; Ethical Considerations</a:t>
+            </a:r>
+            <a:endParaRPr/>
+          </a:p>
+        </p:txBody>
+      </p:sp>
+      <p:sp>
+        <p:nvSpPr>
+          <p:cNvPr id="318" name="Google Shape;318;p20"/>
+          <p:cNvSpPr txBox="1"/>
+          <p:nvPr>
+            <p:ph idx="1" type="body"/>
+          </p:nvPr>
+        </p:nvSpPr>
+        <p:spPr>
+          <a:xfrm>
+            <a:off x="1303800" y="1990050"/>
+            <a:ext cx="7030500" cy="2541600"/>
+          </a:xfrm>
+          <a:prstGeom prst="rect">
+            <a:avLst/>
+          </a:prstGeom>
+        </p:spPr>
+        <p:txBody>
+          <a:bodyPr anchorCtr="0" anchor="t" bIns="91425" lIns="91425" spcFirstLastPara="1" rIns="91425" wrap="square" tIns="91425">
+            <a:normAutofit/>
+          </a:bodyPr>
+          <a:lstStyle/>
+          <a:p>
+            <a:pPr indent="-311150" lvl="0" marL="457200" rtl="0" algn="l">
+              <a:spcBef>
+                <a:spcPts val="0"/>
+              </a:spcBef>
+              <a:spcAft>
+                <a:spcPts val="0"/>
+              </a:spcAft>
+              <a:buSzPts val="1300"/>
+              <a:buChar char="●"/>
+            </a:pPr>
+            <a:r>
+              <a:rPr lang="en"/>
+              <a:t>Bias &amp; Fairness - AI models learn from human-created data, which can contain biases.</a:t>
+            </a:r>
+            <a:endParaRPr/>
+          </a:p>
+          <a:p>
+            <a:pPr indent="-298450" lvl="1" marL="914400" rtl="0" algn="l">
+              <a:spcBef>
+                <a:spcPts val="0"/>
+              </a:spcBef>
+              <a:spcAft>
+                <a:spcPts val="0"/>
+              </a:spcAft>
+              <a:buSzPts val="1100"/>
+              <a:buChar char="○"/>
+            </a:pPr>
+            <a:r>
+              <a:rPr lang="en"/>
+              <a:t>biased outputs</a:t>
+            </a:r>
+            <a:endParaRPr/>
+          </a:p>
+          <a:p>
+            <a:pPr indent="-311150" lvl="0" marL="457200" rtl="0" algn="l">
+              <a:spcBef>
+                <a:spcPts val="0"/>
+              </a:spcBef>
+              <a:spcAft>
+                <a:spcPts val="0"/>
+              </a:spcAft>
+              <a:buSzPts val="1300"/>
+              <a:buChar char="●"/>
+            </a:pPr>
+            <a:r>
+              <a:rPr lang="en"/>
+              <a:t>Copyright &amp; Intellectual Property Concerns</a:t>
+            </a:r>
+            <a:endParaRPr/>
+          </a:p>
+          <a:p>
+            <a:pPr indent="-298450" lvl="1" marL="914400" rtl="0" algn="l">
+              <a:spcBef>
+                <a:spcPts val="0"/>
+              </a:spcBef>
+              <a:spcAft>
+                <a:spcPts val="0"/>
+              </a:spcAft>
+              <a:buSzPts val="1100"/>
+              <a:buChar char="○"/>
+            </a:pPr>
+            <a:r>
+              <a:rPr lang="en"/>
+              <a:t>often trained on copyrighted materials without explicit permission.</a:t>
+            </a:r>
+            <a:endParaRPr/>
+          </a:p>
+          <a:p>
+            <a:pPr indent="-311150" lvl="0" marL="457200" rtl="0" algn="l">
+              <a:spcBef>
+                <a:spcPts val="0"/>
+              </a:spcBef>
+              <a:spcAft>
+                <a:spcPts val="0"/>
+              </a:spcAft>
+              <a:buSzPts val="1300"/>
+              <a:buChar char="●"/>
+            </a:pPr>
+            <a:r>
+              <a:rPr lang="en"/>
+              <a:t>Deepfakes &amp; Misinformation</a:t>
+            </a:r>
+            <a:endParaRPr/>
+          </a:p>
+          <a:p>
+            <a:pPr indent="-298450" lvl="1" marL="914400" rtl="0" algn="l">
+              <a:spcBef>
+                <a:spcPts val="0"/>
+              </a:spcBef>
+              <a:spcAft>
+                <a:spcPts val="0"/>
+              </a:spcAft>
+              <a:buSzPts val="1100"/>
+              <a:buChar char="○"/>
+            </a:pPr>
+            <a:r>
+              <a:rPr lang="en"/>
+              <a:t>can be misused for spam, fraud, and automated plagiarism.</a:t>
+            </a:r>
+            <a:endParaRPr/>
+          </a:p>
+        </p:txBody>
+      </p:sp>
+    </p:spTree>
+  </p:cSld>
+  <p:clrMapOvr>
+    <a:masterClrMapping/>
+  </p:clrMapOvr>
+</p:sld>
+</file>
+
+<file path=ppt/slides/slide9.xml><?xml version="1.0" encoding="utf-8"?>
+<p:sld xmlns:a="http://schemas.openxmlformats.org/drawingml/2006/main" xmlns:r="http://schemas.openxmlformats.org/officeDocument/2006/relationships" xmlns:mc="http://schemas.openxmlformats.org/markup-compatibility/2006" xmlns:mv="urn:schemas-microsoft-com:mac:vml" xmlns:p="http://schemas.openxmlformats.org/presentationml/2006/main" xmlns:c="http://schemas.openxmlformats.org/drawingml/2006/chart" xmlns:dgm="http://schemas.openxmlformats.org/drawingml/2006/diagram" xmlns:o="urn:schemas-microsoft-com:office:office" xmlns:v="urn:schemas-microsoft-com:vml" xmlns:pvml="urn:schemas-microsoft-com:office:powerpoint" xmlns:com="http://schemas.openxmlformats.org/drawingml/2006/compatibility" xmlns:p14="http://schemas.microsoft.com/office/powerpoint/2010/main" xmlns:p15="http://schemas.microsoft.com/office/powerpoint/2012/main" xmlns:ahyp="http://schemas.microsoft.com/office/drawing/2018/hyperlinkcolor">
+  <p:cSld>
+    <p:spTree>
+      <p:nvGrpSpPr>
+        <p:cNvPr id="322" name="Shape 322"/>
+        <p:cNvGrpSpPr/>
+        <p:nvPr/>
+      </p:nvGrpSpPr>
+      <p:grpSpPr>
+        <a:xfrm>
+          <a:off x="0" y="0"/>
+          <a:ext cx="0" cy="0"/>
+          <a:chOff x="0" y="0"/>
+          <a:chExt cx="0" cy="0"/>
+        </a:xfrm>
+      </p:grpSpPr>
+      <p:sp>
+        <p:nvSpPr>
+          <p:cNvPr id="323" name="Google Shape;323;p21"/>
+          <p:cNvSpPr txBox="1"/>
+          <p:nvPr>
+            <p:ph type="title"/>
+          </p:nvPr>
+        </p:nvSpPr>
+        <p:spPr>
+          <a:xfrm>
+            <a:off x="1303800" y="598575"/>
+            <a:ext cx="7030500" cy="999300"/>
+          </a:xfrm>
+          <a:prstGeom prst="rect">
+            <a:avLst/>
+          </a:prstGeom>
+        </p:spPr>
+        <p:txBody>
+          <a:bodyPr anchorCtr="0" anchor="t" bIns="91425" lIns="91425" spcFirstLastPara="1" rIns="91425" wrap="square" tIns="91425">
+            <a:normAutofit/>
+          </a:bodyPr>
+          <a:lstStyle/>
+          <a:p>
+            <a:pPr indent="0" lvl="0" marL="0" rtl="0" algn="l">
+              <a:spcBef>
+                <a:spcPts val="0"/>
+              </a:spcBef>
+              <a:spcAft>
+                <a:spcPts val="0"/>
+              </a:spcAft>
+              <a:buNone/>
+            </a:pPr>
+            <a:r>
+              <a:rPr lang="en"/>
+              <a:t>What can we do?</a:t>
+            </a:r>
+            <a:endParaRPr/>
+          </a:p>
+        </p:txBody>
+      </p:sp>
+      <p:sp>
+        <p:nvSpPr>
+          <p:cNvPr id="324" name="Google Shape;324;p21"/>
+          <p:cNvSpPr txBox="1"/>
+          <p:nvPr>
+            <p:ph idx="1" type="body"/>
+          </p:nvPr>
+        </p:nvSpPr>
+        <p:spPr>
+          <a:xfrm>
+            <a:off x="1303800" y="1990050"/>
+            <a:ext cx="7030500" cy="2541600"/>
+          </a:xfrm>
+          <a:prstGeom prst="rect">
+            <a:avLst/>
+          </a:prstGeom>
+        </p:spPr>
+        <p:txBody>
+          <a:bodyPr anchorCtr="0" anchor="t" bIns="91425" lIns="91425" spcFirstLastPara="1" rIns="91425" wrap="square" tIns="91425">
+            <a:normAutofit/>
+          </a:bodyPr>
+          <a:lstStyle/>
+          <a:p>
+            <a:pPr indent="-311150" lvl="0" marL="457200" rtl="0" algn="l">
+              <a:spcBef>
+                <a:spcPts val="0"/>
+              </a:spcBef>
+              <a:spcAft>
+                <a:spcPts val="0"/>
+              </a:spcAft>
+              <a:buSzPts val="1300"/>
+              <a:buChar char="●"/>
+            </a:pPr>
+            <a:r>
+              <a:rPr lang="en"/>
+              <a:t>AI is a Collaborator, Not a Replacement</a:t>
+            </a:r>
+            <a:endParaRPr/>
+          </a:p>
+          <a:p>
+            <a:pPr indent="-298450" lvl="1" marL="914400" rtl="0" algn="l">
+              <a:spcBef>
+                <a:spcPts val="0"/>
+              </a:spcBef>
+              <a:spcAft>
+                <a:spcPts val="0"/>
+              </a:spcAft>
+              <a:buSzPts val="1100"/>
+              <a:buChar char="○"/>
+            </a:pPr>
+            <a:r>
+              <a:rPr lang="en"/>
+              <a:t>meant to assist, not replace, human creativity.</a:t>
+            </a:r>
+            <a:endParaRPr/>
+          </a:p>
+          <a:p>
+            <a:pPr indent="-311150" lvl="0" marL="457200" rtl="0" algn="l">
+              <a:spcBef>
+                <a:spcPts val="0"/>
+              </a:spcBef>
+              <a:spcAft>
+                <a:spcPts val="0"/>
+              </a:spcAft>
+              <a:buSzPts val="1300"/>
+              <a:buChar char="●"/>
+            </a:pPr>
+            <a:r>
+              <a:rPr lang="en"/>
+              <a:t>AI is Creating New Opportunities</a:t>
+            </a:r>
+            <a:endParaRPr/>
+          </a:p>
+          <a:p>
+            <a:pPr indent="-298450" lvl="1" marL="914400" rtl="0" algn="l">
+              <a:spcBef>
+                <a:spcPts val="0"/>
+              </a:spcBef>
+              <a:spcAft>
+                <a:spcPts val="0"/>
+              </a:spcAft>
+              <a:buSzPts val="1100"/>
+              <a:buChar char="○"/>
+            </a:pPr>
+            <a:r>
+              <a:rPr lang="en"/>
+              <a:t>reshaping industries and creating new career paths.</a:t>
+            </a:r>
+            <a:endParaRPr/>
+          </a:p>
+          <a:p>
+            <a:pPr indent="-298450" lvl="1" marL="914400" rtl="0" algn="l">
+              <a:spcBef>
+                <a:spcPts val="0"/>
+              </a:spcBef>
+              <a:spcAft>
+                <a:spcPts val="0"/>
+              </a:spcAft>
+              <a:buSzPts val="1100"/>
+              <a:buChar char="○"/>
+            </a:pPr>
+            <a:r>
+              <a:rPr lang="en"/>
+              <a:t>Prompt Engineering / Applied AI</a:t>
+            </a:r>
+            <a:endParaRPr/>
+          </a:p>
+          <a:p>
+            <a:pPr indent="-311150" lvl="0" marL="457200" rtl="0" algn="l">
+              <a:spcBef>
+                <a:spcPts val="0"/>
+              </a:spcBef>
+              <a:spcAft>
+                <a:spcPts val="0"/>
+              </a:spcAft>
+              <a:buSzPts val="1300"/>
+              <a:buChar char="●"/>
+            </a:pPr>
+            <a:r>
+              <a:rPr lang="en"/>
+              <a:t>AI is Here to Help, Not to Take Over</a:t>
+            </a:r>
+            <a:endParaRPr/>
+          </a:p>
+          <a:p>
+            <a:pPr indent="-298450" lvl="1" marL="914400" rtl="0" algn="l">
+              <a:spcBef>
+                <a:spcPts val="0"/>
+              </a:spcBef>
+              <a:spcAft>
+                <a:spcPts val="0"/>
+              </a:spcAft>
+              <a:buSzPts val="1100"/>
+              <a:buChar char="○"/>
+            </a:pPr>
+            <a:r>
+              <a:rPr lang="en"/>
+              <a:t>Generative AI is a tool that amplifies human creativity, productivity, and innovation.</a:t>
+            </a:r>
+            <a:endParaRPr/>
+          </a:p>
+        </p:txBody>
+      </p:sp>
+    </p:spTree>
+  </p:cSld>
+  <p:clrMapOvr>
+    <a:masterClrMapping/>
+  </p:clrMapOvr>
+</p:sld>
+</file>
+
 <file path=ppt/theme/theme1.xml><?xml version="1.0" encoding="utf-8"?>
+<a:theme xmlns:a="http://schemas.openxmlformats.org/drawingml/2006/main" xmlns:r="http://schemas.openxmlformats.org/officeDocument/2006/relationships">
+  <a:themeElements>
+    <a:clrScheme name="Default">
+      <a:dk1>
+        <a:srgbClr val="000000"/>
+      </a:dk1>
+      <a:lt1>
+        <a:srgbClr val="FFFFFF"/>
+      </a:lt1>
+      <a:dk2>
+        <a:srgbClr val="158158"/>
+      </a:dk2>
+      <a:lt2>
+        <a:srgbClr val="F3F3F3"/>
+      </a:lt2>
+      <a:accent1>
+        <a:srgbClr val="058DC7"/>
+      </a:accent1>
+      <a:accent2>
+        <a:srgbClr val="50B432"/>
+      </a:accent2>
+      <a:accent3>
+        <a:srgbClr val="ED561B"/>
+      </a:accent3>
+      <a:accent4>
+        <a:srgbClr val="EDEF00"/>
+      </a:accent4>
+      <a:accent5>
+        <a:srgbClr val="24CBE5"/>
+      </a:accent5>
+      <a:accent6>
+        <a:srgbClr val="64E572"/>
+      </a:accent6>
+      <a:hlink>
+        <a:srgbClr val="2200CC"/>
+      </a:hlink>
+      <a:folHlink>
+        <a:srgbClr val="551A8B"/>
+      </a:folHlink>
+    </a:clrScheme>
+    <a:fontScheme name="Office">
+      <a:majorFont>
+        <a:latin typeface="Arial"/>
+        <a:ea typeface=""/>
+        <a:cs typeface=""/>
+        <a:font script="Jpan" typeface="ＭＳ Ｐゴシック"/>
+        <a:font script="Hang" typeface="맑은 고딕"/>
+        <a:font script="Hans" typeface="宋体"/>
+        <a:font script="Hant" typeface="新細明體"/>
+        <a:font script="Arab" typeface="Times New Roman"/>
+        <a:font script="Hebr" typeface="Times New Roman"/>
+        <a:font script="Thai" typeface="Angsana New"/>
+        <a:font script="Ethi" typeface="Nyala"/>
+        <a:font script="Beng" typeface="Vrinda"/>
+        <a:font script="Gujr" typeface="Shruti"/>
+        <a:font script="Khmr" typeface="MoolBoran"/>
+        <a:font script="Knda" typeface="Tunga"/>
+        <a:font script="Guru" typeface="Raavi"/>
+        <a:font script="Cans" typeface="Euphemia"/>
+        <a:font script="Cher" typeface="Plantagenet Cherokee"/>
+        <a:font script="Yiii" typeface="Microsoft Yi Baiti"/>
+        <a:font script="Tibt" typeface="Microsoft Himalaya"/>
+        <a:font script="Thaa" typeface="MV Boli"/>
+        <a:font script="Deva" typeface="Mangal"/>
+        <a:font script="Telu" typeface="Gautami"/>
+        <a:font script="Taml" typeface="Latha"/>
+        <a:font script="Syrc" typeface="Estrangelo Edessa"/>
+        <a:font script="Orya" typeface="Kalinga"/>
+        <a:font script="Mlym" typeface="Kartika"/>
+        <a:font script="Laoo" typeface="DokChampa"/>
+        <a:font script="Sinh" typeface="Iskoola Pota"/>
+        <a:font script="Mong" typeface="Mongolian Baiti"/>
+        <a:font script="Viet" typeface="Times New Roman"/>
+        <a:font script="Uigh" typeface="Microsoft Uighur"/>
+        <a:font script="Geor" typeface="Sylfaen"/>
+      </a:majorFont>
+      <a:minorFont>
+        <a:latin typeface="Arial"/>
+        <a:ea typeface=""/>
+        <a:cs typeface=""/>
+        <a:font script="Jpan" typeface="ＭＳ Ｐゴシック"/>
+        <a:font script="Hang" typeface="맑은 고딕"/>
+        <a:font script="Hans" typeface="宋体"/>
+        <a:font script="Hant" typeface="新細明體"/>
+        <a:font script="Arab" typeface="Arial"/>
+        <a:font script="Hebr" typeface="Arial"/>
+        <a:font script="Thai" typeface="Cordia New"/>
+        <a:font script="Ethi" typeface="Nyala"/>
+        <a:font script="Beng" typeface="Vrinda"/>
+        <a:font script="Gujr" typeface="Shruti"/>
+        <a:font script="Khmr" typeface="DaunPenh"/>
+        <a:font script="Knda" typeface="Tunga"/>
+        <a:font script="Guru" typeface="Raavi"/>
+        <a:font script="Cans" typeface="Euphemia"/>
+        <a:font script="Cher" typeface="Plantagenet Cherokee"/>
+        <a:font script="Yiii" typeface="Microsoft Yi Baiti"/>
+        <a:font script="Tibt" typeface="Microsoft Himalaya"/>
+        <a:font script="Thaa" typeface="MV Boli"/>
+        <a:font script="Deva" typeface="Mangal"/>
+        <a:font script="Telu" typeface="Gautami"/>
+        <a:font script="Taml" typeface="Latha"/>
+        <a:font script="Syrc" typeface="Estrangelo Edessa"/>
+        <a:font script="Orya" typeface="Kalinga"/>
+        <a:font script="Mlym" typeface="Kartika"/>
+        <a:font script="Laoo" typeface="DokChampa"/>
+        <a:font script="Sinh" typeface="Iskoola Pota"/>
+        <a:font script="Mong" typeface="Mongolian Baiti"/>
+        <a:font script="Viet" typeface="Arial"/>
+        <a:font script="Uigh" typeface="Microsoft Uighur"/>
+        <a:font script="Geor" typeface="Sylfaen"/>
+      </a:minorFont>
+    </a:fontScheme>
+    <a:fmtScheme name="Office">
+      <a:fillStyleLst>
+        <a:solidFill>
+          <a:schemeClr val="phClr"/>
+        </a:solidFill>
+        <a:gradFill rotWithShape="1">
+          <a:gsLst>
+            <a:gs pos="0">
+              <a:schemeClr val="phClr">
+                <a:tint val="50000"/>
+                <a:satMod val="300000"/>
+              </a:schemeClr>
+            </a:gs>
+            <a:gs pos="35000">
+              <a:schemeClr val="phClr">
+                <a:tint val="37000"/>
+                <a:satMod val="300000"/>
+              </a:schemeClr>
+            </a:gs>
+            <a:gs pos="100000">
+              <a:schemeClr val="phClr">
+                <a:tint val="15000"/>
+                <a:satMod val="350000"/>
+              </a:schemeClr>
+            </a:gs>
+          </a:gsLst>
+          <a:lin ang="16200000" scaled="1"/>
+        </a:gradFill>
+        <a:gradFill rotWithShape="1">
+          <a:gsLst>
+            <a:gs pos="0">
+              <a:schemeClr val="phClr">
+                <a:tint val="100000"/>
+                <a:shade val="100000"/>
+                <a:satMod val="130000"/>
+              </a:schemeClr>
+            </a:gs>
+            <a:gs pos="100000">
+              <a:schemeClr val="phClr">
+                <a:tint val="50000"/>
+                <a:shade val="100000"/>
+                <a:satMod val="350000"/>
+              </a:schemeClr>
+            </a:gs>
+          </a:gsLst>
+          <a:lin ang="16200000" scaled="0"/>
+        </a:gradFill>
+      </a:fillStyleLst>
+      <a:lnStyleLst>
+        <a:ln w="9525" cap="flat" cmpd="sng" algn="ctr">
+          <a:solidFill>
+            <a:schemeClr val="phClr">
+              <a:shade val="95000"/>
+              <a:satMod val="105000"/>
+            </a:schemeClr>
+          </a:solidFill>
+          <a:prstDash val="solid"/>
+        </a:ln>
+        <a:ln w="25400" cap="flat" cmpd="sng" algn="ctr">
+          <a:solidFill>
+            <a:schemeClr val="phClr"/>
+          </a:solidFill>
+          <a:prstDash val="solid"/>
+        </a:ln>
+        <a:ln w="38100" cap="flat" cmpd="sng" algn="ctr">
+          <a:solidFill>
+            <a:schemeClr val="phClr"/>
+          </a:solidFill>
+          <a:prstDash val="solid"/>
+        </a:ln>
+      </a:lnStyleLst>
+      <a:effectStyleLst>
+        <a:effectStyle>
+          <a:effectLst>
+            <a:outerShdw blurRad="40000" dist="20000" dir="5400000" rotWithShape="0">
+              <a:srgbClr val="000000">
+                <a:alpha val="38000"/>
+              </a:srgbClr>
+            </a:outerShdw>
+          </a:effectLst>
+        </a:effectStyle>
+        <a:effectStyle>
+          <a:effectLst>
+            <a:outerShdw blurRad="40000" dist="23000" dir="5400000" rotWithShape="0">
+              <a:srgbClr val="000000">
+                <a:alpha val="35000"/>
+              </a:srgbClr>
+            </a:outerShdw>
+          </a:effectLst>
+        </a:effectStyle>
+        <a:effectStyle>
+          <a:effectLst>
+            <a:outerShdw blurRad="40000" dist="23000" dir="5400000" rotWithShape="0">
+              <a:srgbClr val="000000">
+                <a:alpha val="35000"/>
+              </a:srgbClr>
+            </a:outerShdw>
+          </a:effectLst>
+          <a:scene3d>
+            <a:camera prst="orthographicFront">
+              <a:rot lat="0" lon="0" rev="0"/>
+            </a:camera>
+            <a:lightRig rig="threePt" dir="t">
+              <a:rot lat="0" lon="0" rev="1200000"/>
+            </a:lightRig>
+          </a:scene3d>
+          <a:sp3d>
+            <a:bevelT w="63500" h="25400"/>
+          </a:sp3d>
+        </a:effectStyle>
+      </a:effectStyleLst>
+      <a:bgFillStyleLst>
+        <a:solidFill>
+          <a:schemeClr val="phClr"/>
+        </a:solidFill>
+        <a:gradFill rotWithShape="1">
+          <a:gsLst>
+            <a:gs pos="0">
+              <a:schemeClr val="phClr">
+                <a:tint val="40000"/>
+                <a:satMod val="350000"/>
+              </a:schemeClr>
+            </a:gs>
+            <a:gs pos="40000">
+              <a:schemeClr val="phClr">
+                <a:tint val="45000"/>
+                <a:shade val="99000"/>
+                <a:satMod val="350000"/>
+              </a:schemeClr>
+            </a:gs>
+            <a:gs pos="100000">
+              <a:schemeClr val="phClr">
+                <a:shade val="20000"/>
+                <a:satMod val="255000"/>
+              </a:schemeClr>
+            </a:gs>
+          </a:gsLst>
+          <a:path path="circle">
+            <a:fillToRect l="50000" t="-80000" r="50000" b="180000"/>
+          </a:path>
+        </a:gradFill>
+        <a:gradFill rotWithShape="1">
+          <a:gsLst>
+            <a:gs pos="0">
+              <a:schemeClr val="phClr">
+                <a:tint val="80000"/>
+                <a:satMod val="300000"/>
+              </a:schemeClr>
+            </a:gs>
+            <a:gs pos="100000">
+              <a:schemeClr val="phClr">
+                <a:shade val="30000"/>
+                <a:satMod val="200000"/>
+              </a:schemeClr>
+            </a:gs>
+          </a:gsLst>
+          <a:path path="circle">
+            <a:fillToRect l="50000" t="50000" r="50000" b="50000"/>
+          </a:path>
+        </a:gradFill>
+      </a:bgFillStyleLst>
+    </a:fmtScheme>
+  </a:themeElements>
+</a:theme>
+</file>
+
+<file path=ppt/theme/theme2.xml><?xml version="1.0" encoding="utf-8"?>
 <a:theme xmlns:a="http://schemas.openxmlformats.org/drawingml/2006/main" xmlns:r="http://schemas.openxmlformats.org/officeDocument/2006/relationships" name="Momentum">
   <a:themeElements>
     <a:clrScheme name="Momentum">
@@ -19399,283 +20782,4 @@
     </a:fmtScheme>
   </a:themeElements>
 </a:theme>
-</file>
-
-<file path=ppt/theme/theme2.xml><?xml version="1.0" encoding="utf-8"?>
-<a:theme xmlns:a="http://schemas.openxmlformats.org/drawingml/2006/main" xmlns:r="http://schemas.openxmlformats.org/officeDocument/2006/relationships">
-  <a:themeElements>
-    <a:clrScheme name="Default">
-      <a:dk1>
-        <a:srgbClr val="000000"/>
-      </a:dk1>
-      <a:lt1>
-        <a:srgbClr val="FFFFFF"/>
-      </a:lt1>
-      <a:dk2>
-        <a:srgbClr val="158158"/>
-      </a:dk2>
-      <a:lt2>
-        <a:srgbClr val="F3F3F3"/>
-      </a:lt2>
-      <a:accent1>
-        <a:srgbClr val="058DC7"/>
-      </a:accent1>
-      <a:accent2>
-        <a:srgbClr val="50B432"/>
-      </a:accent2>
-      <a:accent3>
-        <a:srgbClr val="ED561B"/>
-      </a:accent3>
-      <a:accent4>
-        <a:srgbClr val="EDEF00"/>
-      </a:accent4>
-      <a:accent5>
-        <a:srgbClr val="24CBE5"/>
-      </a:accent5>
-      <a:accent6>
-        <a:srgbClr val="64E572"/>
-      </a:accent6>
-      <a:hlink>
-        <a:srgbClr val="2200CC"/>
-      </a:hlink>
-      <a:folHlink>
-        <a:srgbClr val="551A8B"/>
-      </a:folHlink>
-    </a:clrScheme>
-    <a:fontScheme name="Office">
-      <a:majorFont>
-        <a:latin typeface="Arial"/>
-        <a:ea typeface=""/>
-        <a:cs typeface=""/>
-        <a:font script="Jpan" typeface="ＭＳ Ｐゴシック"/>
-        <a:font script="Hang" typeface="맑은 고딕"/>
-        <a:font script="Hans" typeface="宋体"/>
-        <a:font script="Hant" typeface="新細明體"/>
-        <a:font script="Arab" typeface="Times New Roman"/>
-        <a:font script="Hebr" typeface="Times New Roman"/>
-        <a:font script="Thai" typeface="Angsana New"/>
-        <a:font script="Ethi" typeface="Nyala"/>
-        <a:font script="Beng" typeface="Vrinda"/>
-        <a:font script="Gujr" typeface="Shruti"/>
-        <a:font script="Khmr" typeface="MoolBoran"/>
-        <a:font script="Knda" typeface="Tunga"/>
-        <a:font script="Guru" typeface="Raavi"/>
-        <a:font script="Cans" typeface="Euphemia"/>
-        <a:font script="Cher" typeface="Plantagenet Cherokee"/>
-        <a:font script="Yiii" typeface="Microsoft Yi Baiti"/>
-        <a:font script="Tibt" typeface="Microsoft Himalaya"/>
-        <a:font script="Thaa" typeface="MV Boli"/>
-        <a:font script="Deva" typeface="Mangal"/>
-        <a:font script="Telu" typeface="Gautami"/>
-        <a:font script="Taml" typeface="Latha"/>
-        <a:font script="Syrc" typeface="Estrangelo Edessa"/>
-        <a:font script="Orya" typeface="Kalinga"/>
-        <a:font script="Mlym" typeface="Kartika"/>
-        <a:font script="Laoo" typeface="DokChampa"/>
-        <a:font script="Sinh" typeface="Iskoola Pota"/>
-        <a:font script="Mong" typeface="Mongolian Baiti"/>
-        <a:font script="Viet" typeface="Times New Roman"/>
-        <a:font script="Uigh" typeface="Microsoft Uighur"/>
-        <a:font script="Geor" typeface="Sylfaen"/>
-      </a:majorFont>
-      <a:minorFont>
-        <a:latin typeface="Arial"/>
-        <a:ea typeface=""/>
-        <a:cs typeface=""/>
-        <a:font script="Jpan" typeface="ＭＳ Ｐゴシック"/>
-        <a:font script="Hang" typeface="맑은 고딕"/>
-        <a:font script="Hans" typeface="宋体"/>
-        <a:font script="Hant" typeface="新細明體"/>
-        <a:font script="Arab" typeface="Arial"/>
-        <a:font script="Hebr" typeface="Arial"/>
-        <a:font script="Thai" typeface="Cordia New"/>
-        <a:font script="Ethi" typeface="Nyala"/>
-        <a:font script="Beng" typeface="Vrinda"/>
-        <a:font script="Gujr" typeface="Shruti"/>
-        <a:font script="Khmr" typeface="DaunPenh"/>
-        <a:font script="Knda" typeface="Tunga"/>
-        <a:font script="Guru" typeface="Raavi"/>
-        <a:font script="Cans" typeface="Euphemia"/>
-        <a:font script="Cher" typeface="Plantagenet Cherokee"/>
-        <a:font script="Yiii" typeface="Microsoft Yi Baiti"/>
-        <a:font script="Tibt" typeface="Microsoft Himalaya"/>
-        <a:font script="Thaa" typeface="MV Boli"/>
-        <a:font script="Deva" typeface="Mangal"/>
-        <a:font script="Telu" typeface="Gautami"/>
-        <a:font script="Taml" typeface="Latha"/>
-        <a:font script="Syrc" typeface="Estrangelo Edessa"/>
-        <a:font script="Orya" typeface="Kalinga"/>
-        <a:font script="Mlym" typeface="Kartika"/>
-        <a:font script="Laoo" typeface="DokChampa"/>
-        <a:font script="Sinh" typeface="Iskoola Pota"/>
-        <a:font script="Mong" typeface="Mongolian Baiti"/>
-        <a:font script="Viet" typeface="Arial"/>
-        <a:font script="Uigh" typeface="Microsoft Uighur"/>
-        <a:font script="Geor" typeface="Sylfaen"/>
-      </a:minorFont>
-    </a:fontScheme>
-    <a:fmtScheme name="Office">
-      <a:fillStyleLst>
-        <a:solidFill>
-          <a:schemeClr val="phClr"/>
-        </a:solidFill>
-        <a:gradFill rotWithShape="1">
-          <a:gsLst>
-            <a:gs pos="0">
-              <a:schemeClr val="phClr">
-                <a:tint val="50000"/>
-                <a:satMod val="300000"/>
-              </a:schemeClr>
-            </a:gs>
-            <a:gs pos="35000">
-              <a:schemeClr val="phClr">
-                <a:tint val="37000"/>
-                <a:satMod val="300000"/>
-              </a:schemeClr>
-            </a:gs>
-            <a:gs pos="100000">
-              <a:schemeClr val="phClr">
-                <a:tint val="15000"/>
-                <a:satMod val="350000"/>
-              </a:schemeClr>
-            </a:gs>
-          </a:gsLst>
-          <a:lin ang="16200000" scaled="1"/>
-        </a:gradFill>
-        <a:gradFill rotWithShape="1">
-          <a:gsLst>
-            <a:gs pos="0">
-              <a:schemeClr val="phClr">
-                <a:tint val="100000"/>
-                <a:shade val="100000"/>
-                <a:satMod val="130000"/>
-              </a:schemeClr>
-            </a:gs>
-            <a:gs pos="100000">
-              <a:schemeClr val="phClr">
-                <a:tint val="50000"/>
-                <a:shade val="100000"/>
-                <a:satMod val="350000"/>
-              </a:schemeClr>
-            </a:gs>
-          </a:gsLst>
-          <a:lin ang="16200000" scaled="0"/>
-        </a:gradFill>
-      </a:fillStyleLst>
-      <a:lnStyleLst>
-        <a:ln w="9525" cap="flat" cmpd="sng" algn="ctr">
-          <a:solidFill>
-            <a:schemeClr val="phClr">
-              <a:shade val="95000"/>
-              <a:satMod val="105000"/>
-            </a:schemeClr>
-          </a:solidFill>
-          <a:prstDash val="solid"/>
-        </a:ln>
-        <a:ln w="25400" cap="flat" cmpd="sng" algn="ctr">
-          <a:solidFill>
-            <a:schemeClr val="phClr"/>
-          </a:solidFill>
-          <a:prstDash val="solid"/>
-        </a:ln>
-        <a:ln w="38100" cap="flat" cmpd="sng" algn="ctr">
-          <a:solidFill>
-            <a:schemeClr val="phClr"/>
-          </a:solidFill>
-          <a:prstDash val="solid"/>
-        </a:ln>
-      </a:lnStyleLst>
-      <a:effectStyleLst>
-        <a:effectStyle>
-          <a:effectLst>
-            <a:outerShdw blurRad="40000" dist="20000" dir="5400000" rotWithShape="0">
-              <a:srgbClr val="000000">
-                <a:alpha val="38000"/>
-              </a:srgbClr>
-            </a:outerShdw>
-          </a:effectLst>
-        </a:effectStyle>
-        <a:effectStyle>
-          <a:effectLst>
-            <a:outerShdw blurRad="40000" dist="23000" dir="5400000" rotWithShape="0">
-              <a:srgbClr val="000000">
-                <a:alpha val="35000"/>
-              </a:srgbClr>
-            </a:outerShdw>
-          </a:effectLst>
-        </a:effectStyle>
-        <a:effectStyle>
-          <a:effectLst>
-            <a:outerShdw blurRad="40000" dist="23000" dir="5400000" rotWithShape="0">
-              <a:srgbClr val="000000">
-                <a:alpha val="35000"/>
-              </a:srgbClr>
-            </a:outerShdw>
-          </a:effectLst>
-          <a:scene3d>
-            <a:camera prst="orthographicFront">
-              <a:rot lat="0" lon="0" rev="0"/>
-            </a:camera>
-            <a:lightRig rig="threePt" dir="t">
-              <a:rot lat="0" lon="0" rev="1200000"/>
-            </a:lightRig>
-          </a:scene3d>
-          <a:sp3d>
-            <a:bevelT w="63500" h="25400"/>
-          </a:sp3d>
-        </a:effectStyle>
-      </a:effectStyleLst>
-      <a:bgFillStyleLst>
-        <a:solidFill>
-          <a:schemeClr val="phClr"/>
-        </a:solidFill>
-        <a:gradFill rotWithShape="1">
-          <a:gsLst>
-            <a:gs pos="0">
-              <a:schemeClr val="phClr">
-                <a:tint val="40000"/>
-                <a:satMod val="350000"/>
-              </a:schemeClr>
-            </a:gs>
-            <a:gs pos="40000">
-              <a:schemeClr val="phClr">
-                <a:tint val="45000"/>
-                <a:shade val="99000"/>
-                <a:satMod val="350000"/>
-              </a:schemeClr>
-            </a:gs>
-            <a:gs pos="100000">
-              <a:schemeClr val="phClr">
-                <a:shade val="20000"/>
-                <a:satMod val="255000"/>
-              </a:schemeClr>
-            </a:gs>
-          </a:gsLst>
-          <a:path path="circle">
-            <a:fillToRect l="50000" t="-80000" r="50000" b="180000"/>
-          </a:path>
-        </a:gradFill>
-        <a:gradFill rotWithShape="1">
-          <a:gsLst>
-            <a:gs pos="0">
-              <a:schemeClr val="phClr">
-                <a:tint val="80000"/>
-                <a:satMod val="300000"/>
-              </a:schemeClr>
-            </a:gs>
-            <a:gs pos="100000">
-              <a:schemeClr val="phClr">
-                <a:shade val="30000"/>
-                <a:satMod val="200000"/>
-              </a:schemeClr>
-            </a:gs>
-          </a:gsLst>
-          <a:path path="circle">
-            <a:fillToRect l="50000" t="50000" r="50000" b="50000"/>
-          </a:path>
-        </a:gradFill>
-      </a:bgFillStyleLst>
-    </a:fmtScheme>
-  </a:themeElements>
-</a:theme>
 </file>